--- a/proyecto final.pptx
+++ b/proyecto final.pptx
@@ -15667,12 +15667,20 @@
           <a:lstStyle/>
           <a:p>
             <a:r>
+              <a:rPr lang="es-CO" dirty="0" err="1">
+                <a:solidFill>
+                  <a:schemeClr val="accent2"/>
+                </a:solidFill>
+              </a:rPr>
+              <a:t>Class</a:t>
+            </a:r>
+            <a:r>
               <a:rPr lang="es-CO" dirty="0">
                 <a:solidFill>
                   <a:schemeClr val="accent2"/>
                 </a:solidFill>
               </a:rPr>
-              <a:t>Void </a:t>
+              <a:t> </a:t>
             </a:r>
             <a:r>
               <a:rPr lang="es-CO" dirty="0">
@@ -15706,12 +15714,20 @@
           </a:p>
           <a:p>
             <a:r>
+              <a:rPr lang="es-CO" dirty="0" err="1">
+                <a:solidFill>
+                  <a:schemeClr val="accent2"/>
+                </a:solidFill>
+              </a:rPr>
+              <a:t>Class</a:t>
+            </a:r>
+            <a:r>
               <a:rPr lang="es-CO" dirty="0">
                 <a:solidFill>
                   <a:schemeClr val="accent2"/>
                 </a:solidFill>
               </a:rPr>
-              <a:t>Void </a:t>
+              <a:t> </a:t>
             </a:r>
             <a:r>
               <a:rPr lang="es-CO" dirty="0">
@@ -15741,12 +15757,20 @@
           </a:p>
           <a:p>
             <a:r>
+              <a:rPr lang="es-CO" dirty="0" err="1">
+                <a:solidFill>
+                  <a:schemeClr val="accent2"/>
+                </a:solidFill>
+              </a:rPr>
+              <a:t>Class</a:t>
+            </a:r>
+            <a:r>
               <a:rPr lang="es-CO" dirty="0">
                 <a:solidFill>
                   <a:schemeClr val="accent2"/>
                 </a:solidFill>
               </a:rPr>
-              <a:t>Void</a:t>
+              <a:t> </a:t>
             </a:r>
             <a:r>
               <a:rPr lang="es-CO" dirty="0">
@@ -15754,7 +15778,7 @@
                   <a:schemeClr val="bg1"/>
                 </a:solidFill>
               </a:rPr>
-              <a:t> jugador();</a:t>
+              <a:t>jugador();</a:t>
             </a:r>
           </a:p>
           <a:p>
@@ -15776,12 +15800,12 @@
           </a:p>
           <a:p>
             <a:r>
-              <a:rPr lang="es-CO" dirty="0">
+              <a:rPr lang="es-CO" dirty="0" err="1">
                 <a:solidFill>
                   <a:schemeClr val="accent2"/>
                 </a:solidFill>
               </a:rPr>
-              <a:t>Void</a:t>
+              <a:t>Class</a:t>
             </a:r>
             <a:r>
               <a:rPr lang="es-CO" dirty="0">
@@ -15811,12 +15835,12 @@
           </a:p>
           <a:p>
             <a:r>
-              <a:rPr lang="es-CO" dirty="0">
+              <a:rPr lang="es-CO" dirty="0" err="1">
                 <a:solidFill>
                   <a:schemeClr val="accent2"/>
                 </a:solidFill>
               </a:rPr>
-              <a:t>Void</a:t>
+              <a:t>Class</a:t>
             </a:r>
             <a:r>
               <a:rPr lang="es-CO" dirty="0">
@@ -15933,12 +15957,20 @@
           <a:lstStyle/>
           <a:p>
             <a:r>
+              <a:rPr lang="es-CO" dirty="0" err="1">
+                <a:solidFill>
+                  <a:schemeClr val="accent2"/>
+                </a:solidFill>
+              </a:rPr>
+              <a:t>Class</a:t>
+            </a:r>
+            <a:r>
               <a:rPr lang="es-CO" dirty="0">
                 <a:solidFill>
                   <a:schemeClr val="accent2"/>
                 </a:solidFill>
               </a:rPr>
-              <a:t>Void </a:t>
+              <a:t> </a:t>
             </a:r>
             <a:r>
               <a:rPr lang="es-CO" dirty="0">
@@ -16012,12 +16044,12 @@
           </a:p>
           <a:p>
             <a:r>
-              <a:rPr lang="es-CO" dirty="0">
+              <a:rPr lang="es-CO" dirty="0" err="1">
                 <a:solidFill>
                   <a:schemeClr val="accent2"/>
                 </a:solidFill>
               </a:rPr>
-              <a:t>Void</a:t>
+              <a:t>Class</a:t>
             </a:r>
             <a:r>
               <a:rPr lang="es-CO" dirty="0">
@@ -16309,12 +16341,20 @@
           <a:lstStyle/>
           <a:p>
             <a:r>
+              <a:rPr lang="es-CO" dirty="0" err="1">
+                <a:solidFill>
+                  <a:schemeClr val="accent2"/>
+                </a:solidFill>
+              </a:rPr>
+              <a:t>Class</a:t>
+            </a:r>
+            <a:r>
               <a:rPr lang="es-CO" dirty="0">
                 <a:solidFill>
                   <a:schemeClr val="accent2"/>
                 </a:solidFill>
               </a:rPr>
-              <a:t>Void </a:t>
+              <a:t> </a:t>
             </a:r>
             <a:r>
               <a:rPr lang="es-CO" dirty="0">

--- a/proyecto final.pptx
+++ b/proyecto final.pptx
@@ -5,7 +5,7 @@
     <p:sldMasterId id="2147483693" r:id="rId1"/>
   </p:sldMasterIdLst>
   <p:notesMasterIdLst>
-    <p:notesMasterId r:id="rId18"/>
+    <p:notesMasterId r:id="rId20"/>
   </p:notesMasterIdLst>
   <p:sldIdLst>
     <p:sldId id="256" r:id="rId2"/>
@@ -20,32 +20,34 @@
     <p:sldId id="276" r:id="rId11"/>
     <p:sldId id="298" r:id="rId12"/>
     <p:sldId id="317" r:id="rId13"/>
-    <p:sldId id="323" r:id="rId14"/>
-    <p:sldId id="324" r:id="rId15"/>
-    <p:sldId id="325" r:id="rId16"/>
-    <p:sldId id="315" r:id="rId17"/>
+    <p:sldId id="326" r:id="rId14"/>
+    <p:sldId id="327" r:id="rId15"/>
+    <p:sldId id="323" r:id="rId16"/>
+    <p:sldId id="324" r:id="rId17"/>
+    <p:sldId id="325" r:id="rId18"/>
+    <p:sldId id="315" r:id="rId19"/>
   </p:sldIdLst>
   <p:sldSz cx="9144000" cy="5143500" type="screen16x9"/>
   <p:notesSz cx="6858000" cy="9144000"/>
   <p:embeddedFontLst>
     <p:embeddedFont>
       <p:font typeface="Amatic SC" panose="00000500000000000000" pitchFamily="2" charset="-79"/>
-      <p:regular r:id="rId19"/>
-      <p:bold r:id="rId20"/>
+      <p:regular r:id="rId21"/>
+      <p:bold r:id="rId22"/>
     </p:embeddedFont>
     <p:embeddedFont>
       <p:font typeface="Roboto Condensed" panose="02000000000000000000" pitchFamily="2" charset="0"/>
-      <p:regular r:id="rId21"/>
-      <p:bold r:id="rId22"/>
-      <p:italic r:id="rId23"/>
-      <p:boldItalic r:id="rId24"/>
+      <p:regular r:id="rId23"/>
+      <p:bold r:id="rId24"/>
+      <p:italic r:id="rId25"/>
+      <p:boldItalic r:id="rId26"/>
     </p:embeddedFont>
     <p:embeddedFont>
       <p:font typeface="Roboto Mono" panose="00000009000000000000" pitchFamily="49" charset="0"/>
-      <p:regular r:id="rId25"/>
-      <p:bold r:id="rId26"/>
-      <p:italic r:id="rId27"/>
-      <p:boldItalic r:id="rId28"/>
+      <p:regular r:id="rId27"/>
+      <p:bold r:id="rId28"/>
+      <p:italic r:id="rId29"/>
+      <p:boldItalic r:id="rId30"/>
     </p:embeddedFont>
   </p:embeddedFontLst>
   <p:defaultTextStyle>
@@ -1143,6 +1145,224 @@
 </file>
 
 <file path=ppt/notesSlides/notesSlide13.xml><?xml version="1.0" encoding="utf-8"?>
+<p:notes xmlns:a="http://schemas.openxmlformats.org/drawingml/2006/main" xmlns:r="http://schemas.openxmlformats.org/officeDocument/2006/relationships" xmlns:p="http://schemas.openxmlformats.org/presentationml/2006/main" showMasterSp="0" showMasterPhAnim="0">
+  <p:cSld>
+    <p:spTree>
+      <p:nvGrpSpPr>
+        <p:cNvPr id="1" name="Shape 5291"/>
+        <p:cNvGrpSpPr/>
+        <p:nvPr/>
+      </p:nvGrpSpPr>
+      <p:grpSpPr>
+        <a:xfrm>
+          <a:off x="0" y="0"/>
+          <a:ext cx="0" cy="0"/>
+          <a:chOff x="0" y="0"/>
+          <a:chExt cx="0" cy="0"/>
+        </a:xfrm>
+      </p:grpSpPr>
+      <p:sp>
+        <p:nvSpPr>
+          <p:cNvPr id="5292" name="Google Shape;5292;gb22198a46b_0_999:notes"/>
+          <p:cNvSpPr>
+            <a:spLocks noGrp="1" noRot="1" noChangeAspect="1"/>
+          </p:cNvSpPr>
+          <p:nvPr>
+            <p:ph type="sldImg" idx="2"/>
+          </p:nvPr>
+        </p:nvSpPr>
+        <p:spPr>
+          <a:xfrm>
+            <a:off x="381000" y="685800"/>
+            <a:ext cx="6096000" cy="3429000"/>
+          </a:xfrm>
+          <a:custGeom>
+            <a:avLst/>
+            <a:gdLst/>
+            <a:ahLst/>
+            <a:cxnLst/>
+            <a:rect l="l" t="t" r="r" b="b"/>
+            <a:pathLst>
+              <a:path w="120000" h="120000" extrusionOk="0">
+                <a:moveTo>
+                  <a:pt x="0" y="0"/>
+                </a:moveTo>
+                <a:lnTo>
+                  <a:pt x="120000" y="0"/>
+                </a:lnTo>
+                <a:lnTo>
+                  <a:pt x="120000" y="120000"/>
+                </a:lnTo>
+                <a:lnTo>
+                  <a:pt x="0" y="120000"/>
+                </a:lnTo>
+                <a:close/>
+              </a:path>
+            </a:pathLst>
+          </a:custGeom>
+        </p:spPr>
+      </p:sp>
+      <p:sp>
+        <p:nvSpPr>
+          <p:cNvPr id="5293" name="Google Shape;5293;gb22198a46b_0_999:notes"/>
+          <p:cNvSpPr txBox="1">
+            <a:spLocks noGrp="1"/>
+          </p:cNvSpPr>
+          <p:nvPr>
+            <p:ph type="body" idx="1"/>
+          </p:nvPr>
+        </p:nvSpPr>
+        <p:spPr>
+          <a:xfrm>
+            <a:off x="685800" y="4343400"/>
+            <a:ext cx="5486400" cy="4114800"/>
+          </a:xfrm>
+          <a:prstGeom prst="rect">
+            <a:avLst/>
+          </a:prstGeom>
+        </p:spPr>
+        <p:txBody>
+          <a:bodyPr spcFirstLastPara="1" wrap="square" lIns="91425" tIns="91425" rIns="91425" bIns="91425" anchor="t" anchorCtr="0">
+            <a:noAutofit/>
+          </a:bodyPr>
+          <a:lstStyle/>
+          <a:p>
+            <a:pPr marL="0" lvl="0" indent="0" algn="l" rtl="0">
+              <a:spcBef>
+                <a:spcPts val="0"/>
+              </a:spcBef>
+              <a:spcAft>
+                <a:spcPts val="0"/>
+              </a:spcAft>
+              <a:buNone/>
+            </a:pPr>
+            <a:endParaRPr dirty="0"/>
+          </a:p>
+        </p:txBody>
+      </p:sp>
+    </p:spTree>
+    <p:extLst>
+      <p:ext uri="{BB962C8B-B14F-4D97-AF65-F5344CB8AC3E}">
+        <p14:creationId xmlns:p14="http://schemas.microsoft.com/office/powerpoint/2010/main" val="4081321117"/>
+      </p:ext>
+    </p:extLst>
+  </p:cSld>
+  <p:clrMapOvr>
+    <a:masterClrMapping/>
+  </p:clrMapOvr>
+</p:notes>
+</file>
+
+<file path=ppt/notesSlides/notesSlide14.xml><?xml version="1.0" encoding="utf-8"?>
+<p:notes xmlns:a="http://schemas.openxmlformats.org/drawingml/2006/main" xmlns:r="http://schemas.openxmlformats.org/officeDocument/2006/relationships" xmlns:p="http://schemas.openxmlformats.org/presentationml/2006/main" showMasterSp="0" showMasterPhAnim="0">
+  <p:cSld>
+    <p:spTree>
+      <p:nvGrpSpPr>
+        <p:cNvPr id="1" name="Shape 5291"/>
+        <p:cNvGrpSpPr/>
+        <p:nvPr/>
+      </p:nvGrpSpPr>
+      <p:grpSpPr>
+        <a:xfrm>
+          <a:off x="0" y="0"/>
+          <a:ext cx="0" cy="0"/>
+          <a:chOff x="0" y="0"/>
+          <a:chExt cx="0" cy="0"/>
+        </a:xfrm>
+      </p:grpSpPr>
+      <p:sp>
+        <p:nvSpPr>
+          <p:cNvPr id="5292" name="Google Shape;5292;gb22198a46b_0_999:notes"/>
+          <p:cNvSpPr>
+            <a:spLocks noGrp="1" noRot="1" noChangeAspect="1"/>
+          </p:cNvSpPr>
+          <p:nvPr>
+            <p:ph type="sldImg" idx="2"/>
+          </p:nvPr>
+        </p:nvSpPr>
+        <p:spPr>
+          <a:xfrm>
+            <a:off x="381000" y="685800"/>
+            <a:ext cx="6096000" cy="3429000"/>
+          </a:xfrm>
+          <a:custGeom>
+            <a:avLst/>
+            <a:gdLst/>
+            <a:ahLst/>
+            <a:cxnLst/>
+            <a:rect l="l" t="t" r="r" b="b"/>
+            <a:pathLst>
+              <a:path w="120000" h="120000" extrusionOk="0">
+                <a:moveTo>
+                  <a:pt x="0" y="0"/>
+                </a:moveTo>
+                <a:lnTo>
+                  <a:pt x="120000" y="0"/>
+                </a:lnTo>
+                <a:lnTo>
+                  <a:pt x="120000" y="120000"/>
+                </a:lnTo>
+                <a:lnTo>
+                  <a:pt x="0" y="120000"/>
+                </a:lnTo>
+                <a:close/>
+              </a:path>
+            </a:pathLst>
+          </a:custGeom>
+        </p:spPr>
+      </p:sp>
+      <p:sp>
+        <p:nvSpPr>
+          <p:cNvPr id="5293" name="Google Shape;5293;gb22198a46b_0_999:notes"/>
+          <p:cNvSpPr txBox="1">
+            <a:spLocks noGrp="1"/>
+          </p:cNvSpPr>
+          <p:nvPr>
+            <p:ph type="body" idx="1"/>
+          </p:nvPr>
+        </p:nvSpPr>
+        <p:spPr>
+          <a:xfrm>
+            <a:off x="685800" y="4343400"/>
+            <a:ext cx="5486400" cy="4114800"/>
+          </a:xfrm>
+          <a:prstGeom prst="rect">
+            <a:avLst/>
+          </a:prstGeom>
+        </p:spPr>
+        <p:txBody>
+          <a:bodyPr spcFirstLastPara="1" wrap="square" lIns="91425" tIns="91425" rIns="91425" bIns="91425" anchor="t" anchorCtr="0">
+            <a:noAutofit/>
+          </a:bodyPr>
+          <a:lstStyle/>
+          <a:p>
+            <a:pPr marL="0" lvl="0" indent="0" algn="l" rtl="0">
+              <a:spcBef>
+                <a:spcPts val="0"/>
+              </a:spcBef>
+              <a:spcAft>
+                <a:spcPts val="0"/>
+              </a:spcAft>
+              <a:buNone/>
+            </a:pPr>
+            <a:endParaRPr dirty="0"/>
+          </a:p>
+        </p:txBody>
+      </p:sp>
+    </p:spTree>
+    <p:extLst>
+      <p:ext uri="{BB962C8B-B14F-4D97-AF65-F5344CB8AC3E}">
+        <p14:creationId xmlns:p14="http://schemas.microsoft.com/office/powerpoint/2010/main" val="2231685584"/>
+      </p:ext>
+    </p:extLst>
+  </p:cSld>
+  <p:clrMapOvr>
+    <a:masterClrMapping/>
+  </p:clrMapOvr>
+</p:notes>
+</file>
+
+<file path=ppt/notesSlides/notesSlide15.xml><?xml version="1.0" encoding="utf-8"?>
 <p:notes xmlns:a="http://schemas.openxmlformats.org/drawingml/2006/main" xmlns:r="http://schemas.openxmlformats.org/officeDocument/2006/relationships" xmlns:p="http://schemas.openxmlformats.org/presentationml/2006/main" showMasterSp="0" showMasterPhAnim="0">
   <p:cSld>
     <p:spTree>
@@ -15593,6 +15813,971 @@
   <p:cSld>
     <p:spTree>
       <p:nvGrpSpPr>
+        <p:cNvPr id="1" name="Shape 5294"/>
+        <p:cNvGrpSpPr/>
+        <p:nvPr/>
+      </p:nvGrpSpPr>
+      <p:grpSpPr>
+        <a:xfrm>
+          <a:off x="0" y="0"/>
+          <a:ext cx="0" cy="0"/>
+          <a:chOff x="0" y="0"/>
+          <a:chExt cx="0" cy="0"/>
+        </a:xfrm>
+      </p:grpSpPr>
+      <p:sp>
+        <p:nvSpPr>
+          <p:cNvPr id="5295" name="Google Shape;5295;p110"/>
+          <p:cNvSpPr txBox="1">
+            <a:spLocks noGrp="1"/>
+          </p:cNvSpPr>
+          <p:nvPr>
+            <p:ph type="title"/>
+          </p:nvPr>
+        </p:nvSpPr>
+        <p:spPr>
+          <a:xfrm>
+            <a:off x="720000" y="368825"/>
+            <a:ext cx="7704000" cy="572700"/>
+          </a:xfrm>
+          <a:prstGeom prst="rect">
+            <a:avLst/>
+          </a:prstGeom>
+        </p:spPr>
+        <p:txBody>
+          <a:bodyPr spcFirstLastPara="1" wrap="square" lIns="91425" tIns="91425" rIns="91425" bIns="91425" anchor="t" anchorCtr="0">
+            <a:noAutofit/>
+          </a:bodyPr>
+          <a:lstStyle/>
+          <a:p>
+            <a:pPr marL="0" lvl="0" indent="0" algn="ctr" rtl="0">
+              <a:spcBef>
+                <a:spcPts val="0"/>
+              </a:spcBef>
+              <a:spcAft>
+                <a:spcPts val="0"/>
+              </a:spcAft>
+              <a:buNone/>
+            </a:pPr>
+            <a:r>
+              <a:rPr lang="es-CO" dirty="0"/>
+              <a:t>REQUERIMIENTOS:</a:t>
+            </a:r>
+            <a:endParaRPr dirty="0"/>
+          </a:p>
+        </p:txBody>
+      </p:sp>
+      <p:sp>
+        <p:nvSpPr>
+          <p:cNvPr id="3" name="CuadroTexto 2">
+            <a:extLst>
+              <a:ext uri="{FF2B5EF4-FFF2-40B4-BE49-F238E27FC236}">
+                <a16:creationId xmlns:a16="http://schemas.microsoft.com/office/drawing/2014/main" id="{5D7DC517-2EA9-0C85-08C8-3D90C8DED5D6}"/>
+              </a:ext>
+            </a:extLst>
+          </p:cNvPr>
+          <p:cNvSpPr txBox="1"/>
+          <p:nvPr/>
+        </p:nvSpPr>
+        <p:spPr>
+          <a:xfrm>
+            <a:off x="798579" y="1134101"/>
+            <a:ext cx="5359331" cy="3754874"/>
+          </a:xfrm>
+          <a:prstGeom prst="rect">
+            <a:avLst/>
+          </a:prstGeom>
+          <a:noFill/>
+        </p:spPr>
+        <p:txBody>
+          <a:bodyPr wrap="square">
+            <a:spAutoFit/>
+          </a:bodyPr>
+          <a:lstStyle/>
+          <a:p>
+            <a:pPr marL="342900" indent="-342900">
+              <a:buAutoNum type="arabicParenR"/>
+            </a:pPr>
+            <a:r>
+              <a:rPr lang="es-CO" dirty="0">
+                <a:solidFill>
+                  <a:schemeClr val="bg1"/>
+                </a:solidFill>
+              </a:rPr>
+              <a:t>Determinar el diseño del entorno o el tipo de mapa del juego.</a:t>
+            </a:r>
+          </a:p>
+          <a:p>
+            <a:pPr marL="342900" indent="-342900">
+              <a:buAutoNum type="arabicParenR"/>
+            </a:pPr>
+            <a:endParaRPr lang="es-CO" dirty="0">
+              <a:solidFill>
+                <a:schemeClr val="bg1"/>
+              </a:solidFill>
+            </a:endParaRPr>
+          </a:p>
+          <a:p>
+            <a:pPr marL="342900" indent="-342900">
+              <a:buAutoNum type="arabicParenR"/>
+            </a:pPr>
+            <a:r>
+              <a:rPr lang="es-CO" dirty="0">
+                <a:solidFill>
+                  <a:schemeClr val="bg1"/>
+                </a:solidFill>
+              </a:rPr>
+              <a:t>Aplicar los diseños para los personajes o los Sprite  ya establecidos.</a:t>
+            </a:r>
+          </a:p>
+          <a:p>
+            <a:endParaRPr lang="es-CO" dirty="0">
+              <a:solidFill>
+                <a:schemeClr val="bg1"/>
+              </a:solidFill>
+            </a:endParaRPr>
+          </a:p>
+          <a:p>
+            <a:pPr marL="342900" indent="-342900">
+              <a:buAutoNum type="arabicParenR"/>
+            </a:pPr>
+            <a:r>
+              <a:rPr lang="es-CO" dirty="0">
+                <a:solidFill>
+                  <a:schemeClr val="bg1"/>
+                </a:solidFill>
+              </a:rPr>
+              <a:t>Delimitar los comando y periféricos de las señales para las acciones del personaje.</a:t>
+            </a:r>
+          </a:p>
+          <a:p>
+            <a:pPr marL="342900" indent="-342900">
+              <a:buAutoNum type="arabicParenR"/>
+            </a:pPr>
+            <a:endParaRPr lang="es-CO" dirty="0">
+              <a:solidFill>
+                <a:schemeClr val="bg1"/>
+              </a:solidFill>
+            </a:endParaRPr>
+          </a:p>
+          <a:p>
+            <a:pPr marL="342900" indent="-342900">
+              <a:buAutoNum type="arabicParenR"/>
+            </a:pPr>
+            <a:r>
+              <a:rPr lang="es-CO" dirty="0">
+                <a:solidFill>
+                  <a:schemeClr val="bg1"/>
+                </a:solidFill>
+              </a:rPr>
+              <a:t>Establecer la vista generar del juego.</a:t>
+            </a:r>
+          </a:p>
+          <a:p>
+            <a:pPr marL="342900" indent="-342900">
+              <a:buAutoNum type="arabicParenR"/>
+            </a:pPr>
+            <a:endParaRPr lang="es-CO" dirty="0">
+              <a:solidFill>
+                <a:schemeClr val="bg1"/>
+              </a:solidFill>
+            </a:endParaRPr>
+          </a:p>
+          <a:p>
+            <a:pPr marL="342900" indent="-342900">
+              <a:buAutoNum type="arabicParenR"/>
+            </a:pPr>
+            <a:r>
+              <a:rPr lang="es-CO" dirty="0">
+                <a:solidFill>
+                  <a:schemeClr val="bg1"/>
+                </a:solidFill>
+              </a:rPr>
+              <a:t>Determinar la interacción con los elementos del juego.</a:t>
+            </a:r>
+          </a:p>
+          <a:p>
+            <a:pPr marL="342900" indent="-342900">
+              <a:buAutoNum type="arabicParenR"/>
+            </a:pPr>
+            <a:endParaRPr lang="es-CO" dirty="0">
+              <a:solidFill>
+                <a:schemeClr val="bg1"/>
+              </a:solidFill>
+            </a:endParaRPr>
+          </a:p>
+          <a:p>
+            <a:pPr marL="342900" indent="-342900">
+              <a:buAutoNum type="arabicParenR"/>
+            </a:pPr>
+            <a:r>
+              <a:rPr lang="es-CO" dirty="0">
+                <a:solidFill>
+                  <a:schemeClr val="bg1"/>
+                </a:solidFill>
+              </a:rPr>
+              <a:t>Precisar la fluides y la dinámica de los personajes durante el juego.</a:t>
+            </a:r>
+          </a:p>
+          <a:p>
+            <a:pPr marL="342900" indent="-342900">
+              <a:buAutoNum type="arabicParenR"/>
+            </a:pPr>
+            <a:endParaRPr lang="es-CO" dirty="0">
+              <a:solidFill>
+                <a:schemeClr val="bg1"/>
+              </a:solidFill>
+            </a:endParaRPr>
+          </a:p>
+          <a:p>
+            <a:pPr marL="342900" indent="-342900">
+              <a:buAutoNum type="arabicParenR"/>
+            </a:pPr>
+            <a:r>
+              <a:rPr lang="es-CO" dirty="0">
+                <a:solidFill>
+                  <a:schemeClr val="bg1"/>
+                </a:solidFill>
+              </a:rPr>
+              <a:t>Ejecutar de manera efectiva los juegos adicionales  dentro del programa.</a:t>
+            </a:r>
+          </a:p>
+        </p:txBody>
+      </p:sp>
+      <p:sp>
+        <p:nvSpPr>
+          <p:cNvPr id="4" name="Triángulo isósceles 3">
+            <a:extLst>
+              <a:ext uri="{FF2B5EF4-FFF2-40B4-BE49-F238E27FC236}">
+                <a16:creationId xmlns:a16="http://schemas.microsoft.com/office/drawing/2014/main" id="{8F43EAD7-1717-6981-2397-48480446C059}"/>
+              </a:ext>
+            </a:extLst>
+          </p:cNvPr>
+          <p:cNvSpPr/>
+          <p:nvPr/>
+        </p:nvSpPr>
+        <p:spPr>
+          <a:xfrm rot="5400000">
+            <a:off x="907257" y="1243014"/>
+            <a:ext cx="198504" cy="150019"/>
+          </a:xfrm>
+          <a:prstGeom prst="triangle">
+            <a:avLst/>
+          </a:prstGeom>
+        </p:spPr>
+        <p:style>
+          <a:lnRef idx="2">
+            <a:schemeClr val="accent1">
+              <a:shade val="50000"/>
+            </a:schemeClr>
+          </a:lnRef>
+          <a:fillRef idx="1">
+            <a:schemeClr val="accent1"/>
+          </a:fillRef>
+          <a:effectRef idx="0">
+            <a:schemeClr val="accent1"/>
+          </a:effectRef>
+          <a:fontRef idx="minor">
+            <a:schemeClr val="lt1"/>
+          </a:fontRef>
+        </p:style>
+        <p:txBody>
+          <a:bodyPr rtlCol="0" anchor="ctr"/>
+          <a:lstStyle/>
+          <a:p>
+            <a:pPr algn="ctr"/>
+            <a:endParaRPr lang="es-CO"/>
+          </a:p>
+        </p:txBody>
+      </p:sp>
+      <p:sp>
+        <p:nvSpPr>
+          <p:cNvPr id="5" name="Triángulo isósceles 4">
+            <a:extLst>
+              <a:ext uri="{FF2B5EF4-FFF2-40B4-BE49-F238E27FC236}">
+                <a16:creationId xmlns:a16="http://schemas.microsoft.com/office/drawing/2014/main" id="{86980263-C5C6-2843-8239-8EBFC376A928}"/>
+              </a:ext>
+            </a:extLst>
+          </p:cNvPr>
+          <p:cNvSpPr/>
+          <p:nvPr/>
+        </p:nvSpPr>
+        <p:spPr>
+          <a:xfrm rot="5400000">
+            <a:off x="907256" y="1676042"/>
+            <a:ext cx="198504" cy="150019"/>
+          </a:xfrm>
+          <a:prstGeom prst="triangle">
+            <a:avLst/>
+          </a:prstGeom>
+        </p:spPr>
+        <p:style>
+          <a:lnRef idx="2">
+            <a:schemeClr val="accent1">
+              <a:shade val="50000"/>
+            </a:schemeClr>
+          </a:lnRef>
+          <a:fillRef idx="1">
+            <a:schemeClr val="accent1"/>
+          </a:fillRef>
+          <a:effectRef idx="0">
+            <a:schemeClr val="accent1"/>
+          </a:effectRef>
+          <a:fontRef idx="minor">
+            <a:schemeClr val="lt1"/>
+          </a:fontRef>
+        </p:style>
+        <p:txBody>
+          <a:bodyPr rtlCol="0" anchor="ctr"/>
+          <a:lstStyle/>
+          <a:p>
+            <a:pPr algn="ctr"/>
+            <a:endParaRPr lang="es-CO"/>
+          </a:p>
+        </p:txBody>
+      </p:sp>
+      <p:sp>
+        <p:nvSpPr>
+          <p:cNvPr id="6" name="Triángulo isósceles 5">
+            <a:extLst>
+              <a:ext uri="{FF2B5EF4-FFF2-40B4-BE49-F238E27FC236}">
+                <a16:creationId xmlns:a16="http://schemas.microsoft.com/office/drawing/2014/main" id="{66D399C6-5C34-221F-2699-EBA8C2DA3AE7}"/>
+              </a:ext>
+            </a:extLst>
+          </p:cNvPr>
+          <p:cNvSpPr/>
+          <p:nvPr/>
+        </p:nvSpPr>
+        <p:spPr>
+          <a:xfrm rot="5400000">
+            <a:off x="907256" y="2307573"/>
+            <a:ext cx="198504" cy="150019"/>
+          </a:xfrm>
+          <a:prstGeom prst="triangle">
+            <a:avLst/>
+          </a:prstGeom>
+        </p:spPr>
+        <p:style>
+          <a:lnRef idx="2">
+            <a:schemeClr val="accent1">
+              <a:shade val="50000"/>
+            </a:schemeClr>
+          </a:lnRef>
+          <a:fillRef idx="1">
+            <a:schemeClr val="accent1"/>
+          </a:fillRef>
+          <a:effectRef idx="0">
+            <a:schemeClr val="accent1"/>
+          </a:effectRef>
+          <a:fontRef idx="minor">
+            <a:schemeClr val="lt1"/>
+          </a:fontRef>
+        </p:style>
+        <p:txBody>
+          <a:bodyPr rtlCol="0" anchor="ctr"/>
+          <a:lstStyle/>
+          <a:p>
+            <a:pPr algn="ctr"/>
+            <a:endParaRPr lang="es-CO"/>
+          </a:p>
+        </p:txBody>
+      </p:sp>
+      <p:sp>
+        <p:nvSpPr>
+          <p:cNvPr id="7" name="Triángulo isósceles 6">
+            <a:extLst>
+              <a:ext uri="{FF2B5EF4-FFF2-40B4-BE49-F238E27FC236}">
+                <a16:creationId xmlns:a16="http://schemas.microsoft.com/office/drawing/2014/main" id="{913394F9-3511-EF4F-580C-2D83B3063EF9}"/>
+              </a:ext>
+            </a:extLst>
+          </p:cNvPr>
+          <p:cNvSpPr/>
+          <p:nvPr/>
+        </p:nvSpPr>
+        <p:spPr>
+          <a:xfrm rot="5400000">
+            <a:off x="907255" y="2945639"/>
+            <a:ext cx="198504" cy="150019"/>
+          </a:xfrm>
+          <a:prstGeom prst="triangle">
+            <a:avLst/>
+          </a:prstGeom>
+        </p:spPr>
+        <p:style>
+          <a:lnRef idx="2">
+            <a:schemeClr val="accent1">
+              <a:shade val="50000"/>
+            </a:schemeClr>
+          </a:lnRef>
+          <a:fillRef idx="1">
+            <a:schemeClr val="accent1"/>
+          </a:fillRef>
+          <a:effectRef idx="0">
+            <a:schemeClr val="accent1"/>
+          </a:effectRef>
+          <a:fontRef idx="minor">
+            <a:schemeClr val="lt1"/>
+          </a:fontRef>
+        </p:style>
+        <p:txBody>
+          <a:bodyPr rtlCol="0" anchor="ctr"/>
+          <a:lstStyle/>
+          <a:p>
+            <a:pPr algn="ctr"/>
+            <a:endParaRPr lang="es-CO"/>
+          </a:p>
+        </p:txBody>
+      </p:sp>
+      <p:sp>
+        <p:nvSpPr>
+          <p:cNvPr id="8" name="Triángulo isósceles 7">
+            <a:extLst>
+              <a:ext uri="{FF2B5EF4-FFF2-40B4-BE49-F238E27FC236}">
+                <a16:creationId xmlns:a16="http://schemas.microsoft.com/office/drawing/2014/main" id="{9E00E0DB-520C-F671-0DD9-C8D9F87DA465}"/>
+              </a:ext>
+            </a:extLst>
+          </p:cNvPr>
+          <p:cNvSpPr/>
+          <p:nvPr/>
+        </p:nvSpPr>
+        <p:spPr>
+          <a:xfrm rot="5400000">
+            <a:off x="907255" y="3377600"/>
+            <a:ext cx="198504" cy="150019"/>
+          </a:xfrm>
+          <a:prstGeom prst="triangle">
+            <a:avLst/>
+          </a:prstGeom>
+        </p:spPr>
+        <p:style>
+          <a:lnRef idx="2">
+            <a:schemeClr val="accent1">
+              <a:shade val="50000"/>
+            </a:schemeClr>
+          </a:lnRef>
+          <a:fillRef idx="1">
+            <a:schemeClr val="accent1"/>
+          </a:fillRef>
+          <a:effectRef idx="0">
+            <a:schemeClr val="accent1"/>
+          </a:effectRef>
+          <a:fontRef idx="minor">
+            <a:schemeClr val="lt1"/>
+          </a:fontRef>
+        </p:style>
+        <p:txBody>
+          <a:bodyPr rtlCol="0" anchor="ctr"/>
+          <a:lstStyle/>
+          <a:p>
+            <a:pPr algn="ctr"/>
+            <a:endParaRPr lang="es-CO"/>
+          </a:p>
+        </p:txBody>
+      </p:sp>
+      <p:sp>
+        <p:nvSpPr>
+          <p:cNvPr id="9" name="Triángulo isósceles 8">
+            <a:extLst>
+              <a:ext uri="{FF2B5EF4-FFF2-40B4-BE49-F238E27FC236}">
+                <a16:creationId xmlns:a16="http://schemas.microsoft.com/office/drawing/2014/main" id="{283B8306-A198-E570-965B-DED86B6C98CD}"/>
+              </a:ext>
+            </a:extLst>
+          </p:cNvPr>
+          <p:cNvSpPr/>
+          <p:nvPr/>
+        </p:nvSpPr>
+        <p:spPr>
+          <a:xfrm rot="5400000">
+            <a:off x="907254" y="3809561"/>
+            <a:ext cx="198504" cy="150019"/>
+          </a:xfrm>
+          <a:prstGeom prst="triangle">
+            <a:avLst/>
+          </a:prstGeom>
+        </p:spPr>
+        <p:style>
+          <a:lnRef idx="2">
+            <a:schemeClr val="accent1">
+              <a:shade val="50000"/>
+            </a:schemeClr>
+          </a:lnRef>
+          <a:fillRef idx="1">
+            <a:schemeClr val="accent1"/>
+          </a:fillRef>
+          <a:effectRef idx="0">
+            <a:schemeClr val="accent1"/>
+          </a:effectRef>
+          <a:fontRef idx="minor">
+            <a:schemeClr val="lt1"/>
+          </a:fontRef>
+        </p:style>
+        <p:txBody>
+          <a:bodyPr rtlCol="0" anchor="ctr"/>
+          <a:lstStyle/>
+          <a:p>
+            <a:pPr algn="ctr"/>
+            <a:endParaRPr lang="es-CO"/>
+          </a:p>
+        </p:txBody>
+      </p:sp>
+      <p:sp>
+        <p:nvSpPr>
+          <p:cNvPr id="10" name="Triángulo isósceles 9">
+            <a:extLst>
+              <a:ext uri="{FF2B5EF4-FFF2-40B4-BE49-F238E27FC236}">
+                <a16:creationId xmlns:a16="http://schemas.microsoft.com/office/drawing/2014/main" id="{D2DB78C2-F28E-7859-D18A-E56EC8D3A6B6}"/>
+              </a:ext>
+            </a:extLst>
+          </p:cNvPr>
+          <p:cNvSpPr/>
+          <p:nvPr/>
+        </p:nvSpPr>
+        <p:spPr>
+          <a:xfrm rot="5400000">
+            <a:off x="907254" y="4426512"/>
+            <a:ext cx="198504" cy="150019"/>
+          </a:xfrm>
+          <a:prstGeom prst="triangle">
+            <a:avLst/>
+          </a:prstGeom>
+        </p:spPr>
+        <p:style>
+          <a:lnRef idx="2">
+            <a:schemeClr val="accent1">
+              <a:shade val="50000"/>
+            </a:schemeClr>
+          </a:lnRef>
+          <a:fillRef idx="1">
+            <a:schemeClr val="accent1"/>
+          </a:fillRef>
+          <a:effectRef idx="0">
+            <a:schemeClr val="accent1"/>
+          </a:effectRef>
+          <a:fontRef idx="minor">
+            <a:schemeClr val="lt1"/>
+          </a:fontRef>
+        </p:style>
+        <p:txBody>
+          <a:bodyPr rtlCol="0" anchor="ctr"/>
+          <a:lstStyle/>
+          <a:p>
+            <a:pPr algn="ctr"/>
+            <a:endParaRPr lang="es-CO"/>
+          </a:p>
+        </p:txBody>
+      </p:sp>
+    </p:spTree>
+    <p:extLst>
+      <p:ext uri="{BB962C8B-B14F-4D97-AF65-F5344CB8AC3E}">
+        <p14:creationId xmlns:p14="http://schemas.microsoft.com/office/powerpoint/2010/main" val="749924105"/>
+      </p:ext>
+    </p:extLst>
+  </p:cSld>
+  <p:clrMapOvr>
+    <a:masterClrMapping/>
+  </p:clrMapOvr>
+</p:sld>
+</file>
+
+<file path=ppt/slides/slide14.xml><?xml version="1.0" encoding="utf-8"?>
+<p:sld xmlns:a="http://schemas.openxmlformats.org/drawingml/2006/main" xmlns:r="http://schemas.openxmlformats.org/officeDocument/2006/relationships" xmlns:p="http://schemas.openxmlformats.org/presentationml/2006/main">
+  <p:cSld>
+    <p:spTree>
+      <p:nvGrpSpPr>
+        <p:cNvPr id="1" name="Shape 5294"/>
+        <p:cNvGrpSpPr/>
+        <p:nvPr/>
+      </p:nvGrpSpPr>
+      <p:grpSpPr>
+        <a:xfrm>
+          <a:off x="0" y="0"/>
+          <a:ext cx="0" cy="0"/>
+          <a:chOff x="0" y="0"/>
+          <a:chExt cx="0" cy="0"/>
+        </a:xfrm>
+      </p:grpSpPr>
+      <p:sp>
+        <p:nvSpPr>
+          <p:cNvPr id="3" name="CuadroTexto 2">
+            <a:extLst>
+              <a:ext uri="{FF2B5EF4-FFF2-40B4-BE49-F238E27FC236}">
+                <a16:creationId xmlns:a16="http://schemas.microsoft.com/office/drawing/2014/main" id="{5D7DC517-2EA9-0C85-08C8-3D90C8DED5D6}"/>
+              </a:ext>
+            </a:extLst>
+          </p:cNvPr>
+          <p:cNvSpPr txBox="1"/>
+          <p:nvPr/>
+        </p:nvSpPr>
+        <p:spPr>
+          <a:xfrm>
+            <a:off x="834297" y="969795"/>
+            <a:ext cx="5359331" cy="2893100"/>
+          </a:xfrm>
+          <a:prstGeom prst="rect">
+            <a:avLst/>
+          </a:prstGeom>
+          <a:noFill/>
+        </p:spPr>
+        <p:txBody>
+          <a:bodyPr wrap="square">
+            <a:spAutoFit/>
+          </a:bodyPr>
+          <a:lstStyle/>
+          <a:p>
+            <a:pPr marL="342900" indent="-342900">
+              <a:buAutoNum type="arabicParenR"/>
+            </a:pPr>
+            <a:r>
+              <a:rPr lang="es-CO" dirty="0">
+                <a:solidFill>
+                  <a:schemeClr val="bg1"/>
+                </a:solidFill>
+              </a:rPr>
+              <a:t>Aplicar eficientemente las formulas físicas en los juegos que ya se han establecido.</a:t>
+            </a:r>
+          </a:p>
+          <a:p>
+            <a:pPr marL="342900" indent="-342900">
+              <a:buAutoNum type="arabicParenR"/>
+            </a:pPr>
+            <a:endParaRPr lang="es-CO" dirty="0">
+              <a:solidFill>
+                <a:schemeClr val="bg1"/>
+              </a:solidFill>
+            </a:endParaRPr>
+          </a:p>
+          <a:p>
+            <a:pPr marL="342900" indent="-342900">
+              <a:buAutoNum type="arabicParenR"/>
+            </a:pPr>
+            <a:r>
+              <a:rPr lang="es-CO" dirty="0">
+                <a:solidFill>
+                  <a:schemeClr val="bg1"/>
+                </a:solidFill>
+              </a:rPr>
+              <a:t>Establecer la duración estándar de la partida , o los niveles que se le asignaran.</a:t>
+            </a:r>
+          </a:p>
+          <a:p>
+            <a:pPr marL="342900" indent="-342900">
+              <a:buAutoNum type="arabicParenR"/>
+            </a:pPr>
+            <a:endParaRPr lang="es-CO" dirty="0">
+              <a:solidFill>
+                <a:schemeClr val="bg1"/>
+              </a:solidFill>
+            </a:endParaRPr>
+          </a:p>
+          <a:p>
+            <a:pPr marL="342900" indent="-342900">
+              <a:buAutoNum type="arabicParenR"/>
+            </a:pPr>
+            <a:r>
+              <a:rPr lang="es-CO" dirty="0">
+                <a:solidFill>
+                  <a:schemeClr val="bg1"/>
+                </a:solidFill>
+              </a:rPr>
+              <a:t>Determinar la cantidad de pixeles en el desplazamiento.</a:t>
+            </a:r>
+          </a:p>
+          <a:p>
+            <a:pPr marL="342900" indent="-342900">
+              <a:buAutoNum type="arabicParenR"/>
+            </a:pPr>
+            <a:endParaRPr lang="es-CO" dirty="0">
+              <a:solidFill>
+                <a:schemeClr val="bg1"/>
+              </a:solidFill>
+            </a:endParaRPr>
+          </a:p>
+          <a:p>
+            <a:pPr marL="342900" indent="-342900">
+              <a:buAutoNum type="arabicParenR"/>
+            </a:pPr>
+            <a:r>
+              <a:rPr lang="es-CO" dirty="0">
+                <a:solidFill>
+                  <a:schemeClr val="bg1"/>
+                </a:solidFill>
+              </a:rPr>
+              <a:t>Establecer el  ciclo de dinámica que se le ofrece al jugador y como interactuara con el usuario.</a:t>
+            </a:r>
+          </a:p>
+          <a:p>
+            <a:pPr marL="342900" indent="-342900">
+              <a:buAutoNum type="arabicParenR"/>
+            </a:pPr>
+            <a:endParaRPr lang="es-CO" dirty="0">
+              <a:solidFill>
+                <a:schemeClr val="bg1"/>
+              </a:solidFill>
+            </a:endParaRPr>
+          </a:p>
+          <a:p>
+            <a:pPr marL="342900" indent="-342900">
+              <a:buAutoNum type="arabicParenR"/>
+            </a:pPr>
+            <a:r>
+              <a:rPr lang="es-CO" dirty="0">
+                <a:solidFill>
+                  <a:schemeClr val="bg1"/>
+                </a:solidFill>
+              </a:rPr>
+              <a:t>Explicar de manera clara el objetivo inicial y como ejecutarlo de manera correcta, para evitar errores.</a:t>
+            </a:r>
+          </a:p>
+        </p:txBody>
+      </p:sp>
+      <p:sp>
+        <p:nvSpPr>
+          <p:cNvPr id="5" name="Triángulo isósceles 4">
+            <a:extLst>
+              <a:ext uri="{FF2B5EF4-FFF2-40B4-BE49-F238E27FC236}">
+                <a16:creationId xmlns:a16="http://schemas.microsoft.com/office/drawing/2014/main" id="{D1332E0B-C12E-4E8E-384E-E03B7FCE09FF}"/>
+              </a:ext>
+            </a:extLst>
+          </p:cNvPr>
+          <p:cNvSpPr/>
+          <p:nvPr/>
+        </p:nvSpPr>
+        <p:spPr>
+          <a:xfrm rot="5400000">
+            <a:off x="914400" y="1079643"/>
+            <a:ext cx="198504" cy="150019"/>
+          </a:xfrm>
+          <a:prstGeom prst="triangle">
+            <a:avLst/>
+          </a:prstGeom>
+        </p:spPr>
+        <p:style>
+          <a:lnRef idx="2">
+            <a:schemeClr val="accent1">
+              <a:shade val="50000"/>
+            </a:schemeClr>
+          </a:lnRef>
+          <a:fillRef idx="1">
+            <a:schemeClr val="accent1"/>
+          </a:fillRef>
+          <a:effectRef idx="0">
+            <a:schemeClr val="accent1"/>
+          </a:effectRef>
+          <a:fontRef idx="minor">
+            <a:schemeClr val="lt1"/>
+          </a:fontRef>
+        </p:style>
+        <p:txBody>
+          <a:bodyPr rtlCol="0" anchor="ctr"/>
+          <a:lstStyle/>
+          <a:p>
+            <a:pPr algn="ctr"/>
+            <a:endParaRPr lang="es-CO"/>
+          </a:p>
+        </p:txBody>
+      </p:sp>
+      <p:sp>
+        <p:nvSpPr>
+          <p:cNvPr id="6" name="Triángulo isósceles 5">
+            <a:extLst>
+              <a:ext uri="{FF2B5EF4-FFF2-40B4-BE49-F238E27FC236}">
+                <a16:creationId xmlns:a16="http://schemas.microsoft.com/office/drawing/2014/main" id="{90F2A329-B912-465D-E07C-C21A8676D43F}"/>
+              </a:ext>
+            </a:extLst>
+          </p:cNvPr>
+          <p:cNvSpPr/>
+          <p:nvPr/>
+        </p:nvSpPr>
+        <p:spPr>
+          <a:xfrm rot="5400000">
+            <a:off x="914400" y="1700215"/>
+            <a:ext cx="198504" cy="150019"/>
+          </a:xfrm>
+          <a:prstGeom prst="triangle">
+            <a:avLst/>
+          </a:prstGeom>
+        </p:spPr>
+        <p:style>
+          <a:lnRef idx="2">
+            <a:schemeClr val="accent1">
+              <a:shade val="50000"/>
+            </a:schemeClr>
+          </a:lnRef>
+          <a:fillRef idx="1">
+            <a:schemeClr val="accent1"/>
+          </a:fillRef>
+          <a:effectRef idx="0">
+            <a:schemeClr val="accent1"/>
+          </a:effectRef>
+          <a:fontRef idx="minor">
+            <a:schemeClr val="lt1"/>
+          </a:fontRef>
+        </p:style>
+        <p:txBody>
+          <a:bodyPr rtlCol="0" anchor="ctr"/>
+          <a:lstStyle/>
+          <a:p>
+            <a:pPr algn="ctr"/>
+            <a:endParaRPr lang="es-CO"/>
+          </a:p>
+        </p:txBody>
+      </p:sp>
+      <p:sp>
+        <p:nvSpPr>
+          <p:cNvPr id="7" name="Triángulo isósceles 6">
+            <a:extLst>
+              <a:ext uri="{FF2B5EF4-FFF2-40B4-BE49-F238E27FC236}">
+                <a16:creationId xmlns:a16="http://schemas.microsoft.com/office/drawing/2014/main" id="{571E9924-66E7-F01B-BFAA-08B52B480484}"/>
+              </a:ext>
+            </a:extLst>
+          </p:cNvPr>
+          <p:cNvSpPr/>
+          <p:nvPr/>
+        </p:nvSpPr>
+        <p:spPr>
+          <a:xfrm rot="5400000">
+            <a:off x="914400" y="2341336"/>
+            <a:ext cx="198504" cy="150019"/>
+          </a:xfrm>
+          <a:prstGeom prst="triangle">
+            <a:avLst/>
+          </a:prstGeom>
+        </p:spPr>
+        <p:style>
+          <a:lnRef idx="2">
+            <a:schemeClr val="accent1">
+              <a:shade val="50000"/>
+            </a:schemeClr>
+          </a:lnRef>
+          <a:fillRef idx="1">
+            <a:schemeClr val="accent1"/>
+          </a:fillRef>
+          <a:effectRef idx="0">
+            <a:schemeClr val="accent1"/>
+          </a:effectRef>
+          <a:fontRef idx="minor">
+            <a:schemeClr val="lt1"/>
+          </a:fontRef>
+        </p:style>
+        <p:txBody>
+          <a:bodyPr rtlCol="0" anchor="ctr"/>
+          <a:lstStyle/>
+          <a:p>
+            <a:pPr algn="ctr"/>
+            <a:endParaRPr lang="es-CO"/>
+          </a:p>
+        </p:txBody>
+      </p:sp>
+      <p:sp>
+        <p:nvSpPr>
+          <p:cNvPr id="9" name="Triángulo isósceles 8">
+            <a:extLst>
+              <a:ext uri="{FF2B5EF4-FFF2-40B4-BE49-F238E27FC236}">
+                <a16:creationId xmlns:a16="http://schemas.microsoft.com/office/drawing/2014/main" id="{BDE30E06-0892-F2E6-2C20-7FD34D3B439C}"/>
+              </a:ext>
+            </a:extLst>
+          </p:cNvPr>
+          <p:cNvSpPr/>
+          <p:nvPr/>
+        </p:nvSpPr>
+        <p:spPr>
+          <a:xfrm rot="5400000">
+            <a:off x="914400" y="2771539"/>
+            <a:ext cx="198504" cy="150019"/>
+          </a:xfrm>
+          <a:prstGeom prst="triangle">
+            <a:avLst/>
+          </a:prstGeom>
+        </p:spPr>
+        <p:style>
+          <a:lnRef idx="2">
+            <a:schemeClr val="accent1">
+              <a:shade val="50000"/>
+            </a:schemeClr>
+          </a:lnRef>
+          <a:fillRef idx="1">
+            <a:schemeClr val="accent1"/>
+          </a:fillRef>
+          <a:effectRef idx="0">
+            <a:schemeClr val="accent1"/>
+          </a:effectRef>
+          <a:fontRef idx="minor">
+            <a:schemeClr val="lt1"/>
+          </a:fontRef>
+        </p:style>
+        <p:txBody>
+          <a:bodyPr rtlCol="0" anchor="ctr"/>
+          <a:lstStyle/>
+          <a:p>
+            <a:pPr algn="ctr"/>
+            <a:endParaRPr lang="es-CO"/>
+          </a:p>
+        </p:txBody>
+      </p:sp>
+      <p:sp>
+        <p:nvSpPr>
+          <p:cNvPr id="10" name="Triángulo isósceles 9">
+            <a:extLst>
+              <a:ext uri="{FF2B5EF4-FFF2-40B4-BE49-F238E27FC236}">
+                <a16:creationId xmlns:a16="http://schemas.microsoft.com/office/drawing/2014/main" id="{B5691638-4D13-6128-9E71-DE25254B0191}"/>
+              </a:ext>
+            </a:extLst>
+          </p:cNvPr>
+          <p:cNvSpPr/>
+          <p:nvPr/>
+        </p:nvSpPr>
+        <p:spPr>
+          <a:xfrm rot="5400000">
+            <a:off x="914399" y="3400428"/>
+            <a:ext cx="198504" cy="150019"/>
+          </a:xfrm>
+          <a:prstGeom prst="triangle">
+            <a:avLst/>
+          </a:prstGeom>
+        </p:spPr>
+        <p:style>
+          <a:lnRef idx="2">
+            <a:schemeClr val="accent1">
+              <a:shade val="50000"/>
+            </a:schemeClr>
+          </a:lnRef>
+          <a:fillRef idx="1">
+            <a:schemeClr val="accent1"/>
+          </a:fillRef>
+          <a:effectRef idx="0">
+            <a:schemeClr val="accent1"/>
+          </a:effectRef>
+          <a:fontRef idx="minor">
+            <a:schemeClr val="lt1"/>
+          </a:fontRef>
+        </p:style>
+        <p:txBody>
+          <a:bodyPr rtlCol="0" anchor="ctr"/>
+          <a:lstStyle/>
+          <a:p>
+            <a:pPr algn="ctr"/>
+            <a:endParaRPr lang="es-CO"/>
+          </a:p>
+        </p:txBody>
+      </p:sp>
+    </p:spTree>
+    <p:extLst>
+      <p:ext uri="{BB962C8B-B14F-4D97-AF65-F5344CB8AC3E}">
+        <p14:creationId xmlns:p14="http://schemas.microsoft.com/office/powerpoint/2010/main" val="3138668581"/>
+      </p:ext>
+    </p:extLst>
+  </p:cSld>
+  <p:clrMapOvr>
+    <a:masterClrMapping/>
+  </p:clrMapOvr>
+</p:sld>
+</file>
+
+<file path=ppt/slides/slide15.xml><?xml version="1.0" encoding="utf-8"?>
+<p:sld xmlns:a="http://schemas.openxmlformats.org/drawingml/2006/main" xmlns:r="http://schemas.openxmlformats.org/officeDocument/2006/relationships" xmlns:p="http://schemas.openxmlformats.org/presentationml/2006/main">
+  <p:cSld>
+    <p:spTree>
+      <p:nvGrpSpPr>
         <p:cNvPr id="1" name=""/>
         <p:cNvGrpSpPr/>
         <p:nvPr/>
@@ -15911,7 +17096,7 @@
 </p:sld>
 </file>
 
-<file path=ppt/slides/slide14.xml><?xml version="1.0" encoding="utf-8"?>
+<file path=ppt/slides/slide16.xml><?xml version="1.0" encoding="utf-8"?>
 <p:sld xmlns:a="http://schemas.openxmlformats.org/drawingml/2006/main" xmlns:r="http://schemas.openxmlformats.org/officeDocument/2006/relationships" xmlns:p="http://schemas.openxmlformats.org/presentationml/2006/main">
   <p:cSld>
     <p:spTree>
@@ -16295,7 +17480,7 @@
 </p:sld>
 </file>
 
-<file path=ppt/slides/slide15.xml><?xml version="1.0" encoding="utf-8"?>
+<file path=ppt/slides/slide17.xml><?xml version="1.0" encoding="utf-8"?>
 <p:sld xmlns:a="http://schemas.openxmlformats.org/drawingml/2006/main" xmlns:r="http://schemas.openxmlformats.org/officeDocument/2006/relationships" xmlns:p="http://schemas.openxmlformats.org/presentationml/2006/main">
   <p:cSld>
     <p:spTree>
@@ -16469,7 +17654,7 @@
 </p:sld>
 </file>
 
-<file path=ppt/slides/slide16.xml><?xml version="1.0" encoding="utf-8"?>
+<file path=ppt/slides/slide18.xml><?xml version="1.0" encoding="utf-8"?>
 <p:sld xmlns:a="http://schemas.openxmlformats.org/drawingml/2006/main" xmlns:r="http://schemas.openxmlformats.org/officeDocument/2006/relationships" xmlns:p="http://schemas.openxmlformats.org/presentationml/2006/main">
   <p:cSld>
     <p:spTree>

--- a/proyecto final.pptx
+++ b/proyecto final.pptx
@@ -5,7 +5,7 @@
     <p:sldMasterId id="2147483693" r:id="rId1"/>
   </p:sldMasterIdLst>
   <p:notesMasterIdLst>
-    <p:notesMasterId r:id="rId20"/>
+    <p:notesMasterId r:id="rId23"/>
   </p:notesMasterIdLst>
   <p:sldIdLst>
     <p:sldId id="256" r:id="rId2"/>
@@ -23,31 +23,34 @@
     <p:sldId id="326" r:id="rId14"/>
     <p:sldId id="327" r:id="rId15"/>
     <p:sldId id="323" r:id="rId16"/>
-    <p:sldId id="324" r:id="rId17"/>
-    <p:sldId id="325" r:id="rId18"/>
-    <p:sldId id="315" r:id="rId19"/>
+    <p:sldId id="329" r:id="rId17"/>
+    <p:sldId id="330" r:id="rId18"/>
+    <p:sldId id="324" r:id="rId19"/>
+    <p:sldId id="325" r:id="rId20"/>
+    <p:sldId id="331" r:id="rId21"/>
+    <p:sldId id="315" r:id="rId22"/>
   </p:sldIdLst>
   <p:sldSz cx="9144000" cy="5143500" type="screen16x9"/>
   <p:notesSz cx="6858000" cy="9144000"/>
   <p:embeddedFontLst>
     <p:embeddedFont>
       <p:font typeface="Amatic SC" panose="00000500000000000000" pitchFamily="2" charset="-79"/>
-      <p:regular r:id="rId21"/>
-      <p:bold r:id="rId22"/>
+      <p:regular r:id="rId24"/>
+      <p:bold r:id="rId25"/>
     </p:embeddedFont>
     <p:embeddedFont>
       <p:font typeface="Roboto Condensed" panose="02000000000000000000" pitchFamily="2" charset="0"/>
-      <p:regular r:id="rId23"/>
-      <p:bold r:id="rId24"/>
-      <p:italic r:id="rId25"/>
-      <p:boldItalic r:id="rId26"/>
+      <p:regular r:id="rId26"/>
+      <p:bold r:id="rId27"/>
+      <p:italic r:id="rId28"/>
+      <p:boldItalic r:id="rId29"/>
     </p:embeddedFont>
     <p:embeddedFont>
       <p:font typeface="Roboto Mono" panose="00000009000000000000" pitchFamily="49" charset="0"/>
-      <p:regular r:id="rId27"/>
-      <p:bold r:id="rId28"/>
-      <p:italic r:id="rId29"/>
-      <p:boldItalic r:id="rId30"/>
+      <p:regular r:id="rId30"/>
+      <p:bold r:id="rId31"/>
+      <p:italic r:id="rId32"/>
+      <p:boldItalic r:id="rId33"/>
     </p:embeddedFont>
   </p:embeddedFontLst>
   <p:defaultTextStyle>
@@ -8304,7 +8307,7 @@
             </a:pPr>
             <a:r>
               <a:rPr lang="en" dirty="0"/>
-              <a:t>Esteban Felipe guiza</a:t>
+              <a:t>Esteban Felipe Guiza Piñeros</a:t>
             </a:r>
             <a:endParaRPr dirty="0">
               <a:highlight>
@@ -16818,7 +16821,7 @@
           <a:p>
             <a:r>
               <a:rPr lang="es-CO" dirty="0"/>
-              <a:t>Clases a implementar</a:t>
+              <a:t>Clases a implementar-ATRIBUTOS Y METODOS:</a:t>
             </a:r>
           </a:p>
         </p:txBody>
@@ -16837,8 +16840,8 @@
         </p:nvSpPr>
         <p:spPr>
           <a:xfrm>
-            <a:off x="720000" y="801511"/>
-            <a:ext cx="7238667" cy="5047536"/>
+            <a:off x="219939" y="994393"/>
+            <a:ext cx="7238667" cy="4616648"/>
           </a:xfrm>
           <a:prstGeom prst="rect">
             <a:avLst/>
@@ -16852,20 +16855,12 @@
           <a:lstStyle/>
           <a:p>
             <a:r>
-              <a:rPr lang="es-CO" dirty="0" err="1">
-                <a:solidFill>
-                  <a:schemeClr val="accent2"/>
-                </a:solidFill>
-              </a:rPr>
-              <a:t>Class</a:t>
-            </a:r>
-            <a:r>
               <a:rPr lang="es-CO" dirty="0">
                 <a:solidFill>
                   <a:schemeClr val="accent2"/>
                 </a:solidFill>
               </a:rPr>
-              <a:t> </a:t>
+              <a:t>Class </a:t>
             </a:r>
             <a:r>
               <a:rPr lang="es-CO" dirty="0">
@@ -16893,26 +16888,52 @@
           <a:p>
             <a:endParaRPr lang="es-CO" dirty="0">
               <a:solidFill>
-                <a:srgbClr val="92D050"/>
+                <a:schemeClr val="bg1"/>
               </a:solidFill>
             </a:endParaRPr>
           </a:p>
           <a:p>
             <a:r>
-              <a:rPr lang="es-CO" dirty="0" err="1">
+              <a:rPr lang="es-CO" dirty="0">
                 <a:solidFill>
-                  <a:schemeClr val="accent2"/>
+                  <a:schemeClr val="bg1"/>
                 </a:solidFill>
               </a:rPr>
-              <a:t>Class</a:t>
+              <a:t>Atributos = En esta sección utilizaremos variables que delimiten los accesos  del escenario, y  los objetos con los que el usuario  interactuara.</a:t>
             </a:r>
+          </a:p>
+          <a:p>
+            <a:endParaRPr lang="es-CO" dirty="0">
+              <a:solidFill>
+                <a:schemeClr val="bg1"/>
+              </a:solidFill>
+            </a:endParaRPr>
+          </a:p>
+          <a:p>
+            <a:r>
+              <a:rPr lang="es-CO" dirty="0">
+                <a:solidFill>
+                  <a:schemeClr val="bg1"/>
+                </a:solidFill>
+              </a:rPr>
+              <a:t>Métodos = Evitar que el personaje sobrepase el escenario diseñado.</a:t>
+            </a:r>
+          </a:p>
+          <a:p>
+            <a:endParaRPr lang="es-CO" dirty="0">
+              <a:solidFill>
+                <a:srgbClr val="92D050"/>
+              </a:solidFill>
+            </a:endParaRPr>
+          </a:p>
+          <a:p>
             <a:r>
               <a:rPr lang="es-CO" dirty="0">
                 <a:solidFill>
                   <a:schemeClr val="accent2"/>
                 </a:solidFill>
               </a:rPr>
-              <a:t> </a:t>
+              <a:t>Class </a:t>
             </a:r>
             <a:r>
               <a:rPr lang="es-CO" dirty="0">
@@ -16942,29 +16963,20 @@
           </a:p>
           <a:p>
             <a:r>
-              <a:rPr lang="es-CO" dirty="0" err="1">
-                <a:solidFill>
-                  <a:schemeClr val="accent2"/>
-                </a:solidFill>
-              </a:rPr>
-              <a:t>Class</a:t>
-            </a:r>
-            <a:r>
-              <a:rPr lang="es-CO" dirty="0">
-                <a:solidFill>
-                  <a:schemeClr val="accent2"/>
-                </a:solidFill>
-              </a:rPr>
-              <a:t> </a:t>
-            </a:r>
-            <a:r>
               <a:rPr lang="es-CO" dirty="0">
                 <a:solidFill>
                   <a:schemeClr val="bg1"/>
                 </a:solidFill>
               </a:rPr>
-              <a:t>jugador();</a:t>
+              <a:t>Atributos = Inicializar variables que delimiten extremos específicos del mapa, y lo conecten con otros escenarios.</a:t>
             </a:r>
+          </a:p>
+          <a:p>
+            <a:endParaRPr lang="es-CO" dirty="0">
+              <a:solidFill>
+                <a:schemeClr val="bg1"/>
+              </a:solidFill>
+            </a:endParaRPr>
           </a:p>
           <a:p>
             <a:r>
@@ -16973,78 +16985,13 @@
                   <a:schemeClr val="bg1"/>
                 </a:solidFill>
               </a:rPr>
-              <a:t>Representa al jugador controlado por el usuario y contiene información como la posición del jugador, la dirección del movimiento, la vida, la velocidad.</a:t>
+              <a:t>Métodos = Conectar varios escenarios para que el usuario pueda cumplir los objetivos. </a:t>
             </a:r>
-          </a:p>
-          <a:p>
             <a:endParaRPr lang="es-CO" dirty="0">
               <a:solidFill>
-                <a:schemeClr val="bg1"/>
+                <a:srgbClr val="92D050"/>
               </a:solidFill>
             </a:endParaRPr>
-          </a:p>
-          <a:p>
-            <a:r>
-              <a:rPr lang="es-CO" dirty="0" err="1">
-                <a:solidFill>
-                  <a:schemeClr val="accent2"/>
-                </a:solidFill>
-              </a:rPr>
-              <a:t>Class</a:t>
-            </a:r>
-            <a:r>
-              <a:rPr lang="es-CO" dirty="0">
-                <a:solidFill>
-                  <a:schemeClr val="bg1"/>
-                </a:solidFill>
-              </a:rPr>
-              <a:t> enemigos();</a:t>
-            </a:r>
-          </a:p>
-          <a:p>
-            <a:r>
-              <a:rPr lang="es-CO" dirty="0">
-                <a:solidFill>
-                  <a:schemeClr val="bg1"/>
-                </a:solidFill>
-              </a:rPr>
-              <a:t>Representa a los enemigos del juego, que pueden ser controlados por la computadora. Esta clase también tiene información sobre la posición, la vida, la velocidad.</a:t>
-            </a:r>
-          </a:p>
-          <a:p>
-            <a:endParaRPr lang="es-CO" dirty="0">
-              <a:solidFill>
-                <a:schemeClr val="bg1"/>
-              </a:solidFill>
-            </a:endParaRPr>
-          </a:p>
-          <a:p>
-            <a:r>
-              <a:rPr lang="es-CO" dirty="0" err="1">
-                <a:solidFill>
-                  <a:schemeClr val="accent2"/>
-                </a:solidFill>
-              </a:rPr>
-              <a:t>Class</a:t>
-            </a:r>
-            <a:r>
-              <a:rPr lang="es-CO" dirty="0">
-                <a:solidFill>
-                  <a:schemeClr val="bg1"/>
-                </a:solidFill>
-              </a:rPr>
-              <a:t> objeto();</a:t>
-            </a:r>
-          </a:p>
-          <a:p>
-            <a:r>
-              <a:rPr lang="es-CO" dirty="0">
-                <a:solidFill>
-                  <a:schemeClr val="bg1"/>
-                </a:solidFill>
-              </a:rPr>
-              <a:t>Representa objetos en el juego con los cuales interactúa el personaje. Esta clase contiene información sobre la posición del objeto, la dirección, la textura..</a:t>
-            </a:r>
           </a:p>
           <a:p>
             <a:endParaRPr lang="es-CO" dirty="0">
@@ -17127,8 +17074,8 @@
         </p:nvSpPr>
         <p:spPr>
           <a:xfrm>
-            <a:off x="742578" y="0"/>
-            <a:ext cx="7238667" cy="7201972"/>
+            <a:off x="628279" y="207168"/>
+            <a:ext cx="6929810" cy="5047536"/>
           </a:xfrm>
           <a:prstGeom prst="rect">
             <a:avLst/>
@@ -17142,20 +17089,12 @@
           <a:lstStyle/>
           <a:p>
             <a:r>
-              <a:rPr lang="es-CO" dirty="0" err="1">
-                <a:solidFill>
-                  <a:schemeClr val="accent2"/>
-                </a:solidFill>
-              </a:rPr>
-              <a:t>Class</a:t>
-            </a:r>
-            <a:r>
               <a:rPr lang="es-CO" dirty="0">
                 <a:solidFill>
                   <a:schemeClr val="accent2"/>
                 </a:solidFill>
               </a:rPr>
-              <a:t> </a:t>
+              <a:t>Class </a:t>
             </a:r>
             <a:r>
               <a:rPr lang="es-CO" dirty="0">
@@ -17163,11 +17102,7 @@
                   <a:schemeClr val="bg1"/>
                 </a:solidFill>
               </a:rPr>
-              <a:t>juego(); </a:t>
-            </a:r>
-            <a:r>
-              <a:rPr lang="es-CO" dirty="0"/>
-              <a:t> </a:t>
+              <a:t>jugador();</a:t>
             </a:r>
           </a:p>
           <a:p>
@@ -17177,38 +17112,33 @@
                   <a:schemeClr val="bg1"/>
                 </a:solidFill>
               </a:rPr>
-              <a:t>Contiene información general sobre el estado actual del juego, como el puntaje, la cantidad de enemigos, el tiempo transcurrido.</a:t>
+              <a:t>Representa al jugador controlado por el usuario y contiene información como la posición del jugador, la dirección del movimiento, la vida, la velocidad.</a:t>
             </a:r>
+          </a:p>
+          <a:p>
             <a:endParaRPr lang="es-CO" dirty="0">
               <a:solidFill>
-                <a:srgbClr val="92D050"/>
+                <a:schemeClr val="bg1"/>
               </a:solidFill>
             </a:endParaRPr>
           </a:p>
           <a:p>
-            <a:endParaRPr lang="es-CO" dirty="0">
-              <a:solidFill>
-                <a:schemeClr val="accent2"/>
-              </a:solidFill>
-            </a:endParaRPr>
-          </a:p>
-          <a:p>
-            <a:r>
-              <a:rPr lang="es-CO" dirty="0">
-                <a:solidFill>
-                  <a:schemeClr val="accent2"/>
-                </a:solidFill>
-              </a:rPr>
-              <a:t>Void </a:t>
-            </a:r>
+            <a:pPr algn="just"/>
             <a:r>
               <a:rPr lang="es-CO" dirty="0">
                 <a:solidFill>
                   <a:schemeClr val="bg1"/>
                 </a:solidFill>
               </a:rPr>
-              <a:t>actualizar_juego();</a:t>
+              <a:t>Atributos = Determinar diferentes variables para especificar la distancia aproximada de desplazamiento, la información de la posición, la dirección, y la animación de Sprite en su desplazamiento.</a:t>
             </a:r>
+          </a:p>
+          <a:p>
+            <a:endParaRPr lang="es-CO" dirty="0">
+              <a:solidFill>
+                <a:schemeClr val="bg1"/>
+              </a:solidFill>
+            </a:endParaRPr>
           </a:p>
           <a:p>
             <a:r>
@@ -17217,8 +17147,20 @@
                   <a:schemeClr val="bg1"/>
                 </a:solidFill>
               </a:rPr>
-              <a:t>Se encarga de generar la actualización del juego cuando se elimine un enemigo.</a:t>
+              <a:t>Métodos = Aplicación de las variables para ejecutar el movimiento,  coordenadas de inicio en el escenario, y aplicación de los Sprite en movimiento.</a:t>
             </a:r>
+            <a:endParaRPr lang="es-CO" dirty="0">
+              <a:solidFill>
+                <a:srgbClr val="92D050"/>
+              </a:solidFill>
+            </a:endParaRPr>
+          </a:p>
+          <a:p>
+            <a:endParaRPr lang="es-CO" dirty="0">
+              <a:solidFill>
+                <a:schemeClr val="bg1"/>
+              </a:solidFill>
+            </a:endParaRPr>
           </a:p>
           <a:p>
             <a:endParaRPr lang="es-CO" dirty="0">
@@ -17229,7 +17171,7 @@
           </a:p>
           <a:p>
             <a:r>
-              <a:rPr lang="es-CO" dirty="0" err="1">
+              <a:rPr lang="es-CO" dirty="0">
                 <a:solidFill>
                   <a:schemeClr val="accent2"/>
                 </a:solidFill>
@@ -17242,7 +17184,7 @@
                   <a:schemeClr val="bg1"/>
                 </a:solidFill>
               </a:rPr>
-              <a:t> focus();</a:t>
+              <a:t> enemigos();</a:t>
             </a:r>
           </a:p>
           <a:p>
@@ -17252,7 +17194,7 @@
                   <a:schemeClr val="bg1"/>
                 </a:solidFill>
               </a:rPr>
-              <a:t>Representa la visión general que va a tener el personaje cuando se desplace.</a:t>
+              <a:t>Representa a los enemigos del juego, que pueden ser controlados por la computadora. Esta clase también tiene información sobre la posición, la vida, la velocidad.</a:t>
             </a:r>
           </a:p>
           <a:p>
@@ -17263,200 +17205,34 @@
             </a:endParaRPr>
           </a:p>
           <a:p>
-            <a:r>
-              <a:rPr lang="es-CO" dirty="0">
-                <a:solidFill>
-                  <a:schemeClr val="accent2"/>
-                </a:solidFill>
-              </a:rPr>
-              <a:t>Void</a:t>
-            </a:r>
+            <a:pPr algn="just"/>
             <a:r>
               <a:rPr lang="es-CO" dirty="0">
                 <a:solidFill>
                   <a:schemeClr val="bg1"/>
                 </a:solidFill>
               </a:rPr>
-              <a:t> muerte_jugador();</a:t>
+              <a:t>Atributos= Variables para determinar, la cantidad de enemigos,  direcciones aleatorias donde irán los enemigo, o  las coordenadas donde estos se encontraran. </a:t>
             </a:r>
           </a:p>
           <a:p>
+            <a:pPr algn="just"/>
+            <a:endParaRPr lang="es-CO" dirty="0">
+              <a:solidFill>
+                <a:schemeClr val="bg1"/>
+              </a:solidFill>
+            </a:endParaRPr>
+          </a:p>
+          <a:p>
+            <a:pPr algn="just"/>
             <a:r>
               <a:rPr lang="es-CO" dirty="0">
                 <a:solidFill>
                   <a:schemeClr val="bg1"/>
                 </a:solidFill>
               </a:rPr>
-              <a:t>Se encarga de validar si el jugador ya perdió o murió y si perdió o murió le indique que perdió y se cierre el juego.</a:t>
+              <a:t>Métodos = Aplicación de las variables para ejecutar los movimientos iniciales, la cantidad de enemigos  y sus movimientos.</a:t>
             </a:r>
-          </a:p>
-          <a:p>
-            <a:endParaRPr lang="es-CO" dirty="0">
-              <a:solidFill>
-                <a:schemeClr val="bg1"/>
-              </a:solidFill>
-            </a:endParaRPr>
-          </a:p>
-          <a:p>
-            <a:r>
-              <a:rPr lang="es-CO" dirty="0">
-                <a:solidFill>
-                  <a:schemeClr val="accent2"/>
-                </a:solidFill>
-              </a:rPr>
-              <a:t>Void</a:t>
-            </a:r>
-            <a:r>
-              <a:rPr lang="es-CO" dirty="0">
-                <a:solidFill>
-                  <a:schemeClr val="bg1"/>
-                </a:solidFill>
-              </a:rPr>
-              <a:t> muerte_enemigo();</a:t>
-            </a:r>
-          </a:p>
-          <a:p>
-            <a:r>
-              <a:rPr lang="es-CO" dirty="0">
-                <a:solidFill>
-                  <a:schemeClr val="bg1"/>
-                </a:solidFill>
-              </a:rPr>
-              <a:t>Se encarga de verificar la muerte del enemigo y cambiar el Sprite por el de cuerpo muerto.</a:t>
-            </a:r>
-          </a:p>
-          <a:p>
-            <a:endParaRPr lang="es-CO" dirty="0">
-              <a:solidFill>
-                <a:schemeClr val="bg1"/>
-              </a:solidFill>
-            </a:endParaRPr>
-          </a:p>
-          <a:p>
-            <a:r>
-              <a:rPr lang="es-CO" dirty="0">
-                <a:solidFill>
-                  <a:schemeClr val="accent2"/>
-                </a:solidFill>
-              </a:rPr>
-              <a:t>void</a:t>
-            </a:r>
-            <a:r>
-              <a:rPr lang="es-CO" dirty="0">
-                <a:solidFill>
-                  <a:schemeClr val="bg1"/>
-                </a:solidFill>
-              </a:rPr>
-              <a:t> actualizar_cronometro();</a:t>
-            </a:r>
-          </a:p>
-          <a:p>
-            <a:r>
-              <a:rPr lang="es-CO" dirty="0">
-                <a:solidFill>
-                  <a:schemeClr val="bg1"/>
-                </a:solidFill>
-              </a:rPr>
-              <a:t>Se encarga de ir modificando el tiempo del juego.</a:t>
-            </a:r>
-          </a:p>
-          <a:p>
-            <a:endParaRPr lang="es-CO" dirty="0">
-              <a:solidFill>
-                <a:schemeClr val="bg1"/>
-              </a:solidFill>
-            </a:endParaRPr>
-          </a:p>
-          <a:p>
-            <a:r>
-              <a:rPr lang="es-CO" dirty="0">
-                <a:solidFill>
-                  <a:schemeClr val="accent2"/>
-                </a:solidFill>
-              </a:rPr>
-              <a:t>void</a:t>
-            </a:r>
-            <a:r>
-              <a:rPr lang="es-CO" dirty="0">
-                <a:solidFill>
-                  <a:schemeClr val="bg1"/>
-                </a:solidFill>
-              </a:rPr>
-              <a:t> inicializar_juego();</a:t>
-            </a:r>
-          </a:p>
-          <a:p>
-            <a:r>
-              <a:rPr lang="es-CO" dirty="0">
-                <a:solidFill>
-                  <a:schemeClr val="bg1"/>
-                </a:solidFill>
-              </a:rPr>
-              <a:t>Se encarga de iniciar el juego desde cero.</a:t>
-            </a:r>
-          </a:p>
-          <a:p>
-            <a:endParaRPr lang="es-CO" dirty="0">
-              <a:solidFill>
-                <a:schemeClr val="bg1"/>
-              </a:solidFill>
-            </a:endParaRPr>
-          </a:p>
-          <a:p>
-            <a:endParaRPr lang="es-CO" dirty="0">
-              <a:solidFill>
-                <a:schemeClr val="bg1"/>
-              </a:solidFill>
-            </a:endParaRPr>
-          </a:p>
-          <a:p>
-            <a:endParaRPr lang="es-CO" dirty="0">
-              <a:solidFill>
-                <a:schemeClr val="bg1"/>
-              </a:solidFill>
-            </a:endParaRPr>
-          </a:p>
-          <a:p>
-            <a:endParaRPr lang="es-CO" dirty="0">
-              <a:solidFill>
-                <a:schemeClr val="bg1"/>
-              </a:solidFill>
-            </a:endParaRPr>
-          </a:p>
-          <a:p>
-            <a:endParaRPr lang="es-CO" dirty="0">
-              <a:solidFill>
-                <a:schemeClr val="bg1"/>
-              </a:solidFill>
-            </a:endParaRPr>
-          </a:p>
-          <a:p>
-            <a:endParaRPr lang="es-CO" dirty="0">
-              <a:solidFill>
-                <a:schemeClr val="bg1"/>
-              </a:solidFill>
-            </a:endParaRPr>
-          </a:p>
-          <a:p>
-            <a:endParaRPr lang="es-CO" dirty="0">
-              <a:solidFill>
-                <a:schemeClr val="bg1"/>
-              </a:solidFill>
-            </a:endParaRPr>
-          </a:p>
-          <a:p>
-            <a:endParaRPr lang="es-CO" dirty="0">
-              <a:solidFill>
-                <a:schemeClr val="bg1"/>
-              </a:solidFill>
-            </a:endParaRPr>
-          </a:p>
-          <a:p>
-            <a:endParaRPr lang="es-CO" dirty="0">
-              <a:solidFill>
-                <a:schemeClr val="bg1"/>
-              </a:solidFill>
-            </a:endParaRPr>
           </a:p>
           <a:p>
             <a:endParaRPr lang="es-CO" dirty="0">
@@ -17470,7 +17246,7 @@
     </p:spTree>
     <p:extLst>
       <p:ext uri="{BB962C8B-B14F-4D97-AF65-F5344CB8AC3E}">
-        <p14:creationId xmlns:p14="http://schemas.microsoft.com/office/powerpoint/2010/main" val="2007485776"/>
+        <p14:creationId xmlns:p14="http://schemas.microsoft.com/office/powerpoint/2010/main" val="260964987"/>
       </p:ext>
     </p:extLst>
   </p:cSld>
@@ -17511,8 +17287,432 @@
         </p:nvSpPr>
         <p:spPr>
           <a:xfrm>
+            <a:off x="585415" y="-85725"/>
+            <a:ext cx="6801223" cy="4832092"/>
+          </a:xfrm>
+          <a:prstGeom prst="rect">
+            <a:avLst/>
+          </a:prstGeom>
+          <a:noFill/>
+        </p:spPr>
+        <p:txBody>
+          <a:bodyPr wrap="square" rtlCol="0">
+            <a:spAutoFit/>
+          </a:bodyPr>
+          <a:lstStyle/>
+          <a:p>
+            <a:endParaRPr lang="es-CO" dirty="0">
+              <a:solidFill>
+                <a:schemeClr val="bg1"/>
+              </a:solidFill>
+            </a:endParaRPr>
+          </a:p>
+          <a:p>
+            <a:r>
+              <a:rPr lang="es-CO" dirty="0">
+                <a:solidFill>
+                  <a:schemeClr val="accent2"/>
+                </a:solidFill>
+              </a:rPr>
+              <a:t>Class</a:t>
+            </a:r>
+            <a:r>
+              <a:rPr lang="es-CO" dirty="0">
+                <a:solidFill>
+                  <a:schemeClr val="bg1"/>
+                </a:solidFill>
+              </a:rPr>
+              <a:t> objeto();</a:t>
+            </a:r>
+          </a:p>
+          <a:p>
+            <a:r>
+              <a:rPr lang="es-CO" dirty="0">
+                <a:solidFill>
+                  <a:schemeClr val="bg1"/>
+                </a:solidFill>
+              </a:rPr>
+              <a:t>Representa objetos en el juego con los cuales interactúa el personaje. Esta clase contiene información sobre la posición del objeto, la dirección, la textura..</a:t>
+            </a:r>
+          </a:p>
+          <a:p>
+            <a:endParaRPr lang="es-CO" dirty="0">
+              <a:solidFill>
+                <a:schemeClr val="bg1"/>
+              </a:solidFill>
+            </a:endParaRPr>
+          </a:p>
+          <a:p>
+            <a:r>
+              <a:rPr lang="es-CO" dirty="0">
+                <a:solidFill>
+                  <a:schemeClr val="bg1"/>
+                </a:solidFill>
+              </a:rPr>
+              <a:t>Atributos= Precisar variables que delimiten los objetos y complementen el escenario, agregando distorsiones, singularidades  y otros aspectos que enriquezcan el escenario.</a:t>
+            </a:r>
+          </a:p>
+          <a:p>
+            <a:endParaRPr lang="es-CO" dirty="0">
+              <a:solidFill>
+                <a:schemeClr val="bg1"/>
+              </a:solidFill>
+            </a:endParaRPr>
+          </a:p>
+          <a:p>
+            <a:r>
+              <a:rPr lang="es-CO" dirty="0">
+                <a:solidFill>
+                  <a:schemeClr val="bg1"/>
+                </a:solidFill>
+              </a:rPr>
+              <a:t>Métodos = Aplicación de los objetos para crear rutas diferentes, con las que el usuario interactuar dentro del escenario.</a:t>
+            </a:r>
+          </a:p>
+          <a:p>
+            <a:endParaRPr lang="es-CO" dirty="0">
+              <a:solidFill>
+                <a:schemeClr val="bg1"/>
+              </a:solidFill>
+            </a:endParaRPr>
+          </a:p>
+          <a:p>
+            <a:r>
+              <a:rPr lang="es-CO" dirty="0">
+                <a:solidFill>
+                  <a:schemeClr val="accent2"/>
+                </a:solidFill>
+              </a:rPr>
+              <a:t>Class </a:t>
+            </a:r>
+            <a:r>
+              <a:rPr lang="es-CO" dirty="0">
+                <a:solidFill>
+                  <a:schemeClr val="bg1"/>
+                </a:solidFill>
+              </a:rPr>
+              <a:t>juego(); </a:t>
+            </a:r>
+            <a:r>
+              <a:rPr lang="es-CO" dirty="0"/>
+              <a:t> </a:t>
+            </a:r>
+          </a:p>
+          <a:p>
+            <a:r>
+              <a:rPr lang="es-CO" dirty="0">
+                <a:solidFill>
+                  <a:schemeClr val="bg1"/>
+                </a:solidFill>
+              </a:rPr>
+              <a:t>Contiene información general sobre el estado actual del juego, como el puntaje, la cantidad de enemigos, el tiempo transcurrido.</a:t>
+            </a:r>
+          </a:p>
+          <a:p>
+            <a:endParaRPr lang="es-CO" dirty="0">
+              <a:solidFill>
+                <a:schemeClr val="bg1"/>
+              </a:solidFill>
+            </a:endParaRPr>
+          </a:p>
+          <a:p>
+            <a:pPr algn="just"/>
+            <a:r>
+              <a:rPr lang="es-CO" dirty="0">
+                <a:solidFill>
+                  <a:schemeClr val="bg1"/>
+                </a:solidFill>
+              </a:rPr>
+              <a:t>Atributos=  Variables que contabilicen la duración del juego, la cantidad de objetivos y su cumplimiento durante el juego.</a:t>
+            </a:r>
+          </a:p>
+          <a:p>
+            <a:pPr algn="just"/>
+            <a:endParaRPr lang="es-CO" dirty="0">
+              <a:solidFill>
+                <a:schemeClr val="bg1"/>
+              </a:solidFill>
+            </a:endParaRPr>
+          </a:p>
+          <a:p>
+            <a:pPr algn="just"/>
+            <a:r>
+              <a:rPr lang="es-CO" dirty="0">
+                <a:solidFill>
+                  <a:schemeClr val="bg1"/>
+                </a:solidFill>
+              </a:rPr>
+              <a:t>Métodos = Aplicación de los métodos  del juego,  la distribución de objetivos dependiendo del tiempo limite, y  el tiempo transcurrido.</a:t>
+            </a:r>
+            <a:endParaRPr lang="es-CO" dirty="0">
+              <a:solidFill>
+                <a:srgbClr val="92D050"/>
+              </a:solidFill>
+            </a:endParaRPr>
+          </a:p>
+          <a:p>
+            <a:endParaRPr lang="es-CO" dirty="0">
+              <a:solidFill>
+                <a:schemeClr val="bg1"/>
+              </a:solidFill>
+            </a:endParaRPr>
+          </a:p>
+        </p:txBody>
+      </p:sp>
+    </p:spTree>
+    <p:extLst>
+      <p:ext uri="{BB962C8B-B14F-4D97-AF65-F5344CB8AC3E}">
+        <p14:creationId xmlns:p14="http://schemas.microsoft.com/office/powerpoint/2010/main" val="2569231956"/>
+      </p:ext>
+    </p:extLst>
+  </p:cSld>
+  <p:clrMapOvr>
+    <a:masterClrMapping/>
+  </p:clrMapOvr>
+</p:sld>
+</file>
+
+<file path=ppt/slides/slide18.xml><?xml version="1.0" encoding="utf-8"?>
+<p:sld xmlns:a="http://schemas.openxmlformats.org/drawingml/2006/main" xmlns:r="http://schemas.openxmlformats.org/officeDocument/2006/relationships" xmlns:p="http://schemas.openxmlformats.org/presentationml/2006/main">
+  <p:cSld>
+    <p:spTree>
+      <p:nvGrpSpPr>
+        <p:cNvPr id="1" name=""/>
+        <p:cNvGrpSpPr/>
+        <p:nvPr/>
+      </p:nvGrpSpPr>
+      <p:grpSpPr>
+        <a:xfrm>
+          <a:off x="0" y="0"/>
+          <a:ext cx="0" cy="0"/>
+          <a:chOff x="0" y="0"/>
+          <a:chExt cx="0" cy="0"/>
+        </a:xfrm>
+      </p:grpSpPr>
+      <p:sp>
+        <p:nvSpPr>
+          <p:cNvPr id="4" name="CuadroTexto 3">
+            <a:extLst>
+              <a:ext uri="{FF2B5EF4-FFF2-40B4-BE49-F238E27FC236}">
+                <a16:creationId xmlns:a16="http://schemas.microsoft.com/office/drawing/2014/main" id="{BD1A6BAF-4579-A422-965E-F2909F98487B}"/>
+              </a:ext>
+            </a:extLst>
+          </p:cNvPr>
+          <p:cNvSpPr txBox="1"/>
+          <p:nvPr/>
+        </p:nvSpPr>
+        <p:spPr>
+          <a:xfrm>
             <a:off x="742578" y="0"/>
-            <a:ext cx="7238667" cy="2677656"/>
+            <a:ext cx="6101135" cy="5262979"/>
+          </a:xfrm>
+          <a:prstGeom prst="rect">
+            <a:avLst/>
+          </a:prstGeom>
+          <a:noFill/>
+        </p:spPr>
+        <p:txBody>
+          <a:bodyPr wrap="square" rtlCol="0">
+            <a:spAutoFit/>
+          </a:bodyPr>
+          <a:lstStyle/>
+          <a:p>
+            <a:endParaRPr lang="es-CO" dirty="0">
+              <a:solidFill>
+                <a:schemeClr val="accent2"/>
+              </a:solidFill>
+            </a:endParaRPr>
+          </a:p>
+          <a:p>
+            <a:r>
+              <a:rPr lang="es-CO" dirty="0">
+                <a:solidFill>
+                  <a:schemeClr val="accent2"/>
+                </a:solidFill>
+              </a:rPr>
+              <a:t>Void </a:t>
+            </a:r>
+            <a:r>
+              <a:rPr lang="es-CO" dirty="0">
+                <a:solidFill>
+                  <a:schemeClr val="bg1"/>
+                </a:solidFill>
+              </a:rPr>
+              <a:t>actualizar_juego();</a:t>
+            </a:r>
+          </a:p>
+          <a:p>
+            <a:r>
+              <a:rPr lang="es-CO" dirty="0">
+                <a:solidFill>
+                  <a:schemeClr val="bg1"/>
+                </a:solidFill>
+              </a:rPr>
+              <a:t>Se encarga de generar la actualización del juego cuando se elimine un enemigo.</a:t>
+            </a:r>
+          </a:p>
+          <a:p>
+            <a:endParaRPr lang="es-CO" dirty="0">
+              <a:solidFill>
+                <a:schemeClr val="bg1"/>
+              </a:solidFill>
+            </a:endParaRPr>
+          </a:p>
+          <a:p>
+            <a:pPr algn="just"/>
+            <a:r>
+              <a:rPr lang="es-CO" dirty="0">
+                <a:solidFill>
+                  <a:schemeClr val="bg1"/>
+                </a:solidFill>
+              </a:rPr>
+              <a:t>Atributos= Determinar  variables que dominio privado donde se actualicen contantemente, con el cumplimiento de los objetivos principales.</a:t>
+            </a:r>
+          </a:p>
+          <a:p>
+            <a:pPr algn="just"/>
+            <a:endParaRPr lang="es-CO" dirty="0">
+              <a:solidFill>
+                <a:schemeClr val="bg1"/>
+              </a:solidFill>
+            </a:endParaRPr>
+          </a:p>
+          <a:p>
+            <a:pPr algn="just"/>
+            <a:r>
+              <a:rPr lang="es-CO" dirty="0">
+                <a:solidFill>
+                  <a:schemeClr val="bg1"/>
+                </a:solidFill>
+              </a:rPr>
+              <a:t>Métodos = Reacondiciona la variables principales que determinar la fluidez o dirección del juego, para siempre al usuario cumpliendo el objetivo siguiente.</a:t>
+            </a:r>
+          </a:p>
+          <a:p>
+            <a:endParaRPr lang="es-CO" dirty="0">
+              <a:solidFill>
+                <a:schemeClr val="bg1"/>
+              </a:solidFill>
+            </a:endParaRPr>
+          </a:p>
+          <a:p>
+            <a:r>
+              <a:rPr lang="es-CO" dirty="0">
+                <a:solidFill>
+                  <a:schemeClr val="accent2"/>
+                </a:solidFill>
+              </a:rPr>
+              <a:t>Class</a:t>
+            </a:r>
+            <a:r>
+              <a:rPr lang="es-CO" dirty="0">
+                <a:solidFill>
+                  <a:schemeClr val="bg1"/>
+                </a:solidFill>
+              </a:rPr>
+              <a:t> focus();</a:t>
+            </a:r>
+          </a:p>
+          <a:p>
+            <a:r>
+              <a:rPr lang="es-CO" dirty="0">
+                <a:solidFill>
+                  <a:schemeClr val="bg1"/>
+                </a:solidFill>
+              </a:rPr>
+              <a:t>Representa la visión general que va a tener el personaje cuando se desplace.</a:t>
+            </a:r>
+          </a:p>
+          <a:p>
+            <a:endParaRPr lang="es-CO" dirty="0">
+              <a:solidFill>
+                <a:schemeClr val="bg1"/>
+              </a:solidFill>
+            </a:endParaRPr>
+          </a:p>
+          <a:p>
+            <a:pPr algn="just"/>
+            <a:r>
+              <a:rPr lang="es-CO" dirty="0">
+                <a:solidFill>
+                  <a:schemeClr val="bg1"/>
+                </a:solidFill>
+              </a:rPr>
+              <a:t>Atributos= Determinar  variables que contengan coordenadas actualizadas contantemente de la posición central del personaje del usuario, y otros atributos que contemplen un margen especifico del escenario.</a:t>
+            </a:r>
+          </a:p>
+          <a:p>
+            <a:endParaRPr lang="es-CO" dirty="0">
+              <a:solidFill>
+                <a:schemeClr val="bg1"/>
+              </a:solidFill>
+            </a:endParaRPr>
+          </a:p>
+          <a:p>
+            <a:r>
+              <a:rPr lang="es-CO" dirty="0">
+                <a:solidFill>
+                  <a:schemeClr val="bg1"/>
+                </a:solidFill>
+              </a:rPr>
+              <a:t>Métodos = Aplica un tipo de zoom dentro del escenario en cualquier parte donde se mueva el personaje del usuario, de esta forma se detallara mas su movimiento.</a:t>
+            </a:r>
+          </a:p>
+          <a:p>
+            <a:endParaRPr lang="es-CO" dirty="0">
+              <a:solidFill>
+                <a:schemeClr val="bg1"/>
+              </a:solidFill>
+            </a:endParaRPr>
+          </a:p>
+        </p:txBody>
+      </p:sp>
+    </p:spTree>
+    <p:extLst>
+      <p:ext uri="{BB962C8B-B14F-4D97-AF65-F5344CB8AC3E}">
+        <p14:creationId xmlns:p14="http://schemas.microsoft.com/office/powerpoint/2010/main" val="2007485776"/>
+      </p:ext>
+    </p:extLst>
+  </p:cSld>
+  <p:clrMapOvr>
+    <a:masterClrMapping/>
+  </p:clrMapOvr>
+</p:sld>
+</file>
+
+<file path=ppt/slides/slide19.xml><?xml version="1.0" encoding="utf-8"?>
+<p:sld xmlns:a="http://schemas.openxmlformats.org/drawingml/2006/main" xmlns:r="http://schemas.openxmlformats.org/officeDocument/2006/relationships" xmlns:p="http://schemas.openxmlformats.org/presentationml/2006/main">
+  <p:cSld>
+    <p:spTree>
+      <p:nvGrpSpPr>
+        <p:cNvPr id="1" name=""/>
+        <p:cNvGrpSpPr/>
+        <p:nvPr/>
+      </p:nvGrpSpPr>
+      <p:grpSpPr>
+        <a:xfrm>
+          <a:off x="0" y="0"/>
+          <a:ext cx="0" cy="0"/>
+          <a:chOff x="0" y="0"/>
+          <a:chExt cx="0" cy="0"/>
+        </a:xfrm>
+      </p:grpSpPr>
+      <p:sp>
+        <p:nvSpPr>
+          <p:cNvPr id="4" name="CuadroTexto 3">
+            <a:extLst>
+              <a:ext uri="{FF2B5EF4-FFF2-40B4-BE49-F238E27FC236}">
+                <a16:creationId xmlns:a16="http://schemas.microsoft.com/office/drawing/2014/main" id="{BD1A6BAF-4579-A422-965E-F2909F98487B}"/>
+              </a:ext>
+            </a:extLst>
+          </p:cNvPr>
+          <p:cNvSpPr txBox="1"/>
+          <p:nvPr/>
+        </p:nvSpPr>
+        <p:spPr>
+          <a:xfrm>
+            <a:off x="649711" y="421482"/>
+            <a:ext cx="6908378" cy="5047536"/>
           </a:xfrm>
           <a:prstGeom prst="rect">
             <a:avLst/>
@@ -17531,15 +17731,7 @@
                   <a:schemeClr val="accent2"/>
                 </a:solidFill>
               </a:rPr>
-              <a:t>Class</a:t>
-            </a:r>
-            <a:r>
-              <a:rPr lang="es-CO" dirty="0">
-                <a:solidFill>
-                  <a:schemeClr val="accent2"/>
-                </a:solidFill>
-              </a:rPr>
-              <a:t> </a:t>
+              <a:t>Void</a:t>
             </a:r>
             <a:r>
               <a:rPr lang="es-CO" dirty="0">
@@ -17547,11 +17739,23 @@
                   <a:schemeClr val="bg1"/>
                 </a:solidFill>
               </a:rPr>
-              <a:t>mini_juego(); </a:t>
+              <a:t> </a:t>
             </a:r>
             <a:r>
-              <a:rPr lang="es-CO" dirty="0"/>
-              <a:t> </a:t>
+              <a:rPr lang="es-CO" dirty="0" err="1">
+                <a:solidFill>
+                  <a:schemeClr val="bg1"/>
+                </a:solidFill>
+              </a:rPr>
+              <a:t>muerte_jugador</a:t>
+            </a:r>
+            <a:r>
+              <a:rPr lang="es-CO" dirty="0">
+                <a:solidFill>
+                  <a:schemeClr val="bg1"/>
+                </a:solidFill>
+              </a:rPr>
+              <a:t>();</a:t>
             </a:r>
           </a:p>
           <a:p>
@@ -17561,22 +17765,79 @@
                   <a:schemeClr val="bg1"/>
                 </a:solidFill>
               </a:rPr>
-              <a:t>Contiene los diferentes mini-juegos que se van a implementar.</a:t>
+              <a:t>Se encarga de validar si el jugador ya perdió o murió y si perdió o murió le indique  un anuncio y se cierre el juego.</a:t>
             </a:r>
+          </a:p>
+          <a:p>
             <a:endParaRPr lang="es-CO" dirty="0">
               <a:solidFill>
-                <a:srgbClr val="92D050"/>
+                <a:schemeClr val="bg1"/>
               </a:solidFill>
             </a:endParaRPr>
           </a:p>
           <a:p>
+            <a:pPr algn="just"/>
+            <a:r>
+              <a:rPr lang="es-CO" dirty="0">
+                <a:solidFill>
+                  <a:schemeClr val="bg1"/>
+                </a:solidFill>
+              </a:rPr>
+              <a:t>Atributos= Determinar  variables del usuario que determinen la vida del personaje y si excede sus variables de vida, se anunciara el fracaso del objetivo y su </a:t>
+            </a:r>
+            <a:r>
+              <a:rPr lang="es-CO" dirty="0" err="1">
+                <a:solidFill>
+                  <a:schemeClr val="bg1"/>
+                </a:solidFill>
+              </a:rPr>
+              <a:t>reincio</a:t>
+            </a:r>
+            <a:r>
+              <a:rPr lang="es-CO" dirty="0">
+                <a:solidFill>
+                  <a:schemeClr val="bg1"/>
+                </a:solidFill>
+              </a:rPr>
+              <a:t>.</a:t>
+            </a:r>
+          </a:p>
+          <a:p>
+            <a:pPr algn="just"/>
             <a:endParaRPr lang="es-CO" dirty="0">
               <a:solidFill>
-                <a:schemeClr val="accent2"/>
+                <a:schemeClr val="bg1"/>
               </a:solidFill>
             </a:endParaRPr>
           </a:p>
           <a:p>
+            <a:pPr algn="just"/>
+            <a:r>
+              <a:rPr lang="es-CO" dirty="0">
+                <a:solidFill>
+                  <a:schemeClr val="bg1"/>
+                </a:solidFill>
+              </a:rPr>
+              <a:t>Métodos= Accionar un anuncio del cumplimiento de la muerte del usuario, y aplicar el </a:t>
+            </a:r>
+            <a:r>
+              <a:rPr lang="es-CO" dirty="0" err="1">
+                <a:solidFill>
+                  <a:schemeClr val="bg1"/>
+                </a:solidFill>
+              </a:rPr>
+              <a:t>sprite</a:t>
+            </a:r>
+            <a:r>
+              <a:rPr lang="es-CO" dirty="0">
+                <a:solidFill>
+                  <a:schemeClr val="bg1"/>
+                </a:solidFill>
+              </a:rPr>
+              <a:t> de su derrota para proseguir con el reinicio.</a:t>
+            </a:r>
+          </a:p>
+          <a:p>
             <a:endParaRPr lang="es-CO" dirty="0">
               <a:solidFill>
                 <a:schemeClr val="bg1"/>
@@ -17584,6 +17845,50 @@
             </a:endParaRPr>
           </a:p>
           <a:p>
+            <a:r>
+              <a:rPr lang="es-CO" dirty="0" err="1">
+                <a:solidFill>
+                  <a:schemeClr val="accent2"/>
+                </a:solidFill>
+              </a:rPr>
+              <a:t>Void</a:t>
+            </a:r>
+            <a:r>
+              <a:rPr lang="es-CO" dirty="0">
+                <a:solidFill>
+                  <a:schemeClr val="bg1"/>
+                </a:solidFill>
+              </a:rPr>
+              <a:t> </a:t>
+            </a:r>
+            <a:r>
+              <a:rPr lang="es-CO" dirty="0" err="1">
+                <a:solidFill>
+                  <a:schemeClr val="bg1"/>
+                </a:solidFill>
+              </a:rPr>
+              <a:t>muerte_enemigo</a:t>
+            </a:r>
+            <a:r>
+              <a:rPr lang="es-CO" dirty="0">
+                <a:solidFill>
+                  <a:schemeClr val="bg1"/>
+                </a:solidFill>
+              </a:rPr>
+              <a:t>();</a:t>
+            </a:r>
+          </a:p>
+          <a:p>
+            <a:r>
+              <a:rPr lang="es-CO" dirty="0">
+                <a:solidFill>
+                  <a:schemeClr val="bg1"/>
+                </a:solidFill>
+              </a:rPr>
+              <a:t>Se encarga de verificar la muerte del enemigo y cambiar el Sprite por el de cuerpo muerto.</a:t>
+            </a:r>
+          </a:p>
+          <a:p>
             <a:endParaRPr lang="es-CO" dirty="0">
               <a:solidFill>
                 <a:schemeClr val="bg1"/>
@@ -17591,6 +17896,18 @@
             </a:endParaRPr>
           </a:p>
           <a:p>
+            <a:pPr algn="just"/>
+            <a:r>
+              <a:rPr lang="es-CO" dirty="0">
+                <a:solidFill>
+                  <a:schemeClr val="bg1"/>
+                </a:solidFill>
+              </a:rPr>
+              <a:t>Atributos= Determinar  variables del usuario que determinen si cumplió con objetivo de acabar con los enemigos del juego.</a:t>
+            </a:r>
+          </a:p>
+          <a:p>
+            <a:pPr algn="just"/>
             <a:endParaRPr lang="es-CO" dirty="0">
               <a:solidFill>
                 <a:schemeClr val="bg1"/>
@@ -17598,18 +17915,15 @@
             </a:endParaRPr>
           </a:p>
           <a:p>
-            <a:endParaRPr lang="es-CO" dirty="0">
-              <a:solidFill>
-                <a:schemeClr val="bg1"/>
-              </a:solidFill>
-            </a:endParaRPr>
-          </a:p>
-          <a:p>
-            <a:endParaRPr lang="es-CO" dirty="0">
-              <a:solidFill>
-                <a:schemeClr val="bg1"/>
-              </a:solidFill>
-            </a:endParaRPr>
+            <a:pPr algn="just"/>
+            <a:r>
+              <a:rPr lang="es-CO" dirty="0">
+                <a:solidFill>
+                  <a:schemeClr val="bg1"/>
+                </a:solidFill>
+              </a:rPr>
+              <a:t>Métodos= Accionar un anuncio del cumplimiento de la muerte del enemigo, y aplicar el Sprite de su victoria para proseguir con el siguiente.</a:t>
+            </a:r>
           </a:p>
           <a:p>
             <a:endParaRPr lang="es-CO" dirty="0">
@@ -17647,2347 +17961,6 @@
         <p14:creationId xmlns:p14="http://schemas.microsoft.com/office/powerpoint/2010/main" val="3381530330"/>
       </p:ext>
     </p:extLst>
-  </p:cSld>
-  <p:clrMapOvr>
-    <a:masterClrMapping/>
-  </p:clrMapOvr>
-</p:sld>
-</file>
-
-<file path=ppt/slides/slide18.xml><?xml version="1.0" encoding="utf-8"?>
-<p:sld xmlns:a="http://schemas.openxmlformats.org/drawingml/2006/main" xmlns:r="http://schemas.openxmlformats.org/officeDocument/2006/relationships" xmlns:p="http://schemas.openxmlformats.org/presentationml/2006/main">
-  <p:cSld>
-    <p:spTree>
-      <p:nvGrpSpPr>
-        <p:cNvPr id="1" name="Shape 4887"/>
-        <p:cNvGrpSpPr/>
-        <p:nvPr/>
-      </p:nvGrpSpPr>
-      <p:grpSpPr>
-        <a:xfrm>
-          <a:off x="0" y="0"/>
-          <a:ext cx="0" cy="0"/>
-          <a:chOff x="0" y="0"/>
-          <a:chExt cx="0" cy="0"/>
-        </a:xfrm>
-      </p:grpSpPr>
-      <p:sp>
-        <p:nvSpPr>
-          <p:cNvPr id="4888" name="Google Shape;4888;p108"/>
-          <p:cNvSpPr txBox="1">
-            <a:spLocks noGrp="1"/>
-          </p:cNvSpPr>
-          <p:nvPr>
-            <p:ph type="title"/>
-          </p:nvPr>
-        </p:nvSpPr>
-        <p:spPr>
-          <a:xfrm>
-            <a:off x="2819400" y="324150"/>
-            <a:ext cx="3505200" cy="1320000"/>
-          </a:xfrm>
-          <a:prstGeom prst="rect">
-            <a:avLst/>
-          </a:prstGeom>
-        </p:spPr>
-        <p:txBody>
-          <a:bodyPr spcFirstLastPara="1" wrap="square" lIns="91425" tIns="91425" rIns="91425" bIns="91425" anchor="t" anchorCtr="0">
-            <a:noAutofit/>
-          </a:bodyPr>
-          <a:lstStyle/>
-          <a:p>
-            <a:pPr marL="0" lvl="0" indent="0" algn="ctr" rtl="0">
-              <a:spcBef>
-                <a:spcPts val="0"/>
-              </a:spcBef>
-              <a:spcAft>
-                <a:spcPts val="0"/>
-              </a:spcAft>
-              <a:buNone/>
-            </a:pPr>
-            <a:r>
-              <a:rPr lang="en"/>
-              <a:t>Thanks!</a:t>
-            </a:r>
-            <a:endParaRPr dirty="0"/>
-          </a:p>
-        </p:txBody>
-      </p:sp>
-      <p:grpSp>
-        <p:nvGrpSpPr>
-          <p:cNvPr id="4903" name="Google Shape;4903;p108"/>
-          <p:cNvGrpSpPr/>
-          <p:nvPr/>
-        </p:nvGrpSpPr>
-        <p:grpSpPr>
-          <a:xfrm rot="-703690" flipH="1">
-            <a:off x="675840" y="3766500"/>
-            <a:ext cx="805111" cy="1003010"/>
-            <a:chOff x="-1778892" y="2016220"/>
-            <a:chExt cx="891846" cy="1111064"/>
-          </a:xfrm>
-        </p:grpSpPr>
-        <p:sp>
-          <p:nvSpPr>
-            <p:cNvPr id="4904" name="Google Shape;4904;p108"/>
-            <p:cNvSpPr/>
-            <p:nvPr/>
-          </p:nvSpPr>
-          <p:spPr>
-            <a:xfrm rot="-2403405" flipH="1">
-              <a:off x="-1713636" y="2739091"/>
-              <a:ext cx="323562" cy="320750"/>
-            </a:xfrm>
-            <a:custGeom>
-              <a:avLst/>
-              <a:gdLst/>
-              <a:ahLst/>
-              <a:cxnLst/>
-              <a:rect l="l" t="t" r="r" b="b"/>
-              <a:pathLst>
-                <a:path w="11162" h="11065" extrusionOk="0">
-                  <a:moveTo>
-                    <a:pt x="4307" y="1"/>
-                  </a:moveTo>
-                  <a:cubicBezTo>
-                    <a:pt x="3987" y="3556"/>
-                    <a:pt x="2405" y="6744"/>
-                    <a:pt x="0" y="9117"/>
-                  </a:cubicBezTo>
-                  <a:lnTo>
-                    <a:pt x="3356" y="10619"/>
-                  </a:lnTo>
-                  <a:cubicBezTo>
-                    <a:pt x="4027" y="10921"/>
-                    <a:pt x="4729" y="11064"/>
-                    <a:pt x="5420" y="11064"/>
-                  </a:cubicBezTo>
-                  <a:cubicBezTo>
-                    <a:pt x="7343" y="11064"/>
-                    <a:pt x="9179" y="9956"/>
-                    <a:pt x="10019" y="8087"/>
-                  </a:cubicBezTo>
-                  <a:cubicBezTo>
-                    <a:pt x="11162" y="5546"/>
-                    <a:pt x="10019" y="2566"/>
-                    <a:pt x="7487" y="1423"/>
-                  </a:cubicBezTo>
-                  <a:lnTo>
-                    <a:pt x="4307" y="1"/>
-                  </a:lnTo>
-                  <a:close/>
-                </a:path>
-              </a:pathLst>
-            </a:custGeom>
-            <a:solidFill>
-              <a:schemeClr val="lt2"/>
-            </a:solidFill>
-            <a:ln w="38100" cap="flat" cmpd="sng">
-              <a:solidFill>
-                <a:srgbClr val="000000"/>
-              </a:solidFill>
-              <a:prstDash val="solid"/>
-              <a:miter lim="7989"/>
-              <a:headEnd type="none" w="sm" len="sm"/>
-              <a:tailEnd type="none" w="sm" len="sm"/>
-            </a:ln>
-          </p:spPr>
-          <p:txBody>
-            <a:bodyPr spcFirstLastPara="1" wrap="square" lIns="91425" tIns="91425" rIns="91425" bIns="91425" anchor="ctr" anchorCtr="0">
-              <a:noAutofit/>
-            </a:bodyPr>
-            <a:lstStyle/>
-            <a:p>
-              <a:pPr marL="0" lvl="0" indent="0" algn="l" rtl="0">
-                <a:spcBef>
-                  <a:spcPts val="0"/>
-                </a:spcBef>
-                <a:spcAft>
-                  <a:spcPts val="0"/>
-                </a:spcAft>
-                <a:buNone/>
-              </a:pPr>
-              <a:endParaRPr dirty="0"/>
-            </a:p>
-          </p:txBody>
-        </p:sp>
-        <p:grpSp>
-          <p:nvGrpSpPr>
-            <p:cNvPr id="4905" name="Google Shape;4905;p108"/>
-            <p:cNvGrpSpPr/>
-            <p:nvPr/>
-          </p:nvGrpSpPr>
-          <p:grpSpPr>
-            <a:xfrm>
-              <a:off x="-1752744" y="2016220"/>
-              <a:ext cx="865698" cy="1111064"/>
-              <a:chOff x="1465000" y="899175"/>
-              <a:chExt cx="746613" cy="958227"/>
-            </a:xfrm>
-          </p:grpSpPr>
-          <p:sp>
-            <p:nvSpPr>
-              <p:cNvPr id="4906" name="Google Shape;4906;p108"/>
-              <p:cNvSpPr/>
-              <p:nvPr/>
-            </p:nvSpPr>
-            <p:spPr>
-              <a:xfrm rot="2547290">
-                <a:off x="1875788" y="1522865"/>
-                <a:ext cx="279046" cy="276621"/>
-              </a:xfrm>
-              <a:custGeom>
-                <a:avLst/>
-                <a:gdLst/>
-                <a:ahLst/>
-                <a:cxnLst/>
-                <a:rect l="l" t="t" r="r" b="b"/>
-                <a:pathLst>
-                  <a:path w="11162" h="11065" extrusionOk="0">
-                    <a:moveTo>
-                      <a:pt x="4307" y="1"/>
-                    </a:moveTo>
-                    <a:cubicBezTo>
-                      <a:pt x="3987" y="3556"/>
-                      <a:pt x="2405" y="6744"/>
-                      <a:pt x="0" y="9117"/>
-                    </a:cubicBezTo>
-                    <a:lnTo>
-                      <a:pt x="3356" y="10619"/>
-                    </a:lnTo>
-                    <a:cubicBezTo>
-                      <a:pt x="4027" y="10921"/>
-                      <a:pt x="4729" y="11064"/>
-                      <a:pt x="5420" y="11064"/>
-                    </a:cubicBezTo>
-                    <a:cubicBezTo>
-                      <a:pt x="7343" y="11064"/>
-                      <a:pt x="9179" y="9956"/>
-                      <a:pt x="10019" y="8087"/>
-                    </a:cubicBezTo>
-                    <a:cubicBezTo>
-                      <a:pt x="11162" y="5546"/>
-                      <a:pt x="10019" y="2566"/>
-                      <a:pt x="7487" y="1423"/>
-                    </a:cubicBezTo>
-                    <a:lnTo>
-                      <a:pt x="4307" y="1"/>
-                    </a:lnTo>
-                    <a:close/>
-                  </a:path>
-                </a:pathLst>
-              </a:custGeom>
-              <a:solidFill>
-                <a:schemeClr val="lt2"/>
-              </a:solidFill>
-              <a:ln w="38100" cap="flat" cmpd="sng">
-                <a:solidFill>
-                  <a:srgbClr val="000000"/>
-                </a:solidFill>
-                <a:prstDash val="solid"/>
-                <a:miter lim="7989"/>
-                <a:headEnd type="none" w="sm" len="sm"/>
-                <a:tailEnd type="none" w="sm" len="sm"/>
-              </a:ln>
-            </p:spPr>
-            <p:txBody>
-              <a:bodyPr spcFirstLastPara="1" wrap="square" lIns="91425" tIns="91425" rIns="91425" bIns="91425" anchor="ctr" anchorCtr="0">
-                <a:noAutofit/>
-              </a:bodyPr>
-              <a:lstStyle/>
-              <a:p>
-                <a:pPr marL="0" lvl="0" indent="0" algn="l" rtl="0">
-                  <a:spcBef>
-                    <a:spcPts val="0"/>
-                  </a:spcBef>
-                  <a:spcAft>
-                    <a:spcPts val="0"/>
-                  </a:spcAft>
-                  <a:buNone/>
-                </a:pPr>
-                <a:endParaRPr dirty="0"/>
-              </a:p>
-            </p:txBody>
-          </p:sp>
-          <p:sp>
-            <p:nvSpPr>
-              <p:cNvPr id="4907" name="Google Shape;4907;p108"/>
-              <p:cNvSpPr/>
-              <p:nvPr/>
-            </p:nvSpPr>
-            <p:spPr>
-              <a:xfrm>
-                <a:off x="1465000" y="899175"/>
-                <a:ext cx="735500" cy="735500"/>
-              </a:xfrm>
-              <a:custGeom>
-                <a:avLst/>
-                <a:gdLst/>
-                <a:ahLst/>
-                <a:cxnLst/>
-                <a:rect l="l" t="t" r="r" b="b"/>
-                <a:pathLst>
-                  <a:path w="29420" h="29420" extrusionOk="0">
-                    <a:moveTo>
-                      <a:pt x="14710" y="1"/>
-                    </a:moveTo>
-                    <a:cubicBezTo>
-                      <a:pt x="6585" y="1"/>
-                      <a:pt x="1" y="6584"/>
-                      <a:pt x="1" y="14710"/>
-                    </a:cubicBezTo>
-                    <a:cubicBezTo>
-                      <a:pt x="1" y="22836"/>
-                      <a:pt x="6585" y="29419"/>
-                      <a:pt x="14710" y="29419"/>
-                    </a:cubicBezTo>
-                    <a:cubicBezTo>
-                      <a:pt x="22836" y="29419"/>
-                      <a:pt x="29420" y="22836"/>
-                      <a:pt x="29420" y="14710"/>
-                    </a:cubicBezTo>
-                    <a:cubicBezTo>
-                      <a:pt x="29420" y="6584"/>
-                      <a:pt x="22836" y="1"/>
-                      <a:pt x="14710" y="1"/>
-                    </a:cubicBezTo>
-                    <a:close/>
-                  </a:path>
-                </a:pathLst>
-              </a:custGeom>
-              <a:solidFill>
-                <a:schemeClr val="lt2"/>
-              </a:solidFill>
-              <a:ln w="38100" cap="flat" cmpd="sng">
-                <a:solidFill>
-                  <a:srgbClr val="000000"/>
-                </a:solidFill>
-                <a:prstDash val="solid"/>
-                <a:miter lim="7989"/>
-                <a:headEnd type="none" w="sm" len="sm"/>
-                <a:tailEnd type="none" w="sm" len="sm"/>
-              </a:ln>
-            </p:spPr>
-            <p:txBody>
-              <a:bodyPr spcFirstLastPara="1" wrap="square" lIns="91425" tIns="91425" rIns="91425" bIns="91425" anchor="ctr" anchorCtr="0">
-                <a:noAutofit/>
-              </a:bodyPr>
-              <a:lstStyle/>
-              <a:p>
-                <a:pPr marL="0" lvl="0" indent="0" algn="l" rtl="0">
-                  <a:spcBef>
-                    <a:spcPts val="0"/>
-                  </a:spcBef>
-                  <a:spcAft>
-                    <a:spcPts val="0"/>
-                  </a:spcAft>
-                  <a:buNone/>
-                </a:pPr>
-                <a:endParaRPr dirty="0"/>
-              </a:p>
-            </p:txBody>
-          </p:sp>
-        </p:grpSp>
-        <p:sp>
-          <p:nvSpPr>
-            <p:cNvPr id="4908" name="Google Shape;4908;p108"/>
-            <p:cNvSpPr/>
-            <p:nvPr/>
-          </p:nvSpPr>
-          <p:spPr>
-            <a:xfrm>
-              <a:off x="-1638203" y="2140550"/>
-              <a:ext cx="480002" cy="449647"/>
-            </a:xfrm>
-            <a:custGeom>
-              <a:avLst/>
-              <a:gdLst/>
-              <a:ahLst/>
-              <a:cxnLst/>
-              <a:rect l="l" t="t" r="r" b="b"/>
-              <a:pathLst>
-                <a:path w="19640" h="18398" extrusionOk="0">
-                  <a:moveTo>
-                    <a:pt x="9820" y="0"/>
-                  </a:moveTo>
-                  <a:cubicBezTo>
-                    <a:pt x="8929" y="0"/>
-                    <a:pt x="8038" y="276"/>
-                    <a:pt x="7279" y="827"/>
-                  </a:cubicBezTo>
-                  <a:lnTo>
-                    <a:pt x="2149" y="4551"/>
-                  </a:lnTo>
-                  <a:cubicBezTo>
-                    <a:pt x="631" y="5653"/>
-                    <a:pt x="0" y="7603"/>
-                    <a:pt x="575" y="9384"/>
-                  </a:cubicBezTo>
-                  <a:lnTo>
-                    <a:pt x="2541" y="15409"/>
-                  </a:lnTo>
-                  <a:cubicBezTo>
-                    <a:pt x="3116" y="17191"/>
-                    <a:pt x="4778" y="18397"/>
-                    <a:pt x="6648" y="18397"/>
-                  </a:cubicBezTo>
-                  <a:lnTo>
-                    <a:pt x="12992" y="18397"/>
-                  </a:lnTo>
-                  <a:cubicBezTo>
-                    <a:pt x="14861" y="18397"/>
-                    <a:pt x="16523" y="17199"/>
-                    <a:pt x="17098" y="15409"/>
-                  </a:cubicBezTo>
-                  <a:lnTo>
-                    <a:pt x="19056" y="9384"/>
-                  </a:lnTo>
-                  <a:cubicBezTo>
-                    <a:pt x="19639" y="7603"/>
-                    <a:pt x="19008" y="5653"/>
-                    <a:pt x="17490" y="4551"/>
-                  </a:cubicBezTo>
-                  <a:lnTo>
-                    <a:pt x="12360" y="827"/>
-                  </a:lnTo>
-                  <a:cubicBezTo>
-                    <a:pt x="11601" y="276"/>
-                    <a:pt x="10711" y="0"/>
-                    <a:pt x="9820" y="0"/>
-                  </a:cubicBezTo>
-                  <a:close/>
-                </a:path>
-              </a:pathLst>
-            </a:custGeom>
-            <a:solidFill>
-              <a:schemeClr val="dk2"/>
-            </a:solidFill>
-            <a:ln w="38100" cap="flat" cmpd="sng">
-              <a:solidFill>
-                <a:srgbClr val="000000"/>
-              </a:solidFill>
-              <a:prstDash val="solid"/>
-              <a:round/>
-              <a:headEnd type="none" w="sm" len="sm"/>
-              <a:tailEnd type="none" w="sm" len="sm"/>
-            </a:ln>
-          </p:spPr>
-          <p:txBody>
-            <a:bodyPr spcFirstLastPara="1" wrap="square" lIns="91425" tIns="91425" rIns="91425" bIns="91425" anchor="ctr" anchorCtr="0">
-              <a:noAutofit/>
-            </a:bodyPr>
-            <a:lstStyle/>
-            <a:p>
-              <a:pPr marL="0" lvl="0" indent="0" algn="l" rtl="0">
-                <a:spcBef>
-                  <a:spcPts val="0"/>
-                </a:spcBef>
-                <a:spcAft>
-                  <a:spcPts val="0"/>
-                </a:spcAft>
-                <a:buNone/>
-              </a:pPr>
-              <a:endParaRPr dirty="0"/>
-            </a:p>
-          </p:txBody>
-        </p:sp>
-      </p:grpSp>
-      <p:grpSp>
-        <p:nvGrpSpPr>
-          <p:cNvPr id="4909" name="Google Shape;4909;p108"/>
-          <p:cNvGrpSpPr/>
-          <p:nvPr/>
-        </p:nvGrpSpPr>
-        <p:grpSpPr>
-          <a:xfrm rot="976164">
-            <a:off x="722998" y="407272"/>
-            <a:ext cx="756060" cy="941903"/>
-            <a:chOff x="-1778892" y="2016220"/>
-            <a:chExt cx="891846" cy="1111064"/>
-          </a:xfrm>
-        </p:grpSpPr>
-        <p:sp>
-          <p:nvSpPr>
-            <p:cNvPr id="4910" name="Google Shape;4910;p108"/>
-            <p:cNvSpPr/>
-            <p:nvPr/>
-          </p:nvSpPr>
-          <p:spPr>
-            <a:xfrm rot="-2403405" flipH="1">
-              <a:off x="-1713636" y="2739091"/>
-              <a:ext cx="323562" cy="320750"/>
-            </a:xfrm>
-            <a:custGeom>
-              <a:avLst/>
-              <a:gdLst/>
-              <a:ahLst/>
-              <a:cxnLst/>
-              <a:rect l="l" t="t" r="r" b="b"/>
-              <a:pathLst>
-                <a:path w="11162" h="11065" extrusionOk="0">
-                  <a:moveTo>
-                    <a:pt x="4307" y="1"/>
-                  </a:moveTo>
-                  <a:cubicBezTo>
-                    <a:pt x="3987" y="3556"/>
-                    <a:pt x="2405" y="6744"/>
-                    <a:pt x="0" y="9117"/>
-                  </a:cubicBezTo>
-                  <a:lnTo>
-                    <a:pt x="3356" y="10619"/>
-                  </a:lnTo>
-                  <a:cubicBezTo>
-                    <a:pt x="4027" y="10921"/>
-                    <a:pt x="4729" y="11064"/>
-                    <a:pt x="5420" y="11064"/>
-                  </a:cubicBezTo>
-                  <a:cubicBezTo>
-                    <a:pt x="7343" y="11064"/>
-                    <a:pt x="9179" y="9956"/>
-                    <a:pt x="10019" y="8087"/>
-                  </a:cubicBezTo>
-                  <a:cubicBezTo>
-                    <a:pt x="11162" y="5546"/>
-                    <a:pt x="10019" y="2566"/>
-                    <a:pt x="7487" y="1423"/>
-                  </a:cubicBezTo>
-                  <a:lnTo>
-                    <a:pt x="4307" y="1"/>
-                  </a:lnTo>
-                  <a:close/>
-                </a:path>
-              </a:pathLst>
-            </a:custGeom>
-            <a:solidFill>
-              <a:schemeClr val="accent5"/>
-            </a:solidFill>
-            <a:ln w="38100" cap="flat" cmpd="sng">
-              <a:solidFill>
-                <a:srgbClr val="000000"/>
-              </a:solidFill>
-              <a:prstDash val="solid"/>
-              <a:miter lim="7989"/>
-              <a:headEnd type="none" w="sm" len="sm"/>
-              <a:tailEnd type="none" w="sm" len="sm"/>
-            </a:ln>
-          </p:spPr>
-          <p:txBody>
-            <a:bodyPr spcFirstLastPara="1" wrap="square" lIns="91425" tIns="91425" rIns="91425" bIns="91425" anchor="ctr" anchorCtr="0">
-              <a:noAutofit/>
-            </a:bodyPr>
-            <a:lstStyle/>
-            <a:p>
-              <a:pPr marL="0" lvl="0" indent="0" algn="l" rtl="0">
-                <a:spcBef>
-                  <a:spcPts val="0"/>
-                </a:spcBef>
-                <a:spcAft>
-                  <a:spcPts val="0"/>
-                </a:spcAft>
-                <a:buNone/>
-              </a:pPr>
-              <a:endParaRPr dirty="0"/>
-            </a:p>
-          </p:txBody>
-        </p:sp>
-        <p:grpSp>
-          <p:nvGrpSpPr>
-            <p:cNvPr id="4911" name="Google Shape;4911;p108"/>
-            <p:cNvGrpSpPr/>
-            <p:nvPr/>
-          </p:nvGrpSpPr>
-          <p:grpSpPr>
-            <a:xfrm>
-              <a:off x="-1752744" y="2016220"/>
-              <a:ext cx="865698" cy="1111064"/>
-              <a:chOff x="1465000" y="899175"/>
-              <a:chExt cx="746613" cy="958227"/>
-            </a:xfrm>
-          </p:grpSpPr>
-          <p:sp>
-            <p:nvSpPr>
-              <p:cNvPr id="4912" name="Google Shape;4912;p108"/>
-              <p:cNvSpPr/>
-              <p:nvPr/>
-            </p:nvSpPr>
-            <p:spPr>
-              <a:xfrm rot="2547290">
-                <a:off x="1875788" y="1522865"/>
-                <a:ext cx="279046" cy="276621"/>
-              </a:xfrm>
-              <a:custGeom>
-                <a:avLst/>
-                <a:gdLst/>
-                <a:ahLst/>
-                <a:cxnLst/>
-                <a:rect l="l" t="t" r="r" b="b"/>
-                <a:pathLst>
-                  <a:path w="11162" h="11065" extrusionOk="0">
-                    <a:moveTo>
-                      <a:pt x="4307" y="1"/>
-                    </a:moveTo>
-                    <a:cubicBezTo>
-                      <a:pt x="3987" y="3556"/>
-                      <a:pt x="2405" y="6744"/>
-                      <a:pt x="0" y="9117"/>
-                    </a:cubicBezTo>
-                    <a:lnTo>
-                      <a:pt x="3356" y="10619"/>
-                    </a:lnTo>
-                    <a:cubicBezTo>
-                      <a:pt x="4027" y="10921"/>
-                      <a:pt x="4729" y="11064"/>
-                      <a:pt x="5420" y="11064"/>
-                    </a:cubicBezTo>
-                    <a:cubicBezTo>
-                      <a:pt x="7343" y="11064"/>
-                      <a:pt x="9179" y="9956"/>
-                      <a:pt x="10019" y="8087"/>
-                    </a:cubicBezTo>
-                    <a:cubicBezTo>
-                      <a:pt x="11162" y="5546"/>
-                      <a:pt x="10019" y="2566"/>
-                      <a:pt x="7487" y="1423"/>
-                    </a:cubicBezTo>
-                    <a:lnTo>
-                      <a:pt x="4307" y="1"/>
-                    </a:lnTo>
-                    <a:close/>
-                  </a:path>
-                </a:pathLst>
-              </a:custGeom>
-              <a:solidFill>
-                <a:schemeClr val="accent5"/>
-              </a:solidFill>
-              <a:ln w="38100" cap="flat" cmpd="sng">
-                <a:solidFill>
-                  <a:srgbClr val="000000"/>
-                </a:solidFill>
-                <a:prstDash val="solid"/>
-                <a:miter lim="7989"/>
-                <a:headEnd type="none" w="sm" len="sm"/>
-                <a:tailEnd type="none" w="sm" len="sm"/>
-              </a:ln>
-            </p:spPr>
-            <p:txBody>
-              <a:bodyPr spcFirstLastPara="1" wrap="square" lIns="91425" tIns="91425" rIns="91425" bIns="91425" anchor="ctr" anchorCtr="0">
-                <a:noAutofit/>
-              </a:bodyPr>
-              <a:lstStyle/>
-              <a:p>
-                <a:pPr marL="0" lvl="0" indent="0" algn="l" rtl="0">
-                  <a:spcBef>
-                    <a:spcPts val="0"/>
-                  </a:spcBef>
-                  <a:spcAft>
-                    <a:spcPts val="0"/>
-                  </a:spcAft>
-                  <a:buNone/>
-                </a:pPr>
-                <a:endParaRPr dirty="0"/>
-              </a:p>
-            </p:txBody>
-          </p:sp>
-          <p:sp>
-            <p:nvSpPr>
-              <p:cNvPr id="4913" name="Google Shape;4913;p108"/>
-              <p:cNvSpPr/>
-              <p:nvPr/>
-            </p:nvSpPr>
-            <p:spPr>
-              <a:xfrm>
-                <a:off x="1465000" y="899175"/>
-                <a:ext cx="735500" cy="735500"/>
-              </a:xfrm>
-              <a:custGeom>
-                <a:avLst/>
-                <a:gdLst/>
-                <a:ahLst/>
-                <a:cxnLst/>
-                <a:rect l="l" t="t" r="r" b="b"/>
-                <a:pathLst>
-                  <a:path w="29420" h="29420" extrusionOk="0">
-                    <a:moveTo>
-                      <a:pt x="14710" y="1"/>
-                    </a:moveTo>
-                    <a:cubicBezTo>
-                      <a:pt x="6585" y="1"/>
-                      <a:pt x="1" y="6584"/>
-                      <a:pt x="1" y="14710"/>
-                    </a:cubicBezTo>
-                    <a:cubicBezTo>
-                      <a:pt x="1" y="22836"/>
-                      <a:pt x="6585" y="29419"/>
-                      <a:pt x="14710" y="29419"/>
-                    </a:cubicBezTo>
-                    <a:cubicBezTo>
-                      <a:pt x="22836" y="29419"/>
-                      <a:pt x="29420" y="22836"/>
-                      <a:pt x="29420" y="14710"/>
-                    </a:cubicBezTo>
-                    <a:cubicBezTo>
-                      <a:pt x="29420" y="6584"/>
-                      <a:pt x="22836" y="1"/>
-                      <a:pt x="14710" y="1"/>
-                    </a:cubicBezTo>
-                    <a:close/>
-                  </a:path>
-                </a:pathLst>
-              </a:custGeom>
-              <a:solidFill>
-                <a:schemeClr val="accent5"/>
-              </a:solidFill>
-              <a:ln w="38100" cap="flat" cmpd="sng">
-                <a:solidFill>
-                  <a:srgbClr val="000000"/>
-                </a:solidFill>
-                <a:prstDash val="solid"/>
-                <a:miter lim="7989"/>
-                <a:headEnd type="none" w="sm" len="sm"/>
-                <a:tailEnd type="none" w="sm" len="sm"/>
-              </a:ln>
-            </p:spPr>
-            <p:txBody>
-              <a:bodyPr spcFirstLastPara="1" wrap="square" lIns="91425" tIns="91425" rIns="91425" bIns="91425" anchor="ctr" anchorCtr="0">
-                <a:noAutofit/>
-              </a:bodyPr>
-              <a:lstStyle/>
-              <a:p>
-                <a:pPr marL="0" lvl="0" indent="0" algn="l" rtl="0">
-                  <a:spcBef>
-                    <a:spcPts val="0"/>
-                  </a:spcBef>
-                  <a:spcAft>
-                    <a:spcPts val="0"/>
-                  </a:spcAft>
-                  <a:buNone/>
-                </a:pPr>
-                <a:endParaRPr dirty="0"/>
-              </a:p>
-            </p:txBody>
-          </p:sp>
-        </p:grpSp>
-        <p:sp>
-          <p:nvSpPr>
-            <p:cNvPr id="4914" name="Google Shape;4914;p108"/>
-            <p:cNvSpPr/>
-            <p:nvPr/>
-          </p:nvSpPr>
-          <p:spPr>
-            <a:xfrm>
-              <a:off x="-1638203" y="2140550"/>
-              <a:ext cx="480002" cy="449647"/>
-            </a:xfrm>
-            <a:custGeom>
-              <a:avLst/>
-              <a:gdLst/>
-              <a:ahLst/>
-              <a:cxnLst/>
-              <a:rect l="l" t="t" r="r" b="b"/>
-              <a:pathLst>
-                <a:path w="19640" h="18398" extrusionOk="0">
-                  <a:moveTo>
-                    <a:pt x="9820" y="0"/>
-                  </a:moveTo>
-                  <a:cubicBezTo>
-                    <a:pt x="8929" y="0"/>
-                    <a:pt x="8038" y="276"/>
-                    <a:pt x="7279" y="827"/>
-                  </a:cubicBezTo>
-                  <a:lnTo>
-                    <a:pt x="2149" y="4551"/>
-                  </a:lnTo>
-                  <a:cubicBezTo>
-                    <a:pt x="631" y="5653"/>
-                    <a:pt x="0" y="7603"/>
-                    <a:pt x="575" y="9384"/>
-                  </a:cubicBezTo>
-                  <a:lnTo>
-                    <a:pt x="2541" y="15409"/>
-                  </a:lnTo>
-                  <a:cubicBezTo>
-                    <a:pt x="3116" y="17191"/>
-                    <a:pt x="4778" y="18397"/>
-                    <a:pt x="6648" y="18397"/>
-                  </a:cubicBezTo>
-                  <a:lnTo>
-                    <a:pt x="12992" y="18397"/>
-                  </a:lnTo>
-                  <a:cubicBezTo>
-                    <a:pt x="14861" y="18397"/>
-                    <a:pt x="16523" y="17199"/>
-                    <a:pt x="17098" y="15409"/>
-                  </a:cubicBezTo>
-                  <a:lnTo>
-                    <a:pt x="19056" y="9384"/>
-                  </a:lnTo>
-                  <a:cubicBezTo>
-                    <a:pt x="19639" y="7603"/>
-                    <a:pt x="19008" y="5653"/>
-                    <a:pt x="17490" y="4551"/>
-                  </a:cubicBezTo>
-                  <a:lnTo>
-                    <a:pt x="12360" y="827"/>
-                  </a:lnTo>
-                  <a:cubicBezTo>
-                    <a:pt x="11601" y="276"/>
-                    <a:pt x="10711" y="0"/>
-                    <a:pt x="9820" y="0"/>
-                  </a:cubicBezTo>
-                  <a:close/>
-                </a:path>
-              </a:pathLst>
-            </a:custGeom>
-            <a:solidFill>
-              <a:schemeClr val="dk2"/>
-            </a:solidFill>
-            <a:ln w="38100" cap="flat" cmpd="sng">
-              <a:solidFill>
-                <a:srgbClr val="000000"/>
-              </a:solidFill>
-              <a:prstDash val="solid"/>
-              <a:round/>
-              <a:headEnd type="none" w="sm" len="sm"/>
-              <a:tailEnd type="none" w="sm" len="sm"/>
-            </a:ln>
-          </p:spPr>
-          <p:txBody>
-            <a:bodyPr spcFirstLastPara="1" wrap="square" lIns="91425" tIns="91425" rIns="91425" bIns="91425" anchor="ctr" anchorCtr="0">
-              <a:noAutofit/>
-            </a:bodyPr>
-            <a:lstStyle/>
-            <a:p>
-              <a:pPr marL="0" lvl="0" indent="0" algn="l" rtl="0">
-                <a:spcBef>
-                  <a:spcPts val="0"/>
-                </a:spcBef>
-                <a:spcAft>
-                  <a:spcPts val="0"/>
-                </a:spcAft>
-                <a:buNone/>
-              </a:pPr>
-              <a:endParaRPr dirty="0"/>
-            </a:p>
-          </p:txBody>
-        </p:sp>
-      </p:grpSp>
-      <p:grpSp>
-        <p:nvGrpSpPr>
-          <p:cNvPr id="4915" name="Google Shape;4915;p108"/>
-          <p:cNvGrpSpPr/>
-          <p:nvPr/>
-        </p:nvGrpSpPr>
-        <p:grpSpPr>
-          <a:xfrm rot="-900287" flipH="1">
-            <a:off x="7780125" y="391994"/>
-            <a:ext cx="780581" cy="972450"/>
-            <a:chOff x="-1778892" y="2016220"/>
-            <a:chExt cx="891846" cy="1111064"/>
-          </a:xfrm>
-        </p:grpSpPr>
-        <p:sp>
-          <p:nvSpPr>
-            <p:cNvPr id="4916" name="Google Shape;4916;p108"/>
-            <p:cNvSpPr/>
-            <p:nvPr/>
-          </p:nvSpPr>
-          <p:spPr>
-            <a:xfrm rot="-2403405" flipH="1">
-              <a:off x="-1713636" y="2739091"/>
-              <a:ext cx="323562" cy="320750"/>
-            </a:xfrm>
-            <a:custGeom>
-              <a:avLst/>
-              <a:gdLst/>
-              <a:ahLst/>
-              <a:cxnLst/>
-              <a:rect l="l" t="t" r="r" b="b"/>
-              <a:pathLst>
-                <a:path w="11162" h="11065" extrusionOk="0">
-                  <a:moveTo>
-                    <a:pt x="4307" y="1"/>
-                  </a:moveTo>
-                  <a:cubicBezTo>
-                    <a:pt x="3987" y="3556"/>
-                    <a:pt x="2405" y="6744"/>
-                    <a:pt x="0" y="9117"/>
-                  </a:cubicBezTo>
-                  <a:lnTo>
-                    <a:pt x="3356" y="10619"/>
-                  </a:lnTo>
-                  <a:cubicBezTo>
-                    <a:pt x="4027" y="10921"/>
-                    <a:pt x="4729" y="11064"/>
-                    <a:pt x="5420" y="11064"/>
-                  </a:cubicBezTo>
-                  <a:cubicBezTo>
-                    <a:pt x="7343" y="11064"/>
-                    <a:pt x="9179" y="9956"/>
-                    <a:pt x="10019" y="8087"/>
-                  </a:cubicBezTo>
-                  <a:cubicBezTo>
-                    <a:pt x="11162" y="5546"/>
-                    <a:pt x="10019" y="2566"/>
-                    <a:pt x="7487" y="1423"/>
-                  </a:cubicBezTo>
-                  <a:lnTo>
-                    <a:pt x="4307" y="1"/>
-                  </a:lnTo>
-                  <a:close/>
-                </a:path>
-              </a:pathLst>
-            </a:custGeom>
-            <a:solidFill>
-              <a:schemeClr val="accent6"/>
-            </a:solidFill>
-            <a:ln w="38100" cap="flat" cmpd="sng">
-              <a:solidFill>
-                <a:srgbClr val="000000"/>
-              </a:solidFill>
-              <a:prstDash val="solid"/>
-              <a:miter lim="7989"/>
-              <a:headEnd type="none" w="sm" len="sm"/>
-              <a:tailEnd type="none" w="sm" len="sm"/>
-            </a:ln>
-          </p:spPr>
-          <p:txBody>
-            <a:bodyPr spcFirstLastPara="1" wrap="square" lIns="91425" tIns="91425" rIns="91425" bIns="91425" anchor="ctr" anchorCtr="0">
-              <a:noAutofit/>
-            </a:bodyPr>
-            <a:lstStyle/>
-            <a:p>
-              <a:pPr marL="0" lvl="0" indent="0" algn="l" rtl="0">
-                <a:spcBef>
-                  <a:spcPts val="0"/>
-                </a:spcBef>
-                <a:spcAft>
-                  <a:spcPts val="0"/>
-                </a:spcAft>
-                <a:buNone/>
-              </a:pPr>
-              <a:endParaRPr dirty="0"/>
-            </a:p>
-          </p:txBody>
-        </p:sp>
-        <p:grpSp>
-          <p:nvGrpSpPr>
-            <p:cNvPr id="4917" name="Google Shape;4917;p108"/>
-            <p:cNvGrpSpPr/>
-            <p:nvPr/>
-          </p:nvGrpSpPr>
-          <p:grpSpPr>
-            <a:xfrm>
-              <a:off x="-1752744" y="2016220"/>
-              <a:ext cx="865698" cy="1111064"/>
-              <a:chOff x="1465000" y="899175"/>
-              <a:chExt cx="746613" cy="958227"/>
-            </a:xfrm>
-          </p:grpSpPr>
-          <p:sp>
-            <p:nvSpPr>
-              <p:cNvPr id="4918" name="Google Shape;4918;p108"/>
-              <p:cNvSpPr/>
-              <p:nvPr/>
-            </p:nvSpPr>
-            <p:spPr>
-              <a:xfrm rot="2547290">
-                <a:off x="1875788" y="1522865"/>
-                <a:ext cx="279046" cy="276621"/>
-              </a:xfrm>
-              <a:custGeom>
-                <a:avLst/>
-                <a:gdLst/>
-                <a:ahLst/>
-                <a:cxnLst/>
-                <a:rect l="l" t="t" r="r" b="b"/>
-                <a:pathLst>
-                  <a:path w="11162" h="11065" extrusionOk="0">
-                    <a:moveTo>
-                      <a:pt x="4307" y="1"/>
-                    </a:moveTo>
-                    <a:cubicBezTo>
-                      <a:pt x="3987" y="3556"/>
-                      <a:pt x="2405" y="6744"/>
-                      <a:pt x="0" y="9117"/>
-                    </a:cubicBezTo>
-                    <a:lnTo>
-                      <a:pt x="3356" y="10619"/>
-                    </a:lnTo>
-                    <a:cubicBezTo>
-                      <a:pt x="4027" y="10921"/>
-                      <a:pt x="4729" y="11064"/>
-                      <a:pt x="5420" y="11064"/>
-                    </a:cubicBezTo>
-                    <a:cubicBezTo>
-                      <a:pt x="7343" y="11064"/>
-                      <a:pt x="9179" y="9956"/>
-                      <a:pt x="10019" y="8087"/>
-                    </a:cubicBezTo>
-                    <a:cubicBezTo>
-                      <a:pt x="11162" y="5546"/>
-                      <a:pt x="10019" y="2566"/>
-                      <a:pt x="7487" y="1423"/>
-                    </a:cubicBezTo>
-                    <a:lnTo>
-                      <a:pt x="4307" y="1"/>
-                    </a:lnTo>
-                    <a:close/>
-                  </a:path>
-                </a:pathLst>
-              </a:custGeom>
-              <a:solidFill>
-                <a:schemeClr val="accent6"/>
-              </a:solidFill>
-              <a:ln w="38100" cap="flat" cmpd="sng">
-                <a:solidFill>
-                  <a:srgbClr val="000000"/>
-                </a:solidFill>
-                <a:prstDash val="solid"/>
-                <a:miter lim="7989"/>
-                <a:headEnd type="none" w="sm" len="sm"/>
-                <a:tailEnd type="none" w="sm" len="sm"/>
-              </a:ln>
-            </p:spPr>
-            <p:txBody>
-              <a:bodyPr spcFirstLastPara="1" wrap="square" lIns="91425" tIns="91425" rIns="91425" bIns="91425" anchor="ctr" anchorCtr="0">
-                <a:noAutofit/>
-              </a:bodyPr>
-              <a:lstStyle/>
-              <a:p>
-                <a:pPr marL="0" lvl="0" indent="0" algn="l" rtl="0">
-                  <a:spcBef>
-                    <a:spcPts val="0"/>
-                  </a:spcBef>
-                  <a:spcAft>
-                    <a:spcPts val="0"/>
-                  </a:spcAft>
-                  <a:buNone/>
-                </a:pPr>
-                <a:endParaRPr dirty="0"/>
-              </a:p>
-            </p:txBody>
-          </p:sp>
-          <p:sp>
-            <p:nvSpPr>
-              <p:cNvPr id="4919" name="Google Shape;4919;p108"/>
-              <p:cNvSpPr/>
-              <p:nvPr/>
-            </p:nvSpPr>
-            <p:spPr>
-              <a:xfrm>
-                <a:off x="1465000" y="899175"/>
-                <a:ext cx="735500" cy="735500"/>
-              </a:xfrm>
-              <a:custGeom>
-                <a:avLst/>
-                <a:gdLst/>
-                <a:ahLst/>
-                <a:cxnLst/>
-                <a:rect l="l" t="t" r="r" b="b"/>
-                <a:pathLst>
-                  <a:path w="29420" h="29420" extrusionOk="0">
-                    <a:moveTo>
-                      <a:pt x="14710" y="1"/>
-                    </a:moveTo>
-                    <a:cubicBezTo>
-                      <a:pt x="6585" y="1"/>
-                      <a:pt x="1" y="6584"/>
-                      <a:pt x="1" y="14710"/>
-                    </a:cubicBezTo>
-                    <a:cubicBezTo>
-                      <a:pt x="1" y="22836"/>
-                      <a:pt x="6585" y="29419"/>
-                      <a:pt x="14710" y="29419"/>
-                    </a:cubicBezTo>
-                    <a:cubicBezTo>
-                      <a:pt x="22836" y="29419"/>
-                      <a:pt x="29420" y="22836"/>
-                      <a:pt x="29420" y="14710"/>
-                    </a:cubicBezTo>
-                    <a:cubicBezTo>
-                      <a:pt x="29420" y="6584"/>
-                      <a:pt x="22836" y="1"/>
-                      <a:pt x="14710" y="1"/>
-                    </a:cubicBezTo>
-                    <a:close/>
-                  </a:path>
-                </a:pathLst>
-              </a:custGeom>
-              <a:solidFill>
-                <a:schemeClr val="accent6"/>
-              </a:solidFill>
-              <a:ln w="38100" cap="flat" cmpd="sng">
-                <a:solidFill>
-                  <a:srgbClr val="000000"/>
-                </a:solidFill>
-                <a:prstDash val="solid"/>
-                <a:miter lim="7989"/>
-                <a:headEnd type="none" w="sm" len="sm"/>
-                <a:tailEnd type="none" w="sm" len="sm"/>
-              </a:ln>
-            </p:spPr>
-            <p:txBody>
-              <a:bodyPr spcFirstLastPara="1" wrap="square" lIns="91425" tIns="91425" rIns="91425" bIns="91425" anchor="ctr" anchorCtr="0">
-                <a:noAutofit/>
-              </a:bodyPr>
-              <a:lstStyle/>
-              <a:p>
-                <a:pPr marL="0" lvl="0" indent="0" algn="l" rtl="0">
-                  <a:spcBef>
-                    <a:spcPts val="0"/>
-                  </a:spcBef>
-                  <a:spcAft>
-                    <a:spcPts val="0"/>
-                  </a:spcAft>
-                  <a:buNone/>
-                </a:pPr>
-                <a:endParaRPr dirty="0"/>
-              </a:p>
-            </p:txBody>
-          </p:sp>
-        </p:grpSp>
-        <p:sp>
-          <p:nvSpPr>
-            <p:cNvPr id="4920" name="Google Shape;4920;p108"/>
-            <p:cNvSpPr/>
-            <p:nvPr/>
-          </p:nvSpPr>
-          <p:spPr>
-            <a:xfrm>
-              <a:off x="-1638203" y="2140550"/>
-              <a:ext cx="480002" cy="449647"/>
-            </a:xfrm>
-            <a:custGeom>
-              <a:avLst/>
-              <a:gdLst/>
-              <a:ahLst/>
-              <a:cxnLst/>
-              <a:rect l="l" t="t" r="r" b="b"/>
-              <a:pathLst>
-                <a:path w="19640" h="18398" extrusionOk="0">
-                  <a:moveTo>
-                    <a:pt x="9820" y="0"/>
-                  </a:moveTo>
-                  <a:cubicBezTo>
-                    <a:pt x="8929" y="0"/>
-                    <a:pt x="8038" y="276"/>
-                    <a:pt x="7279" y="827"/>
-                  </a:cubicBezTo>
-                  <a:lnTo>
-                    <a:pt x="2149" y="4551"/>
-                  </a:lnTo>
-                  <a:cubicBezTo>
-                    <a:pt x="631" y="5653"/>
-                    <a:pt x="0" y="7603"/>
-                    <a:pt x="575" y="9384"/>
-                  </a:cubicBezTo>
-                  <a:lnTo>
-                    <a:pt x="2541" y="15409"/>
-                  </a:lnTo>
-                  <a:cubicBezTo>
-                    <a:pt x="3116" y="17191"/>
-                    <a:pt x="4778" y="18397"/>
-                    <a:pt x="6648" y="18397"/>
-                  </a:cubicBezTo>
-                  <a:lnTo>
-                    <a:pt x="12992" y="18397"/>
-                  </a:lnTo>
-                  <a:cubicBezTo>
-                    <a:pt x="14861" y="18397"/>
-                    <a:pt x="16523" y="17199"/>
-                    <a:pt x="17098" y="15409"/>
-                  </a:cubicBezTo>
-                  <a:lnTo>
-                    <a:pt x="19056" y="9384"/>
-                  </a:lnTo>
-                  <a:cubicBezTo>
-                    <a:pt x="19639" y="7603"/>
-                    <a:pt x="19008" y="5653"/>
-                    <a:pt x="17490" y="4551"/>
-                  </a:cubicBezTo>
-                  <a:lnTo>
-                    <a:pt x="12360" y="827"/>
-                  </a:lnTo>
-                  <a:cubicBezTo>
-                    <a:pt x="11601" y="276"/>
-                    <a:pt x="10711" y="0"/>
-                    <a:pt x="9820" y="0"/>
-                  </a:cubicBezTo>
-                  <a:close/>
-                </a:path>
-              </a:pathLst>
-            </a:custGeom>
-            <a:solidFill>
-              <a:schemeClr val="dk2"/>
-            </a:solidFill>
-            <a:ln w="38100" cap="flat" cmpd="sng">
-              <a:solidFill>
-                <a:srgbClr val="000000"/>
-              </a:solidFill>
-              <a:prstDash val="solid"/>
-              <a:round/>
-              <a:headEnd type="none" w="sm" len="sm"/>
-              <a:tailEnd type="none" w="sm" len="sm"/>
-            </a:ln>
-          </p:spPr>
-          <p:txBody>
-            <a:bodyPr spcFirstLastPara="1" wrap="square" lIns="91425" tIns="91425" rIns="91425" bIns="91425" anchor="ctr" anchorCtr="0">
-              <a:noAutofit/>
-            </a:bodyPr>
-            <a:lstStyle/>
-            <a:p>
-              <a:pPr marL="0" lvl="0" indent="0" algn="l" rtl="0">
-                <a:spcBef>
-                  <a:spcPts val="0"/>
-                </a:spcBef>
-                <a:spcAft>
-                  <a:spcPts val="0"/>
-                </a:spcAft>
-                <a:buNone/>
-              </a:pPr>
-              <a:endParaRPr dirty="0"/>
-            </a:p>
-          </p:txBody>
-        </p:sp>
-      </p:grpSp>
-      <p:grpSp>
-        <p:nvGrpSpPr>
-          <p:cNvPr id="4921" name="Google Shape;4921;p108"/>
-          <p:cNvGrpSpPr/>
-          <p:nvPr/>
-        </p:nvGrpSpPr>
-        <p:grpSpPr>
-          <a:xfrm rot="899398" flipH="1">
-            <a:off x="7177229" y="2143643"/>
-            <a:ext cx="758922" cy="945468"/>
-            <a:chOff x="-1778892" y="2016220"/>
-            <a:chExt cx="891846" cy="1111064"/>
-          </a:xfrm>
-        </p:grpSpPr>
-        <p:sp>
-          <p:nvSpPr>
-            <p:cNvPr id="4922" name="Google Shape;4922;p108"/>
-            <p:cNvSpPr/>
-            <p:nvPr/>
-          </p:nvSpPr>
-          <p:spPr>
-            <a:xfrm rot="-2403405" flipH="1">
-              <a:off x="-1713636" y="2739091"/>
-              <a:ext cx="323562" cy="320750"/>
-            </a:xfrm>
-            <a:custGeom>
-              <a:avLst/>
-              <a:gdLst/>
-              <a:ahLst/>
-              <a:cxnLst/>
-              <a:rect l="l" t="t" r="r" b="b"/>
-              <a:pathLst>
-                <a:path w="11162" h="11065" extrusionOk="0">
-                  <a:moveTo>
-                    <a:pt x="4307" y="1"/>
-                  </a:moveTo>
-                  <a:cubicBezTo>
-                    <a:pt x="3987" y="3556"/>
-                    <a:pt x="2405" y="6744"/>
-                    <a:pt x="0" y="9117"/>
-                  </a:cubicBezTo>
-                  <a:lnTo>
-                    <a:pt x="3356" y="10619"/>
-                  </a:lnTo>
-                  <a:cubicBezTo>
-                    <a:pt x="4027" y="10921"/>
-                    <a:pt x="4729" y="11064"/>
-                    <a:pt x="5420" y="11064"/>
-                  </a:cubicBezTo>
-                  <a:cubicBezTo>
-                    <a:pt x="7343" y="11064"/>
-                    <a:pt x="9179" y="9956"/>
-                    <a:pt x="10019" y="8087"/>
-                  </a:cubicBezTo>
-                  <a:cubicBezTo>
-                    <a:pt x="11162" y="5546"/>
-                    <a:pt x="10019" y="2566"/>
-                    <a:pt x="7487" y="1423"/>
-                  </a:cubicBezTo>
-                  <a:lnTo>
-                    <a:pt x="4307" y="1"/>
-                  </a:lnTo>
-                  <a:close/>
-                </a:path>
-              </a:pathLst>
-            </a:custGeom>
-            <a:solidFill>
-              <a:schemeClr val="accent4"/>
-            </a:solidFill>
-            <a:ln w="38100" cap="flat" cmpd="sng">
-              <a:solidFill>
-                <a:srgbClr val="000000"/>
-              </a:solidFill>
-              <a:prstDash val="solid"/>
-              <a:miter lim="7989"/>
-              <a:headEnd type="none" w="sm" len="sm"/>
-              <a:tailEnd type="none" w="sm" len="sm"/>
-            </a:ln>
-          </p:spPr>
-          <p:txBody>
-            <a:bodyPr spcFirstLastPara="1" wrap="square" lIns="91425" tIns="91425" rIns="91425" bIns="91425" anchor="ctr" anchorCtr="0">
-              <a:noAutofit/>
-            </a:bodyPr>
-            <a:lstStyle/>
-            <a:p>
-              <a:pPr marL="0" lvl="0" indent="0" algn="l" rtl="0">
-                <a:spcBef>
-                  <a:spcPts val="0"/>
-                </a:spcBef>
-                <a:spcAft>
-                  <a:spcPts val="0"/>
-                </a:spcAft>
-                <a:buNone/>
-              </a:pPr>
-              <a:endParaRPr dirty="0"/>
-            </a:p>
-          </p:txBody>
-        </p:sp>
-        <p:grpSp>
-          <p:nvGrpSpPr>
-            <p:cNvPr id="4923" name="Google Shape;4923;p108"/>
-            <p:cNvGrpSpPr/>
-            <p:nvPr/>
-          </p:nvGrpSpPr>
-          <p:grpSpPr>
-            <a:xfrm>
-              <a:off x="-1752744" y="2016220"/>
-              <a:ext cx="865698" cy="1111064"/>
-              <a:chOff x="1465000" y="899175"/>
-              <a:chExt cx="746613" cy="958227"/>
-            </a:xfrm>
-          </p:grpSpPr>
-          <p:sp>
-            <p:nvSpPr>
-              <p:cNvPr id="4924" name="Google Shape;4924;p108"/>
-              <p:cNvSpPr/>
-              <p:nvPr/>
-            </p:nvSpPr>
-            <p:spPr>
-              <a:xfrm rot="2547290">
-                <a:off x="1875788" y="1522865"/>
-                <a:ext cx="279046" cy="276621"/>
-              </a:xfrm>
-              <a:custGeom>
-                <a:avLst/>
-                <a:gdLst/>
-                <a:ahLst/>
-                <a:cxnLst/>
-                <a:rect l="l" t="t" r="r" b="b"/>
-                <a:pathLst>
-                  <a:path w="11162" h="11065" extrusionOk="0">
-                    <a:moveTo>
-                      <a:pt x="4307" y="1"/>
-                    </a:moveTo>
-                    <a:cubicBezTo>
-                      <a:pt x="3987" y="3556"/>
-                      <a:pt x="2405" y="6744"/>
-                      <a:pt x="0" y="9117"/>
-                    </a:cubicBezTo>
-                    <a:lnTo>
-                      <a:pt x="3356" y="10619"/>
-                    </a:lnTo>
-                    <a:cubicBezTo>
-                      <a:pt x="4027" y="10921"/>
-                      <a:pt x="4729" y="11064"/>
-                      <a:pt x="5420" y="11064"/>
-                    </a:cubicBezTo>
-                    <a:cubicBezTo>
-                      <a:pt x="7343" y="11064"/>
-                      <a:pt x="9179" y="9956"/>
-                      <a:pt x="10019" y="8087"/>
-                    </a:cubicBezTo>
-                    <a:cubicBezTo>
-                      <a:pt x="11162" y="5546"/>
-                      <a:pt x="10019" y="2566"/>
-                      <a:pt x="7487" y="1423"/>
-                    </a:cubicBezTo>
-                    <a:lnTo>
-                      <a:pt x="4307" y="1"/>
-                    </a:lnTo>
-                    <a:close/>
-                  </a:path>
-                </a:pathLst>
-              </a:custGeom>
-              <a:solidFill>
-                <a:schemeClr val="accent4"/>
-              </a:solidFill>
-              <a:ln w="38100" cap="flat" cmpd="sng">
-                <a:solidFill>
-                  <a:srgbClr val="000000"/>
-                </a:solidFill>
-                <a:prstDash val="solid"/>
-                <a:miter lim="7989"/>
-                <a:headEnd type="none" w="sm" len="sm"/>
-                <a:tailEnd type="none" w="sm" len="sm"/>
-              </a:ln>
-            </p:spPr>
-            <p:txBody>
-              <a:bodyPr spcFirstLastPara="1" wrap="square" lIns="91425" tIns="91425" rIns="91425" bIns="91425" anchor="ctr" anchorCtr="0">
-                <a:noAutofit/>
-              </a:bodyPr>
-              <a:lstStyle/>
-              <a:p>
-                <a:pPr marL="0" lvl="0" indent="0" algn="l" rtl="0">
-                  <a:spcBef>
-                    <a:spcPts val="0"/>
-                  </a:spcBef>
-                  <a:spcAft>
-                    <a:spcPts val="0"/>
-                  </a:spcAft>
-                  <a:buNone/>
-                </a:pPr>
-                <a:endParaRPr dirty="0"/>
-              </a:p>
-            </p:txBody>
-          </p:sp>
-          <p:sp>
-            <p:nvSpPr>
-              <p:cNvPr id="4925" name="Google Shape;4925;p108"/>
-              <p:cNvSpPr/>
-              <p:nvPr/>
-            </p:nvSpPr>
-            <p:spPr>
-              <a:xfrm>
-                <a:off x="1465000" y="899175"/>
-                <a:ext cx="735500" cy="735500"/>
-              </a:xfrm>
-              <a:custGeom>
-                <a:avLst/>
-                <a:gdLst/>
-                <a:ahLst/>
-                <a:cxnLst/>
-                <a:rect l="l" t="t" r="r" b="b"/>
-                <a:pathLst>
-                  <a:path w="29420" h="29420" extrusionOk="0">
-                    <a:moveTo>
-                      <a:pt x="14710" y="1"/>
-                    </a:moveTo>
-                    <a:cubicBezTo>
-                      <a:pt x="6585" y="1"/>
-                      <a:pt x="1" y="6584"/>
-                      <a:pt x="1" y="14710"/>
-                    </a:cubicBezTo>
-                    <a:cubicBezTo>
-                      <a:pt x="1" y="22836"/>
-                      <a:pt x="6585" y="29419"/>
-                      <a:pt x="14710" y="29419"/>
-                    </a:cubicBezTo>
-                    <a:cubicBezTo>
-                      <a:pt x="22836" y="29419"/>
-                      <a:pt x="29420" y="22836"/>
-                      <a:pt x="29420" y="14710"/>
-                    </a:cubicBezTo>
-                    <a:cubicBezTo>
-                      <a:pt x="29420" y="6584"/>
-                      <a:pt x="22836" y="1"/>
-                      <a:pt x="14710" y="1"/>
-                    </a:cubicBezTo>
-                    <a:close/>
-                  </a:path>
-                </a:pathLst>
-              </a:custGeom>
-              <a:solidFill>
-                <a:schemeClr val="accent4"/>
-              </a:solidFill>
-              <a:ln w="38100" cap="flat" cmpd="sng">
-                <a:solidFill>
-                  <a:srgbClr val="000000"/>
-                </a:solidFill>
-                <a:prstDash val="solid"/>
-                <a:miter lim="7989"/>
-                <a:headEnd type="none" w="sm" len="sm"/>
-                <a:tailEnd type="none" w="sm" len="sm"/>
-              </a:ln>
-            </p:spPr>
-            <p:txBody>
-              <a:bodyPr spcFirstLastPara="1" wrap="square" lIns="91425" tIns="91425" rIns="91425" bIns="91425" anchor="ctr" anchorCtr="0">
-                <a:noAutofit/>
-              </a:bodyPr>
-              <a:lstStyle/>
-              <a:p>
-                <a:pPr marL="0" lvl="0" indent="0" algn="l" rtl="0">
-                  <a:spcBef>
-                    <a:spcPts val="0"/>
-                  </a:spcBef>
-                  <a:spcAft>
-                    <a:spcPts val="0"/>
-                  </a:spcAft>
-                  <a:buNone/>
-                </a:pPr>
-                <a:endParaRPr dirty="0"/>
-              </a:p>
-            </p:txBody>
-          </p:sp>
-        </p:grpSp>
-        <p:sp>
-          <p:nvSpPr>
-            <p:cNvPr id="4926" name="Google Shape;4926;p108"/>
-            <p:cNvSpPr/>
-            <p:nvPr/>
-          </p:nvSpPr>
-          <p:spPr>
-            <a:xfrm>
-              <a:off x="-1481590" y="2140550"/>
-              <a:ext cx="480002" cy="449647"/>
-            </a:xfrm>
-            <a:custGeom>
-              <a:avLst/>
-              <a:gdLst/>
-              <a:ahLst/>
-              <a:cxnLst/>
-              <a:rect l="l" t="t" r="r" b="b"/>
-              <a:pathLst>
-                <a:path w="19640" h="18398" extrusionOk="0">
-                  <a:moveTo>
-                    <a:pt x="9820" y="0"/>
-                  </a:moveTo>
-                  <a:cubicBezTo>
-                    <a:pt x="8929" y="0"/>
-                    <a:pt x="8038" y="276"/>
-                    <a:pt x="7279" y="827"/>
-                  </a:cubicBezTo>
-                  <a:lnTo>
-                    <a:pt x="2149" y="4551"/>
-                  </a:lnTo>
-                  <a:cubicBezTo>
-                    <a:pt x="631" y="5653"/>
-                    <a:pt x="0" y="7603"/>
-                    <a:pt x="575" y="9384"/>
-                  </a:cubicBezTo>
-                  <a:lnTo>
-                    <a:pt x="2541" y="15409"/>
-                  </a:lnTo>
-                  <a:cubicBezTo>
-                    <a:pt x="3116" y="17191"/>
-                    <a:pt x="4778" y="18397"/>
-                    <a:pt x="6648" y="18397"/>
-                  </a:cubicBezTo>
-                  <a:lnTo>
-                    <a:pt x="12992" y="18397"/>
-                  </a:lnTo>
-                  <a:cubicBezTo>
-                    <a:pt x="14861" y="18397"/>
-                    <a:pt x="16523" y="17199"/>
-                    <a:pt x="17098" y="15409"/>
-                  </a:cubicBezTo>
-                  <a:lnTo>
-                    <a:pt x="19056" y="9384"/>
-                  </a:lnTo>
-                  <a:cubicBezTo>
-                    <a:pt x="19639" y="7603"/>
-                    <a:pt x="19008" y="5653"/>
-                    <a:pt x="17490" y="4551"/>
-                  </a:cubicBezTo>
-                  <a:lnTo>
-                    <a:pt x="12360" y="827"/>
-                  </a:lnTo>
-                  <a:cubicBezTo>
-                    <a:pt x="11601" y="276"/>
-                    <a:pt x="10711" y="0"/>
-                    <a:pt x="9820" y="0"/>
-                  </a:cubicBezTo>
-                  <a:close/>
-                </a:path>
-              </a:pathLst>
-            </a:custGeom>
-            <a:solidFill>
-              <a:schemeClr val="dk2"/>
-            </a:solidFill>
-            <a:ln w="38100" cap="flat" cmpd="sng">
-              <a:solidFill>
-                <a:srgbClr val="000000"/>
-              </a:solidFill>
-              <a:prstDash val="solid"/>
-              <a:round/>
-              <a:headEnd type="none" w="sm" len="sm"/>
-              <a:tailEnd type="none" w="sm" len="sm"/>
-            </a:ln>
-          </p:spPr>
-          <p:txBody>
-            <a:bodyPr spcFirstLastPara="1" wrap="square" lIns="91425" tIns="91425" rIns="91425" bIns="91425" anchor="ctr" anchorCtr="0">
-              <a:noAutofit/>
-            </a:bodyPr>
-            <a:lstStyle/>
-            <a:p>
-              <a:pPr marL="0" lvl="0" indent="0" algn="l" rtl="0">
-                <a:spcBef>
-                  <a:spcPts val="0"/>
-                </a:spcBef>
-                <a:spcAft>
-                  <a:spcPts val="0"/>
-                </a:spcAft>
-                <a:buNone/>
-              </a:pPr>
-              <a:endParaRPr dirty="0"/>
-            </a:p>
-          </p:txBody>
-        </p:sp>
-      </p:grpSp>
-      <p:grpSp>
-        <p:nvGrpSpPr>
-          <p:cNvPr id="4927" name="Google Shape;4927;p108"/>
-          <p:cNvGrpSpPr/>
-          <p:nvPr/>
-        </p:nvGrpSpPr>
-        <p:grpSpPr>
-          <a:xfrm rot="752623" flipH="1">
-            <a:off x="7763844" y="3585725"/>
-            <a:ext cx="780626" cy="972507"/>
-            <a:chOff x="-1778892" y="2016220"/>
-            <a:chExt cx="891846" cy="1111064"/>
-          </a:xfrm>
-        </p:grpSpPr>
-        <p:sp>
-          <p:nvSpPr>
-            <p:cNvPr id="4928" name="Google Shape;4928;p108"/>
-            <p:cNvSpPr/>
-            <p:nvPr/>
-          </p:nvSpPr>
-          <p:spPr>
-            <a:xfrm rot="-2403405" flipH="1">
-              <a:off x="-1713636" y="2739091"/>
-              <a:ext cx="323562" cy="320750"/>
-            </a:xfrm>
-            <a:custGeom>
-              <a:avLst/>
-              <a:gdLst/>
-              <a:ahLst/>
-              <a:cxnLst/>
-              <a:rect l="l" t="t" r="r" b="b"/>
-              <a:pathLst>
-                <a:path w="11162" h="11065" extrusionOk="0">
-                  <a:moveTo>
-                    <a:pt x="4307" y="1"/>
-                  </a:moveTo>
-                  <a:cubicBezTo>
-                    <a:pt x="3987" y="3556"/>
-                    <a:pt x="2405" y="6744"/>
-                    <a:pt x="0" y="9117"/>
-                  </a:cubicBezTo>
-                  <a:lnTo>
-                    <a:pt x="3356" y="10619"/>
-                  </a:lnTo>
-                  <a:cubicBezTo>
-                    <a:pt x="4027" y="10921"/>
-                    <a:pt x="4729" y="11064"/>
-                    <a:pt x="5420" y="11064"/>
-                  </a:cubicBezTo>
-                  <a:cubicBezTo>
-                    <a:pt x="7343" y="11064"/>
-                    <a:pt x="9179" y="9956"/>
-                    <a:pt x="10019" y="8087"/>
-                  </a:cubicBezTo>
-                  <a:cubicBezTo>
-                    <a:pt x="11162" y="5546"/>
-                    <a:pt x="10019" y="2566"/>
-                    <a:pt x="7487" y="1423"/>
-                  </a:cubicBezTo>
-                  <a:lnTo>
-                    <a:pt x="4307" y="1"/>
-                  </a:lnTo>
-                  <a:close/>
-                </a:path>
-              </a:pathLst>
-            </a:custGeom>
-            <a:solidFill>
-              <a:schemeClr val="accent2"/>
-            </a:solidFill>
-            <a:ln w="38100" cap="flat" cmpd="sng">
-              <a:solidFill>
-                <a:srgbClr val="000000"/>
-              </a:solidFill>
-              <a:prstDash val="solid"/>
-              <a:miter lim="7989"/>
-              <a:headEnd type="none" w="sm" len="sm"/>
-              <a:tailEnd type="none" w="sm" len="sm"/>
-            </a:ln>
-          </p:spPr>
-          <p:txBody>
-            <a:bodyPr spcFirstLastPara="1" wrap="square" lIns="91425" tIns="91425" rIns="91425" bIns="91425" anchor="ctr" anchorCtr="0">
-              <a:noAutofit/>
-            </a:bodyPr>
-            <a:lstStyle/>
-            <a:p>
-              <a:pPr marL="0" lvl="0" indent="0" algn="l" rtl="0">
-                <a:spcBef>
-                  <a:spcPts val="0"/>
-                </a:spcBef>
-                <a:spcAft>
-                  <a:spcPts val="0"/>
-                </a:spcAft>
-                <a:buNone/>
-              </a:pPr>
-              <a:endParaRPr dirty="0"/>
-            </a:p>
-          </p:txBody>
-        </p:sp>
-        <p:grpSp>
-          <p:nvGrpSpPr>
-            <p:cNvPr id="4929" name="Google Shape;4929;p108"/>
-            <p:cNvGrpSpPr/>
-            <p:nvPr/>
-          </p:nvGrpSpPr>
-          <p:grpSpPr>
-            <a:xfrm>
-              <a:off x="-1752744" y="2016220"/>
-              <a:ext cx="865698" cy="1111064"/>
-              <a:chOff x="1465000" y="899175"/>
-              <a:chExt cx="746613" cy="958227"/>
-            </a:xfrm>
-          </p:grpSpPr>
-          <p:sp>
-            <p:nvSpPr>
-              <p:cNvPr id="4930" name="Google Shape;4930;p108"/>
-              <p:cNvSpPr/>
-              <p:nvPr/>
-            </p:nvSpPr>
-            <p:spPr>
-              <a:xfrm rot="2547290">
-                <a:off x="1875788" y="1522865"/>
-                <a:ext cx="279046" cy="276621"/>
-              </a:xfrm>
-              <a:custGeom>
-                <a:avLst/>
-                <a:gdLst/>
-                <a:ahLst/>
-                <a:cxnLst/>
-                <a:rect l="l" t="t" r="r" b="b"/>
-                <a:pathLst>
-                  <a:path w="11162" h="11065" extrusionOk="0">
-                    <a:moveTo>
-                      <a:pt x="4307" y="1"/>
-                    </a:moveTo>
-                    <a:cubicBezTo>
-                      <a:pt x="3987" y="3556"/>
-                      <a:pt x="2405" y="6744"/>
-                      <a:pt x="0" y="9117"/>
-                    </a:cubicBezTo>
-                    <a:lnTo>
-                      <a:pt x="3356" y="10619"/>
-                    </a:lnTo>
-                    <a:cubicBezTo>
-                      <a:pt x="4027" y="10921"/>
-                      <a:pt x="4729" y="11064"/>
-                      <a:pt x="5420" y="11064"/>
-                    </a:cubicBezTo>
-                    <a:cubicBezTo>
-                      <a:pt x="7343" y="11064"/>
-                      <a:pt x="9179" y="9956"/>
-                      <a:pt x="10019" y="8087"/>
-                    </a:cubicBezTo>
-                    <a:cubicBezTo>
-                      <a:pt x="11162" y="5546"/>
-                      <a:pt x="10019" y="2566"/>
-                      <a:pt x="7487" y="1423"/>
-                    </a:cubicBezTo>
-                    <a:lnTo>
-                      <a:pt x="4307" y="1"/>
-                    </a:lnTo>
-                    <a:close/>
-                  </a:path>
-                </a:pathLst>
-              </a:custGeom>
-              <a:solidFill>
-                <a:schemeClr val="accent2"/>
-              </a:solidFill>
-              <a:ln w="38100" cap="flat" cmpd="sng">
-                <a:solidFill>
-                  <a:srgbClr val="000000"/>
-                </a:solidFill>
-                <a:prstDash val="solid"/>
-                <a:miter lim="7989"/>
-                <a:headEnd type="none" w="sm" len="sm"/>
-                <a:tailEnd type="none" w="sm" len="sm"/>
-              </a:ln>
-            </p:spPr>
-            <p:txBody>
-              <a:bodyPr spcFirstLastPara="1" wrap="square" lIns="91425" tIns="91425" rIns="91425" bIns="91425" anchor="ctr" anchorCtr="0">
-                <a:noAutofit/>
-              </a:bodyPr>
-              <a:lstStyle/>
-              <a:p>
-                <a:pPr marL="0" lvl="0" indent="0" algn="l" rtl="0">
-                  <a:spcBef>
-                    <a:spcPts val="0"/>
-                  </a:spcBef>
-                  <a:spcAft>
-                    <a:spcPts val="0"/>
-                  </a:spcAft>
-                  <a:buNone/>
-                </a:pPr>
-                <a:endParaRPr dirty="0"/>
-              </a:p>
-            </p:txBody>
-          </p:sp>
-          <p:sp>
-            <p:nvSpPr>
-              <p:cNvPr id="4931" name="Google Shape;4931;p108"/>
-              <p:cNvSpPr/>
-              <p:nvPr/>
-            </p:nvSpPr>
-            <p:spPr>
-              <a:xfrm>
-                <a:off x="1465000" y="899175"/>
-                <a:ext cx="735500" cy="735500"/>
-              </a:xfrm>
-              <a:custGeom>
-                <a:avLst/>
-                <a:gdLst/>
-                <a:ahLst/>
-                <a:cxnLst/>
-                <a:rect l="l" t="t" r="r" b="b"/>
-                <a:pathLst>
-                  <a:path w="29420" h="29420" extrusionOk="0">
-                    <a:moveTo>
-                      <a:pt x="14710" y="1"/>
-                    </a:moveTo>
-                    <a:cubicBezTo>
-                      <a:pt x="6585" y="1"/>
-                      <a:pt x="1" y="6584"/>
-                      <a:pt x="1" y="14710"/>
-                    </a:cubicBezTo>
-                    <a:cubicBezTo>
-                      <a:pt x="1" y="22836"/>
-                      <a:pt x="6585" y="29419"/>
-                      <a:pt x="14710" y="29419"/>
-                    </a:cubicBezTo>
-                    <a:cubicBezTo>
-                      <a:pt x="22836" y="29419"/>
-                      <a:pt x="29420" y="22836"/>
-                      <a:pt x="29420" y="14710"/>
-                    </a:cubicBezTo>
-                    <a:cubicBezTo>
-                      <a:pt x="29420" y="6584"/>
-                      <a:pt x="22836" y="1"/>
-                      <a:pt x="14710" y="1"/>
-                    </a:cubicBezTo>
-                    <a:close/>
-                  </a:path>
-                </a:pathLst>
-              </a:custGeom>
-              <a:solidFill>
-                <a:schemeClr val="accent2"/>
-              </a:solidFill>
-              <a:ln w="38100" cap="flat" cmpd="sng">
-                <a:solidFill>
-                  <a:srgbClr val="000000"/>
-                </a:solidFill>
-                <a:prstDash val="solid"/>
-                <a:miter lim="7989"/>
-                <a:headEnd type="none" w="sm" len="sm"/>
-                <a:tailEnd type="none" w="sm" len="sm"/>
-              </a:ln>
-            </p:spPr>
-            <p:txBody>
-              <a:bodyPr spcFirstLastPara="1" wrap="square" lIns="91425" tIns="91425" rIns="91425" bIns="91425" anchor="ctr" anchorCtr="0">
-                <a:noAutofit/>
-              </a:bodyPr>
-              <a:lstStyle/>
-              <a:p>
-                <a:pPr marL="0" lvl="0" indent="0" algn="l" rtl="0">
-                  <a:spcBef>
-                    <a:spcPts val="0"/>
-                  </a:spcBef>
-                  <a:spcAft>
-                    <a:spcPts val="0"/>
-                  </a:spcAft>
-                  <a:buNone/>
-                </a:pPr>
-                <a:endParaRPr dirty="0"/>
-              </a:p>
-            </p:txBody>
-          </p:sp>
-        </p:grpSp>
-        <p:sp>
-          <p:nvSpPr>
-            <p:cNvPr id="4932" name="Google Shape;4932;p108"/>
-            <p:cNvSpPr/>
-            <p:nvPr/>
-          </p:nvSpPr>
-          <p:spPr>
-            <a:xfrm>
-              <a:off x="-1481590" y="2140550"/>
-              <a:ext cx="480002" cy="449647"/>
-            </a:xfrm>
-            <a:custGeom>
-              <a:avLst/>
-              <a:gdLst/>
-              <a:ahLst/>
-              <a:cxnLst/>
-              <a:rect l="l" t="t" r="r" b="b"/>
-              <a:pathLst>
-                <a:path w="19640" h="18398" extrusionOk="0">
-                  <a:moveTo>
-                    <a:pt x="9820" y="0"/>
-                  </a:moveTo>
-                  <a:cubicBezTo>
-                    <a:pt x="8929" y="0"/>
-                    <a:pt x="8038" y="276"/>
-                    <a:pt x="7279" y="827"/>
-                  </a:cubicBezTo>
-                  <a:lnTo>
-                    <a:pt x="2149" y="4551"/>
-                  </a:lnTo>
-                  <a:cubicBezTo>
-                    <a:pt x="631" y="5653"/>
-                    <a:pt x="0" y="7603"/>
-                    <a:pt x="575" y="9384"/>
-                  </a:cubicBezTo>
-                  <a:lnTo>
-                    <a:pt x="2541" y="15409"/>
-                  </a:lnTo>
-                  <a:cubicBezTo>
-                    <a:pt x="3116" y="17191"/>
-                    <a:pt x="4778" y="18397"/>
-                    <a:pt x="6648" y="18397"/>
-                  </a:cubicBezTo>
-                  <a:lnTo>
-                    <a:pt x="12992" y="18397"/>
-                  </a:lnTo>
-                  <a:cubicBezTo>
-                    <a:pt x="14861" y="18397"/>
-                    <a:pt x="16523" y="17199"/>
-                    <a:pt x="17098" y="15409"/>
-                  </a:cubicBezTo>
-                  <a:lnTo>
-                    <a:pt x="19056" y="9384"/>
-                  </a:lnTo>
-                  <a:cubicBezTo>
-                    <a:pt x="19639" y="7603"/>
-                    <a:pt x="19008" y="5653"/>
-                    <a:pt x="17490" y="4551"/>
-                  </a:cubicBezTo>
-                  <a:lnTo>
-                    <a:pt x="12360" y="827"/>
-                  </a:lnTo>
-                  <a:cubicBezTo>
-                    <a:pt x="11601" y="276"/>
-                    <a:pt x="10711" y="0"/>
-                    <a:pt x="9820" y="0"/>
-                  </a:cubicBezTo>
-                  <a:close/>
-                </a:path>
-              </a:pathLst>
-            </a:custGeom>
-            <a:solidFill>
-              <a:schemeClr val="dk2"/>
-            </a:solidFill>
-            <a:ln w="38100" cap="flat" cmpd="sng">
-              <a:solidFill>
-                <a:srgbClr val="000000"/>
-              </a:solidFill>
-              <a:prstDash val="solid"/>
-              <a:round/>
-              <a:headEnd type="none" w="sm" len="sm"/>
-              <a:tailEnd type="none" w="sm" len="sm"/>
-            </a:ln>
-          </p:spPr>
-          <p:txBody>
-            <a:bodyPr spcFirstLastPara="1" wrap="square" lIns="91425" tIns="91425" rIns="91425" bIns="91425" anchor="ctr" anchorCtr="0">
-              <a:noAutofit/>
-            </a:bodyPr>
-            <a:lstStyle/>
-            <a:p>
-              <a:pPr marL="0" lvl="0" indent="0" algn="l" rtl="0">
-                <a:spcBef>
-                  <a:spcPts val="0"/>
-                </a:spcBef>
-                <a:spcAft>
-                  <a:spcPts val="0"/>
-                </a:spcAft>
-                <a:buNone/>
-              </a:pPr>
-              <a:endParaRPr dirty="0"/>
-            </a:p>
-          </p:txBody>
-        </p:sp>
-      </p:grpSp>
-      <p:grpSp>
-        <p:nvGrpSpPr>
-          <p:cNvPr id="4933" name="Google Shape;4933;p108"/>
-          <p:cNvGrpSpPr/>
-          <p:nvPr/>
-        </p:nvGrpSpPr>
-        <p:grpSpPr>
-          <a:xfrm rot="1049909">
-            <a:off x="1275919" y="2144479"/>
-            <a:ext cx="757539" cy="943779"/>
-            <a:chOff x="-1778892" y="2016220"/>
-            <a:chExt cx="891846" cy="1111064"/>
-          </a:xfrm>
-        </p:grpSpPr>
-        <p:sp>
-          <p:nvSpPr>
-            <p:cNvPr id="4934" name="Google Shape;4934;p108"/>
-            <p:cNvSpPr/>
-            <p:nvPr/>
-          </p:nvSpPr>
-          <p:spPr>
-            <a:xfrm rot="-2403405" flipH="1">
-              <a:off x="-1713636" y="2739091"/>
-              <a:ext cx="323562" cy="320750"/>
-            </a:xfrm>
-            <a:custGeom>
-              <a:avLst/>
-              <a:gdLst/>
-              <a:ahLst/>
-              <a:cxnLst/>
-              <a:rect l="l" t="t" r="r" b="b"/>
-              <a:pathLst>
-                <a:path w="11162" h="11065" extrusionOk="0">
-                  <a:moveTo>
-                    <a:pt x="4307" y="1"/>
-                  </a:moveTo>
-                  <a:cubicBezTo>
-                    <a:pt x="3987" y="3556"/>
-                    <a:pt x="2405" y="6744"/>
-                    <a:pt x="0" y="9117"/>
-                  </a:cubicBezTo>
-                  <a:lnTo>
-                    <a:pt x="3356" y="10619"/>
-                  </a:lnTo>
-                  <a:cubicBezTo>
-                    <a:pt x="4027" y="10921"/>
-                    <a:pt x="4729" y="11064"/>
-                    <a:pt x="5420" y="11064"/>
-                  </a:cubicBezTo>
-                  <a:cubicBezTo>
-                    <a:pt x="7343" y="11064"/>
-                    <a:pt x="9179" y="9956"/>
-                    <a:pt x="10019" y="8087"/>
-                  </a:cubicBezTo>
-                  <a:cubicBezTo>
-                    <a:pt x="11162" y="5546"/>
-                    <a:pt x="10019" y="2566"/>
-                    <a:pt x="7487" y="1423"/>
-                  </a:cubicBezTo>
-                  <a:lnTo>
-                    <a:pt x="4307" y="1"/>
-                  </a:lnTo>
-                  <a:close/>
-                </a:path>
-              </a:pathLst>
-            </a:custGeom>
-            <a:solidFill>
-              <a:schemeClr val="accent1"/>
-            </a:solidFill>
-            <a:ln w="38100" cap="flat" cmpd="sng">
-              <a:solidFill>
-                <a:srgbClr val="000000"/>
-              </a:solidFill>
-              <a:prstDash val="solid"/>
-              <a:miter lim="7989"/>
-              <a:headEnd type="none" w="sm" len="sm"/>
-              <a:tailEnd type="none" w="sm" len="sm"/>
-            </a:ln>
-          </p:spPr>
-          <p:txBody>
-            <a:bodyPr spcFirstLastPara="1" wrap="square" lIns="91425" tIns="91425" rIns="91425" bIns="91425" anchor="ctr" anchorCtr="0">
-              <a:noAutofit/>
-            </a:bodyPr>
-            <a:lstStyle/>
-            <a:p>
-              <a:pPr marL="0" lvl="0" indent="0" algn="l" rtl="0">
-                <a:spcBef>
-                  <a:spcPts val="0"/>
-                </a:spcBef>
-                <a:spcAft>
-                  <a:spcPts val="0"/>
-                </a:spcAft>
-                <a:buNone/>
-              </a:pPr>
-              <a:endParaRPr dirty="0"/>
-            </a:p>
-          </p:txBody>
-        </p:sp>
-        <p:grpSp>
-          <p:nvGrpSpPr>
-            <p:cNvPr id="4935" name="Google Shape;4935;p108"/>
-            <p:cNvGrpSpPr/>
-            <p:nvPr/>
-          </p:nvGrpSpPr>
-          <p:grpSpPr>
-            <a:xfrm>
-              <a:off x="-1752744" y="2016220"/>
-              <a:ext cx="865698" cy="1111064"/>
-              <a:chOff x="1465000" y="899175"/>
-              <a:chExt cx="746613" cy="958227"/>
-            </a:xfrm>
-          </p:grpSpPr>
-          <p:sp>
-            <p:nvSpPr>
-              <p:cNvPr id="4936" name="Google Shape;4936;p108"/>
-              <p:cNvSpPr/>
-              <p:nvPr/>
-            </p:nvSpPr>
-            <p:spPr>
-              <a:xfrm rot="2547290">
-                <a:off x="1875788" y="1522865"/>
-                <a:ext cx="279046" cy="276621"/>
-              </a:xfrm>
-              <a:custGeom>
-                <a:avLst/>
-                <a:gdLst/>
-                <a:ahLst/>
-                <a:cxnLst/>
-                <a:rect l="l" t="t" r="r" b="b"/>
-                <a:pathLst>
-                  <a:path w="11162" h="11065" extrusionOk="0">
-                    <a:moveTo>
-                      <a:pt x="4307" y="1"/>
-                    </a:moveTo>
-                    <a:cubicBezTo>
-                      <a:pt x="3987" y="3556"/>
-                      <a:pt x="2405" y="6744"/>
-                      <a:pt x="0" y="9117"/>
-                    </a:cubicBezTo>
-                    <a:lnTo>
-                      <a:pt x="3356" y="10619"/>
-                    </a:lnTo>
-                    <a:cubicBezTo>
-                      <a:pt x="4027" y="10921"/>
-                      <a:pt x="4729" y="11064"/>
-                      <a:pt x="5420" y="11064"/>
-                    </a:cubicBezTo>
-                    <a:cubicBezTo>
-                      <a:pt x="7343" y="11064"/>
-                      <a:pt x="9179" y="9956"/>
-                      <a:pt x="10019" y="8087"/>
-                    </a:cubicBezTo>
-                    <a:cubicBezTo>
-                      <a:pt x="11162" y="5546"/>
-                      <a:pt x="10019" y="2566"/>
-                      <a:pt x="7487" y="1423"/>
-                    </a:cubicBezTo>
-                    <a:lnTo>
-                      <a:pt x="4307" y="1"/>
-                    </a:lnTo>
-                    <a:close/>
-                  </a:path>
-                </a:pathLst>
-              </a:custGeom>
-              <a:solidFill>
-                <a:schemeClr val="accent1"/>
-              </a:solidFill>
-              <a:ln w="38100" cap="flat" cmpd="sng">
-                <a:solidFill>
-                  <a:srgbClr val="000000"/>
-                </a:solidFill>
-                <a:prstDash val="solid"/>
-                <a:miter lim="7989"/>
-                <a:headEnd type="none" w="sm" len="sm"/>
-                <a:tailEnd type="none" w="sm" len="sm"/>
-              </a:ln>
-            </p:spPr>
-            <p:txBody>
-              <a:bodyPr spcFirstLastPara="1" wrap="square" lIns="91425" tIns="91425" rIns="91425" bIns="91425" anchor="ctr" anchorCtr="0">
-                <a:noAutofit/>
-              </a:bodyPr>
-              <a:lstStyle/>
-              <a:p>
-                <a:pPr marL="0" lvl="0" indent="0" algn="l" rtl="0">
-                  <a:spcBef>
-                    <a:spcPts val="0"/>
-                  </a:spcBef>
-                  <a:spcAft>
-                    <a:spcPts val="0"/>
-                  </a:spcAft>
-                  <a:buNone/>
-                </a:pPr>
-                <a:endParaRPr dirty="0"/>
-              </a:p>
-            </p:txBody>
-          </p:sp>
-          <p:sp>
-            <p:nvSpPr>
-              <p:cNvPr id="4937" name="Google Shape;4937;p108"/>
-              <p:cNvSpPr/>
-              <p:nvPr/>
-            </p:nvSpPr>
-            <p:spPr>
-              <a:xfrm>
-                <a:off x="1465000" y="899175"/>
-                <a:ext cx="735500" cy="735500"/>
-              </a:xfrm>
-              <a:custGeom>
-                <a:avLst/>
-                <a:gdLst/>
-                <a:ahLst/>
-                <a:cxnLst/>
-                <a:rect l="l" t="t" r="r" b="b"/>
-                <a:pathLst>
-                  <a:path w="29420" h="29420" extrusionOk="0">
-                    <a:moveTo>
-                      <a:pt x="14710" y="1"/>
-                    </a:moveTo>
-                    <a:cubicBezTo>
-                      <a:pt x="6585" y="1"/>
-                      <a:pt x="1" y="6584"/>
-                      <a:pt x="1" y="14710"/>
-                    </a:cubicBezTo>
-                    <a:cubicBezTo>
-                      <a:pt x="1" y="22836"/>
-                      <a:pt x="6585" y="29419"/>
-                      <a:pt x="14710" y="29419"/>
-                    </a:cubicBezTo>
-                    <a:cubicBezTo>
-                      <a:pt x="22836" y="29419"/>
-                      <a:pt x="29420" y="22836"/>
-                      <a:pt x="29420" y="14710"/>
-                    </a:cubicBezTo>
-                    <a:cubicBezTo>
-                      <a:pt x="29420" y="6584"/>
-                      <a:pt x="22836" y="1"/>
-                      <a:pt x="14710" y="1"/>
-                    </a:cubicBezTo>
-                    <a:close/>
-                  </a:path>
-                </a:pathLst>
-              </a:custGeom>
-              <a:solidFill>
-                <a:schemeClr val="accent1"/>
-              </a:solidFill>
-              <a:ln w="38100" cap="flat" cmpd="sng">
-                <a:solidFill>
-                  <a:srgbClr val="000000"/>
-                </a:solidFill>
-                <a:prstDash val="solid"/>
-                <a:miter lim="7989"/>
-                <a:headEnd type="none" w="sm" len="sm"/>
-                <a:tailEnd type="none" w="sm" len="sm"/>
-              </a:ln>
-            </p:spPr>
-            <p:txBody>
-              <a:bodyPr spcFirstLastPara="1" wrap="square" lIns="91425" tIns="91425" rIns="91425" bIns="91425" anchor="ctr" anchorCtr="0">
-                <a:noAutofit/>
-              </a:bodyPr>
-              <a:lstStyle/>
-              <a:p>
-                <a:pPr marL="0" lvl="0" indent="0" algn="l" rtl="0">
-                  <a:spcBef>
-                    <a:spcPts val="0"/>
-                  </a:spcBef>
-                  <a:spcAft>
-                    <a:spcPts val="0"/>
-                  </a:spcAft>
-                  <a:buNone/>
-                </a:pPr>
-                <a:endParaRPr dirty="0"/>
-              </a:p>
-            </p:txBody>
-          </p:sp>
-        </p:grpSp>
-        <p:sp>
-          <p:nvSpPr>
-            <p:cNvPr id="4938" name="Google Shape;4938;p108"/>
-            <p:cNvSpPr/>
-            <p:nvPr/>
-          </p:nvSpPr>
-          <p:spPr>
-            <a:xfrm>
-              <a:off x="-1638203" y="2140550"/>
-              <a:ext cx="480002" cy="449647"/>
-            </a:xfrm>
-            <a:custGeom>
-              <a:avLst/>
-              <a:gdLst/>
-              <a:ahLst/>
-              <a:cxnLst/>
-              <a:rect l="l" t="t" r="r" b="b"/>
-              <a:pathLst>
-                <a:path w="19640" h="18398" extrusionOk="0">
-                  <a:moveTo>
-                    <a:pt x="9820" y="0"/>
-                  </a:moveTo>
-                  <a:cubicBezTo>
-                    <a:pt x="8929" y="0"/>
-                    <a:pt x="8038" y="276"/>
-                    <a:pt x="7279" y="827"/>
-                  </a:cubicBezTo>
-                  <a:lnTo>
-                    <a:pt x="2149" y="4551"/>
-                  </a:lnTo>
-                  <a:cubicBezTo>
-                    <a:pt x="631" y="5653"/>
-                    <a:pt x="0" y="7603"/>
-                    <a:pt x="575" y="9384"/>
-                  </a:cubicBezTo>
-                  <a:lnTo>
-                    <a:pt x="2541" y="15409"/>
-                  </a:lnTo>
-                  <a:cubicBezTo>
-                    <a:pt x="3116" y="17191"/>
-                    <a:pt x="4778" y="18397"/>
-                    <a:pt x="6648" y="18397"/>
-                  </a:cubicBezTo>
-                  <a:lnTo>
-                    <a:pt x="12992" y="18397"/>
-                  </a:lnTo>
-                  <a:cubicBezTo>
-                    <a:pt x="14861" y="18397"/>
-                    <a:pt x="16523" y="17199"/>
-                    <a:pt x="17098" y="15409"/>
-                  </a:cubicBezTo>
-                  <a:lnTo>
-                    <a:pt x="19056" y="9384"/>
-                  </a:lnTo>
-                  <a:cubicBezTo>
-                    <a:pt x="19639" y="7603"/>
-                    <a:pt x="19008" y="5653"/>
-                    <a:pt x="17490" y="4551"/>
-                  </a:cubicBezTo>
-                  <a:lnTo>
-                    <a:pt x="12360" y="827"/>
-                  </a:lnTo>
-                  <a:cubicBezTo>
-                    <a:pt x="11601" y="276"/>
-                    <a:pt x="10711" y="0"/>
-                    <a:pt x="9820" y="0"/>
-                  </a:cubicBezTo>
-                  <a:close/>
-                </a:path>
-              </a:pathLst>
-            </a:custGeom>
-            <a:solidFill>
-              <a:schemeClr val="dk2"/>
-            </a:solidFill>
-            <a:ln w="38100" cap="flat" cmpd="sng">
-              <a:solidFill>
-                <a:srgbClr val="000000"/>
-              </a:solidFill>
-              <a:prstDash val="solid"/>
-              <a:round/>
-              <a:headEnd type="none" w="sm" len="sm"/>
-              <a:tailEnd type="none" w="sm" len="sm"/>
-            </a:ln>
-          </p:spPr>
-          <p:txBody>
-            <a:bodyPr spcFirstLastPara="1" wrap="square" lIns="91425" tIns="91425" rIns="91425" bIns="91425" anchor="ctr" anchorCtr="0">
-              <a:noAutofit/>
-            </a:bodyPr>
-            <a:lstStyle/>
-            <a:p>
-              <a:pPr marL="0" lvl="0" indent="0" algn="l" rtl="0">
-                <a:spcBef>
-                  <a:spcPts val="0"/>
-                </a:spcBef>
-                <a:spcAft>
-                  <a:spcPts val="0"/>
-                </a:spcAft>
-                <a:buNone/>
-              </a:pPr>
-              <a:endParaRPr dirty="0"/>
-            </a:p>
-          </p:txBody>
-        </p:sp>
-      </p:grpSp>
-    </p:spTree>
   </p:cSld>
   <p:clrMapOvr>
     <a:masterClrMapping/>
@@ -20841,6 +18814,2747 @@
       </p:par>
     </p:tnLst>
   </p:timing>
+</p:sld>
+</file>
+
+<file path=ppt/slides/slide20.xml><?xml version="1.0" encoding="utf-8"?>
+<p:sld xmlns:a="http://schemas.openxmlformats.org/drawingml/2006/main" xmlns:r="http://schemas.openxmlformats.org/officeDocument/2006/relationships" xmlns:p="http://schemas.openxmlformats.org/presentationml/2006/main">
+  <p:cSld>
+    <p:spTree>
+      <p:nvGrpSpPr>
+        <p:cNvPr id="1" name=""/>
+        <p:cNvGrpSpPr/>
+        <p:nvPr/>
+      </p:nvGrpSpPr>
+      <p:grpSpPr>
+        <a:xfrm>
+          <a:off x="0" y="0"/>
+          <a:ext cx="0" cy="0"/>
+          <a:chOff x="0" y="0"/>
+          <a:chExt cx="0" cy="0"/>
+        </a:xfrm>
+      </p:grpSpPr>
+      <p:sp>
+        <p:nvSpPr>
+          <p:cNvPr id="4" name="CuadroTexto 3">
+            <a:extLst>
+              <a:ext uri="{FF2B5EF4-FFF2-40B4-BE49-F238E27FC236}">
+                <a16:creationId xmlns:a16="http://schemas.microsoft.com/office/drawing/2014/main" id="{BD1A6BAF-4579-A422-965E-F2909F98487B}"/>
+              </a:ext>
+            </a:extLst>
+          </p:cNvPr>
+          <p:cNvSpPr txBox="1"/>
+          <p:nvPr/>
+        </p:nvSpPr>
+        <p:spPr>
+          <a:xfrm>
+            <a:off x="592561" y="50007"/>
+            <a:ext cx="6908378" cy="6340197"/>
+          </a:xfrm>
+          <a:prstGeom prst="rect">
+            <a:avLst/>
+          </a:prstGeom>
+          <a:noFill/>
+        </p:spPr>
+        <p:txBody>
+          <a:bodyPr wrap="square" rtlCol="0">
+            <a:spAutoFit/>
+          </a:bodyPr>
+          <a:lstStyle/>
+          <a:p>
+            <a:r>
+              <a:rPr lang="es-CO" dirty="0" err="1">
+                <a:solidFill>
+                  <a:schemeClr val="accent2"/>
+                </a:solidFill>
+              </a:rPr>
+              <a:t>void</a:t>
+            </a:r>
+            <a:r>
+              <a:rPr lang="es-CO" dirty="0">
+                <a:solidFill>
+                  <a:schemeClr val="bg1"/>
+                </a:solidFill>
+              </a:rPr>
+              <a:t> </a:t>
+            </a:r>
+            <a:r>
+              <a:rPr lang="es-CO" dirty="0" err="1">
+                <a:solidFill>
+                  <a:schemeClr val="bg1"/>
+                </a:solidFill>
+              </a:rPr>
+              <a:t>actualizar_cronometro</a:t>
+            </a:r>
+            <a:r>
+              <a:rPr lang="es-CO" dirty="0">
+                <a:solidFill>
+                  <a:schemeClr val="bg1"/>
+                </a:solidFill>
+              </a:rPr>
+              <a:t>();</a:t>
+            </a:r>
+          </a:p>
+          <a:p>
+            <a:r>
+              <a:rPr lang="es-CO" dirty="0">
+                <a:solidFill>
+                  <a:schemeClr val="bg1"/>
+                </a:solidFill>
+              </a:rPr>
+              <a:t>Se encarga de ir modificando el tiempo del juego.</a:t>
+            </a:r>
+          </a:p>
+          <a:p>
+            <a:endParaRPr lang="es-CO" dirty="0">
+              <a:solidFill>
+                <a:schemeClr val="bg1"/>
+              </a:solidFill>
+            </a:endParaRPr>
+          </a:p>
+          <a:p>
+            <a:pPr algn="just"/>
+            <a:r>
+              <a:rPr lang="es-CO" dirty="0">
+                <a:solidFill>
+                  <a:schemeClr val="bg1"/>
+                </a:solidFill>
+              </a:rPr>
+              <a:t>Atributos=Variable especifica en tiempo real que contabilice la duración de  la ejecución del juego desde su inicio hasta su finalización.</a:t>
+            </a:r>
+          </a:p>
+          <a:p>
+            <a:pPr algn="just"/>
+            <a:endParaRPr lang="es-CO" dirty="0">
+              <a:solidFill>
+                <a:schemeClr val="bg1"/>
+              </a:solidFill>
+            </a:endParaRPr>
+          </a:p>
+          <a:p>
+            <a:pPr algn="just"/>
+            <a:r>
+              <a:rPr lang="es-CO" dirty="0">
+                <a:solidFill>
+                  <a:schemeClr val="bg1"/>
+                </a:solidFill>
+              </a:rPr>
+              <a:t>Métodos=Medir especificadamente el tiempo de inicialización del programa.</a:t>
+            </a:r>
+          </a:p>
+          <a:p>
+            <a:endParaRPr lang="es-CO" dirty="0">
+              <a:solidFill>
+                <a:schemeClr val="bg1"/>
+              </a:solidFill>
+            </a:endParaRPr>
+          </a:p>
+          <a:p>
+            <a:r>
+              <a:rPr lang="es-CO" dirty="0" err="1">
+                <a:solidFill>
+                  <a:schemeClr val="accent2"/>
+                </a:solidFill>
+              </a:rPr>
+              <a:t>void</a:t>
+            </a:r>
+            <a:r>
+              <a:rPr lang="es-CO" dirty="0">
+                <a:solidFill>
+                  <a:schemeClr val="bg1"/>
+                </a:solidFill>
+              </a:rPr>
+              <a:t> </a:t>
+            </a:r>
+            <a:r>
+              <a:rPr lang="es-CO" dirty="0" err="1">
+                <a:solidFill>
+                  <a:schemeClr val="bg1"/>
+                </a:solidFill>
+              </a:rPr>
+              <a:t>inicializar_juego</a:t>
+            </a:r>
+            <a:r>
+              <a:rPr lang="es-CO" dirty="0">
+                <a:solidFill>
+                  <a:schemeClr val="bg1"/>
+                </a:solidFill>
+              </a:rPr>
+              <a:t>();</a:t>
+            </a:r>
+          </a:p>
+          <a:p>
+            <a:r>
+              <a:rPr lang="es-CO" dirty="0">
+                <a:solidFill>
+                  <a:schemeClr val="bg1"/>
+                </a:solidFill>
+              </a:rPr>
+              <a:t>Se encarga de iniciar el juego desde cero</a:t>
+            </a:r>
+          </a:p>
+          <a:p>
+            <a:endParaRPr lang="es-CO" dirty="0">
+              <a:solidFill>
+                <a:schemeClr val="bg1"/>
+              </a:solidFill>
+            </a:endParaRPr>
+          </a:p>
+          <a:p>
+            <a:pPr algn="just"/>
+            <a:r>
+              <a:rPr lang="es-CO" dirty="0">
+                <a:solidFill>
+                  <a:schemeClr val="bg1"/>
+                </a:solidFill>
+              </a:rPr>
+              <a:t>Atributos=Botón o  </a:t>
+            </a:r>
+            <a:r>
+              <a:rPr lang="es-CO" dirty="0" err="1">
+                <a:solidFill>
+                  <a:schemeClr val="bg1"/>
+                </a:solidFill>
+              </a:rPr>
+              <a:t>periferico</a:t>
+            </a:r>
+            <a:r>
+              <a:rPr lang="es-CO" dirty="0">
+                <a:solidFill>
+                  <a:schemeClr val="bg1"/>
+                </a:solidFill>
+              </a:rPr>
+              <a:t> que inicie el proceso de ejecución de todo el código, y los programas necesario para su desarrollo.</a:t>
+            </a:r>
+          </a:p>
+          <a:p>
+            <a:pPr algn="just"/>
+            <a:endParaRPr lang="es-CO" dirty="0">
+              <a:solidFill>
+                <a:schemeClr val="bg1"/>
+              </a:solidFill>
+            </a:endParaRPr>
+          </a:p>
+          <a:p>
+            <a:pPr algn="just"/>
+            <a:r>
+              <a:rPr lang="es-CO" dirty="0">
+                <a:solidFill>
+                  <a:schemeClr val="bg1"/>
+                </a:solidFill>
+              </a:rPr>
+              <a:t>Métodos=Procesamiento o inicialización de las variable necesarias para su funcionamiento.</a:t>
+            </a:r>
+          </a:p>
+          <a:p>
+            <a:pPr algn="just"/>
+            <a:endParaRPr lang="es-CO" dirty="0">
+              <a:solidFill>
+                <a:schemeClr val="accent2"/>
+              </a:solidFill>
+            </a:endParaRPr>
+          </a:p>
+          <a:p>
+            <a:r>
+              <a:rPr lang="es-CO" dirty="0">
+                <a:solidFill>
+                  <a:schemeClr val="accent2"/>
+                </a:solidFill>
+              </a:rPr>
+              <a:t>Class </a:t>
+            </a:r>
+            <a:r>
+              <a:rPr lang="es-CO" dirty="0" err="1">
+                <a:solidFill>
+                  <a:schemeClr val="bg1"/>
+                </a:solidFill>
+              </a:rPr>
+              <a:t>mini_juego</a:t>
+            </a:r>
+            <a:r>
+              <a:rPr lang="es-CO" dirty="0">
+                <a:solidFill>
+                  <a:schemeClr val="bg1"/>
+                </a:solidFill>
+              </a:rPr>
+              <a:t>(); </a:t>
+            </a:r>
+            <a:r>
+              <a:rPr lang="es-CO" dirty="0"/>
+              <a:t> </a:t>
+            </a:r>
+          </a:p>
+          <a:p>
+            <a:r>
+              <a:rPr lang="es-CO" dirty="0">
+                <a:solidFill>
+                  <a:schemeClr val="bg1"/>
+                </a:solidFill>
+              </a:rPr>
+              <a:t>Contiene los diferentes mini-juegos que se van a implementar.</a:t>
+            </a:r>
+          </a:p>
+          <a:p>
+            <a:endParaRPr lang="es-CO" dirty="0">
+              <a:solidFill>
+                <a:schemeClr val="bg1"/>
+              </a:solidFill>
+            </a:endParaRPr>
+          </a:p>
+          <a:p>
+            <a:r>
+              <a:rPr lang="es-CO" dirty="0">
+                <a:solidFill>
+                  <a:schemeClr val="bg1"/>
+                </a:solidFill>
+              </a:rPr>
+              <a:t>Atributos: Variables especificas para cada </a:t>
+            </a:r>
+            <a:r>
+              <a:rPr lang="es-CO" dirty="0" err="1">
+                <a:solidFill>
+                  <a:schemeClr val="bg1"/>
+                </a:solidFill>
+              </a:rPr>
+              <a:t>mini-juego</a:t>
+            </a:r>
+            <a:r>
+              <a:rPr lang="es-CO" dirty="0">
+                <a:solidFill>
+                  <a:schemeClr val="bg1"/>
+                </a:solidFill>
+              </a:rPr>
+              <a:t> y proceso de ejecución.</a:t>
+            </a:r>
+          </a:p>
+          <a:p>
+            <a:endParaRPr lang="es-CO" dirty="0">
+              <a:solidFill>
+                <a:schemeClr val="bg1"/>
+              </a:solidFill>
+            </a:endParaRPr>
+          </a:p>
+          <a:p>
+            <a:r>
+              <a:rPr lang="es-CO" dirty="0">
+                <a:solidFill>
+                  <a:schemeClr val="bg1"/>
+                </a:solidFill>
+              </a:rPr>
+              <a:t>Métodos: </a:t>
+            </a:r>
+            <a:r>
+              <a:rPr lang="es-CO" dirty="0" err="1">
+                <a:solidFill>
+                  <a:schemeClr val="bg1"/>
+                </a:solidFill>
+              </a:rPr>
+              <a:t>Ejecucion</a:t>
+            </a:r>
+            <a:r>
+              <a:rPr lang="es-CO" dirty="0">
+                <a:solidFill>
+                  <a:schemeClr val="bg1"/>
+                </a:solidFill>
+              </a:rPr>
+              <a:t> de un proceso alterno, al programa principal.</a:t>
+            </a:r>
+          </a:p>
+          <a:p>
+            <a:endParaRPr lang="es-CO" dirty="0">
+              <a:solidFill>
+                <a:srgbClr val="92D050"/>
+              </a:solidFill>
+            </a:endParaRPr>
+          </a:p>
+          <a:p>
+            <a:endParaRPr lang="es-CO" dirty="0">
+              <a:solidFill>
+                <a:schemeClr val="accent2"/>
+              </a:solidFill>
+            </a:endParaRPr>
+          </a:p>
+          <a:p>
+            <a:endParaRPr lang="es-CO" dirty="0">
+              <a:solidFill>
+                <a:schemeClr val="bg1"/>
+              </a:solidFill>
+            </a:endParaRPr>
+          </a:p>
+          <a:p>
+            <a:endParaRPr lang="es-CO" dirty="0">
+              <a:solidFill>
+                <a:schemeClr val="bg1"/>
+              </a:solidFill>
+            </a:endParaRPr>
+          </a:p>
+          <a:p>
+            <a:endParaRPr lang="es-CO" dirty="0">
+              <a:solidFill>
+                <a:schemeClr val="bg1"/>
+              </a:solidFill>
+            </a:endParaRPr>
+          </a:p>
+          <a:p>
+            <a:endParaRPr lang="es-CO" dirty="0">
+              <a:solidFill>
+                <a:schemeClr val="bg1"/>
+              </a:solidFill>
+            </a:endParaRPr>
+          </a:p>
+        </p:txBody>
+      </p:sp>
+    </p:spTree>
+    <p:extLst>
+      <p:ext uri="{BB962C8B-B14F-4D97-AF65-F5344CB8AC3E}">
+        <p14:creationId xmlns:p14="http://schemas.microsoft.com/office/powerpoint/2010/main" val="2316082762"/>
+      </p:ext>
+    </p:extLst>
+  </p:cSld>
+  <p:clrMapOvr>
+    <a:masterClrMapping/>
+  </p:clrMapOvr>
+</p:sld>
+</file>
+
+<file path=ppt/slides/slide21.xml><?xml version="1.0" encoding="utf-8"?>
+<p:sld xmlns:a="http://schemas.openxmlformats.org/drawingml/2006/main" xmlns:r="http://schemas.openxmlformats.org/officeDocument/2006/relationships" xmlns:p="http://schemas.openxmlformats.org/presentationml/2006/main">
+  <p:cSld>
+    <p:spTree>
+      <p:nvGrpSpPr>
+        <p:cNvPr id="1" name="Shape 4887"/>
+        <p:cNvGrpSpPr/>
+        <p:nvPr/>
+      </p:nvGrpSpPr>
+      <p:grpSpPr>
+        <a:xfrm>
+          <a:off x="0" y="0"/>
+          <a:ext cx="0" cy="0"/>
+          <a:chOff x="0" y="0"/>
+          <a:chExt cx="0" cy="0"/>
+        </a:xfrm>
+      </p:grpSpPr>
+      <p:sp>
+        <p:nvSpPr>
+          <p:cNvPr id="4888" name="Google Shape;4888;p108"/>
+          <p:cNvSpPr txBox="1">
+            <a:spLocks noGrp="1"/>
+          </p:cNvSpPr>
+          <p:nvPr>
+            <p:ph type="title"/>
+          </p:nvPr>
+        </p:nvSpPr>
+        <p:spPr>
+          <a:xfrm>
+            <a:off x="2819400" y="324150"/>
+            <a:ext cx="3505200" cy="1320000"/>
+          </a:xfrm>
+          <a:prstGeom prst="rect">
+            <a:avLst/>
+          </a:prstGeom>
+        </p:spPr>
+        <p:txBody>
+          <a:bodyPr spcFirstLastPara="1" wrap="square" lIns="91425" tIns="91425" rIns="91425" bIns="91425" anchor="t" anchorCtr="0">
+            <a:noAutofit/>
+          </a:bodyPr>
+          <a:lstStyle/>
+          <a:p>
+            <a:pPr marL="0" lvl="0" indent="0" algn="ctr" rtl="0">
+              <a:spcBef>
+                <a:spcPts val="0"/>
+              </a:spcBef>
+              <a:spcAft>
+                <a:spcPts val="0"/>
+              </a:spcAft>
+              <a:buNone/>
+            </a:pPr>
+            <a:r>
+              <a:rPr lang="en"/>
+              <a:t>Thanks!</a:t>
+            </a:r>
+            <a:endParaRPr dirty="0"/>
+          </a:p>
+        </p:txBody>
+      </p:sp>
+      <p:grpSp>
+        <p:nvGrpSpPr>
+          <p:cNvPr id="4903" name="Google Shape;4903;p108"/>
+          <p:cNvGrpSpPr/>
+          <p:nvPr/>
+        </p:nvGrpSpPr>
+        <p:grpSpPr>
+          <a:xfrm rot="-703690" flipH="1">
+            <a:off x="675840" y="3766500"/>
+            <a:ext cx="805111" cy="1003010"/>
+            <a:chOff x="-1778892" y="2016220"/>
+            <a:chExt cx="891846" cy="1111064"/>
+          </a:xfrm>
+        </p:grpSpPr>
+        <p:sp>
+          <p:nvSpPr>
+            <p:cNvPr id="4904" name="Google Shape;4904;p108"/>
+            <p:cNvSpPr/>
+            <p:nvPr/>
+          </p:nvSpPr>
+          <p:spPr>
+            <a:xfrm rot="-2403405" flipH="1">
+              <a:off x="-1713636" y="2739091"/>
+              <a:ext cx="323562" cy="320750"/>
+            </a:xfrm>
+            <a:custGeom>
+              <a:avLst/>
+              <a:gdLst/>
+              <a:ahLst/>
+              <a:cxnLst/>
+              <a:rect l="l" t="t" r="r" b="b"/>
+              <a:pathLst>
+                <a:path w="11162" h="11065" extrusionOk="0">
+                  <a:moveTo>
+                    <a:pt x="4307" y="1"/>
+                  </a:moveTo>
+                  <a:cubicBezTo>
+                    <a:pt x="3987" y="3556"/>
+                    <a:pt x="2405" y="6744"/>
+                    <a:pt x="0" y="9117"/>
+                  </a:cubicBezTo>
+                  <a:lnTo>
+                    <a:pt x="3356" y="10619"/>
+                  </a:lnTo>
+                  <a:cubicBezTo>
+                    <a:pt x="4027" y="10921"/>
+                    <a:pt x="4729" y="11064"/>
+                    <a:pt x="5420" y="11064"/>
+                  </a:cubicBezTo>
+                  <a:cubicBezTo>
+                    <a:pt x="7343" y="11064"/>
+                    <a:pt x="9179" y="9956"/>
+                    <a:pt x="10019" y="8087"/>
+                  </a:cubicBezTo>
+                  <a:cubicBezTo>
+                    <a:pt x="11162" y="5546"/>
+                    <a:pt x="10019" y="2566"/>
+                    <a:pt x="7487" y="1423"/>
+                  </a:cubicBezTo>
+                  <a:lnTo>
+                    <a:pt x="4307" y="1"/>
+                  </a:lnTo>
+                  <a:close/>
+                </a:path>
+              </a:pathLst>
+            </a:custGeom>
+            <a:solidFill>
+              <a:schemeClr val="lt2"/>
+            </a:solidFill>
+            <a:ln w="38100" cap="flat" cmpd="sng">
+              <a:solidFill>
+                <a:srgbClr val="000000"/>
+              </a:solidFill>
+              <a:prstDash val="solid"/>
+              <a:miter lim="7989"/>
+              <a:headEnd type="none" w="sm" len="sm"/>
+              <a:tailEnd type="none" w="sm" len="sm"/>
+            </a:ln>
+          </p:spPr>
+          <p:txBody>
+            <a:bodyPr spcFirstLastPara="1" wrap="square" lIns="91425" tIns="91425" rIns="91425" bIns="91425" anchor="ctr" anchorCtr="0">
+              <a:noAutofit/>
+            </a:bodyPr>
+            <a:lstStyle/>
+            <a:p>
+              <a:pPr marL="0" lvl="0" indent="0" algn="l" rtl="0">
+                <a:spcBef>
+                  <a:spcPts val="0"/>
+                </a:spcBef>
+                <a:spcAft>
+                  <a:spcPts val="0"/>
+                </a:spcAft>
+                <a:buNone/>
+              </a:pPr>
+              <a:endParaRPr dirty="0"/>
+            </a:p>
+          </p:txBody>
+        </p:sp>
+        <p:grpSp>
+          <p:nvGrpSpPr>
+            <p:cNvPr id="4905" name="Google Shape;4905;p108"/>
+            <p:cNvGrpSpPr/>
+            <p:nvPr/>
+          </p:nvGrpSpPr>
+          <p:grpSpPr>
+            <a:xfrm>
+              <a:off x="-1752744" y="2016220"/>
+              <a:ext cx="865698" cy="1111064"/>
+              <a:chOff x="1465000" y="899175"/>
+              <a:chExt cx="746613" cy="958227"/>
+            </a:xfrm>
+          </p:grpSpPr>
+          <p:sp>
+            <p:nvSpPr>
+              <p:cNvPr id="4906" name="Google Shape;4906;p108"/>
+              <p:cNvSpPr/>
+              <p:nvPr/>
+            </p:nvSpPr>
+            <p:spPr>
+              <a:xfrm rot="2547290">
+                <a:off x="1875788" y="1522865"/>
+                <a:ext cx="279046" cy="276621"/>
+              </a:xfrm>
+              <a:custGeom>
+                <a:avLst/>
+                <a:gdLst/>
+                <a:ahLst/>
+                <a:cxnLst/>
+                <a:rect l="l" t="t" r="r" b="b"/>
+                <a:pathLst>
+                  <a:path w="11162" h="11065" extrusionOk="0">
+                    <a:moveTo>
+                      <a:pt x="4307" y="1"/>
+                    </a:moveTo>
+                    <a:cubicBezTo>
+                      <a:pt x="3987" y="3556"/>
+                      <a:pt x="2405" y="6744"/>
+                      <a:pt x="0" y="9117"/>
+                    </a:cubicBezTo>
+                    <a:lnTo>
+                      <a:pt x="3356" y="10619"/>
+                    </a:lnTo>
+                    <a:cubicBezTo>
+                      <a:pt x="4027" y="10921"/>
+                      <a:pt x="4729" y="11064"/>
+                      <a:pt x="5420" y="11064"/>
+                    </a:cubicBezTo>
+                    <a:cubicBezTo>
+                      <a:pt x="7343" y="11064"/>
+                      <a:pt x="9179" y="9956"/>
+                      <a:pt x="10019" y="8087"/>
+                    </a:cubicBezTo>
+                    <a:cubicBezTo>
+                      <a:pt x="11162" y="5546"/>
+                      <a:pt x="10019" y="2566"/>
+                      <a:pt x="7487" y="1423"/>
+                    </a:cubicBezTo>
+                    <a:lnTo>
+                      <a:pt x="4307" y="1"/>
+                    </a:lnTo>
+                    <a:close/>
+                  </a:path>
+                </a:pathLst>
+              </a:custGeom>
+              <a:solidFill>
+                <a:schemeClr val="lt2"/>
+              </a:solidFill>
+              <a:ln w="38100" cap="flat" cmpd="sng">
+                <a:solidFill>
+                  <a:srgbClr val="000000"/>
+                </a:solidFill>
+                <a:prstDash val="solid"/>
+                <a:miter lim="7989"/>
+                <a:headEnd type="none" w="sm" len="sm"/>
+                <a:tailEnd type="none" w="sm" len="sm"/>
+              </a:ln>
+            </p:spPr>
+            <p:txBody>
+              <a:bodyPr spcFirstLastPara="1" wrap="square" lIns="91425" tIns="91425" rIns="91425" bIns="91425" anchor="ctr" anchorCtr="0">
+                <a:noAutofit/>
+              </a:bodyPr>
+              <a:lstStyle/>
+              <a:p>
+                <a:pPr marL="0" lvl="0" indent="0" algn="l" rtl="0">
+                  <a:spcBef>
+                    <a:spcPts val="0"/>
+                  </a:spcBef>
+                  <a:spcAft>
+                    <a:spcPts val="0"/>
+                  </a:spcAft>
+                  <a:buNone/>
+                </a:pPr>
+                <a:endParaRPr dirty="0"/>
+              </a:p>
+            </p:txBody>
+          </p:sp>
+          <p:sp>
+            <p:nvSpPr>
+              <p:cNvPr id="4907" name="Google Shape;4907;p108"/>
+              <p:cNvSpPr/>
+              <p:nvPr/>
+            </p:nvSpPr>
+            <p:spPr>
+              <a:xfrm>
+                <a:off x="1465000" y="899175"/>
+                <a:ext cx="735500" cy="735500"/>
+              </a:xfrm>
+              <a:custGeom>
+                <a:avLst/>
+                <a:gdLst/>
+                <a:ahLst/>
+                <a:cxnLst/>
+                <a:rect l="l" t="t" r="r" b="b"/>
+                <a:pathLst>
+                  <a:path w="29420" h="29420" extrusionOk="0">
+                    <a:moveTo>
+                      <a:pt x="14710" y="1"/>
+                    </a:moveTo>
+                    <a:cubicBezTo>
+                      <a:pt x="6585" y="1"/>
+                      <a:pt x="1" y="6584"/>
+                      <a:pt x="1" y="14710"/>
+                    </a:cubicBezTo>
+                    <a:cubicBezTo>
+                      <a:pt x="1" y="22836"/>
+                      <a:pt x="6585" y="29419"/>
+                      <a:pt x="14710" y="29419"/>
+                    </a:cubicBezTo>
+                    <a:cubicBezTo>
+                      <a:pt x="22836" y="29419"/>
+                      <a:pt x="29420" y="22836"/>
+                      <a:pt x="29420" y="14710"/>
+                    </a:cubicBezTo>
+                    <a:cubicBezTo>
+                      <a:pt x="29420" y="6584"/>
+                      <a:pt x="22836" y="1"/>
+                      <a:pt x="14710" y="1"/>
+                    </a:cubicBezTo>
+                    <a:close/>
+                  </a:path>
+                </a:pathLst>
+              </a:custGeom>
+              <a:solidFill>
+                <a:schemeClr val="lt2"/>
+              </a:solidFill>
+              <a:ln w="38100" cap="flat" cmpd="sng">
+                <a:solidFill>
+                  <a:srgbClr val="000000"/>
+                </a:solidFill>
+                <a:prstDash val="solid"/>
+                <a:miter lim="7989"/>
+                <a:headEnd type="none" w="sm" len="sm"/>
+                <a:tailEnd type="none" w="sm" len="sm"/>
+              </a:ln>
+            </p:spPr>
+            <p:txBody>
+              <a:bodyPr spcFirstLastPara="1" wrap="square" lIns="91425" tIns="91425" rIns="91425" bIns="91425" anchor="ctr" anchorCtr="0">
+                <a:noAutofit/>
+              </a:bodyPr>
+              <a:lstStyle/>
+              <a:p>
+                <a:pPr marL="0" lvl="0" indent="0" algn="l" rtl="0">
+                  <a:spcBef>
+                    <a:spcPts val="0"/>
+                  </a:spcBef>
+                  <a:spcAft>
+                    <a:spcPts val="0"/>
+                  </a:spcAft>
+                  <a:buNone/>
+                </a:pPr>
+                <a:endParaRPr dirty="0"/>
+              </a:p>
+            </p:txBody>
+          </p:sp>
+        </p:grpSp>
+        <p:sp>
+          <p:nvSpPr>
+            <p:cNvPr id="4908" name="Google Shape;4908;p108"/>
+            <p:cNvSpPr/>
+            <p:nvPr/>
+          </p:nvSpPr>
+          <p:spPr>
+            <a:xfrm>
+              <a:off x="-1638203" y="2140550"/>
+              <a:ext cx="480002" cy="449647"/>
+            </a:xfrm>
+            <a:custGeom>
+              <a:avLst/>
+              <a:gdLst/>
+              <a:ahLst/>
+              <a:cxnLst/>
+              <a:rect l="l" t="t" r="r" b="b"/>
+              <a:pathLst>
+                <a:path w="19640" h="18398" extrusionOk="0">
+                  <a:moveTo>
+                    <a:pt x="9820" y="0"/>
+                  </a:moveTo>
+                  <a:cubicBezTo>
+                    <a:pt x="8929" y="0"/>
+                    <a:pt x="8038" y="276"/>
+                    <a:pt x="7279" y="827"/>
+                  </a:cubicBezTo>
+                  <a:lnTo>
+                    <a:pt x="2149" y="4551"/>
+                  </a:lnTo>
+                  <a:cubicBezTo>
+                    <a:pt x="631" y="5653"/>
+                    <a:pt x="0" y="7603"/>
+                    <a:pt x="575" y="9384"/>
+                  </a:cubicBezTo>
+                  <a:lnTo>
+                    <a:pt x="2541" y="15409"/>
+                  </a:lnTo>
+                  <a:cubicBezTo>
+                    <a:pt x="3116" y="17191"/>
+                    <a:pt x="4778" y="18397"/>
+                    <a:pt x="6648" y="18397"/>
+                  </a:cubicBezTo>
+                  <a:lnTo>
+                    <a:pt x="12992" y="18397"/>
+                  </a:lnTo>
+                  <a:cubicBezTo>
+                    <a:pt x="14861" y="18397"/>
+                    <a:pt x="16523" y="17199"/>
+                    <a:pt x="17098" y="15409"/>
+                  </a:cubicBezTo>
+                  <a:lnTo>
+                    <a:pt x="19056" y="9384"/>
+                  </a:lnTo>
+                  <a:cubicBezTo>
+                    <a:pt x="19639" y="7603"/>
+                    <a:pt x="19008" y="5653"/>
+                    <a:pt x="17490" y="4551"/>
+                  </a:cubicBezTo>
+                  <a:lnTo>
+                    <a:pt x="12360" y="827"/>
+                  </a:lnTo>
+                  <a:cubicBezTo>
+                    <a:pt x="11601" y="276"/>
+                    <a:pt x="10711" y="0"/>
+                    <a:pt x="9820" y="0"/>
+                  </a:cubicBezTo>
+                  <a:close/>
+                </a:path>
+              </a:pathLst>
+            </a:custGeom>
+            <a:solidFill>
+              <a:schemeClr val="dk2"/>
+            </a:solidFill>
+            <a:ln w="38100" cap="flat" cmpd="sng">
+              <a:solidFill>
+                <a:srgbClr val="000000"/>
+              </a:solidFill>
+              <a:prstDash val="solid"/>
+              <a:round/>
+              <a:headEnd type="none" w="sm" len="sm"/>
+              <a:tailEnd type="none" w="sm" len="sm"/>
+            </a:ln>
+          </p:spPr>
+          <p:txBody>
+            <a:bodyPr spcFirstLastPara="1" wrap="square" lIns="91425" tIns="91425" rIns="91425" bIns="91425" anchor="ctr" anchorCtr="0">
+              <a:noAutofit/>
+            </a:bodyPr>
+            <a:lstStyle/>
+            <a:p>
+              <a:pPr marL="0" lvl="0" indent="0" algn="l" rtl="0">
+                <a:spcBef>
+                  <a:spcPts val="0"/>
+                </a:spcBef>
+                <a:spcAft>
+                  <a:spcPts val="0"/>
+                </a:spcAft>
+                <a:buNone/>
+              </a:pPr>
+              <a:endParaRPr dirty="0"/>
+            </a:p>
+          </p:txBody>
+        </p:sp>
+      </p:grpSp>
+      <p:grpSp>
+        <p:nvGrpSpPr>
+          <p:cNvPr id="4909" name="Google Shape;4909;p108"/>
+          <p:cNvGrpSpPr/>
+          <p:nvPr/>
+        </p:nvGrpSpPr>
+        <p:grpSpPr>
+          <a:xfrm rot="976164">
+            <a:off x="722998" y="407272"/>
+            <a:ext cx="756060" cy="941903"/>
+            <a:chOff x="-1778892" y="2016220"/>
+            <a:chExt cx="891846" cy="1111064"/>
+          </a:xfrm>
+        </p:grpSpPr>
+        <p:sp>
+          <p:nvSpPr>
+            <p:cNvPr id="4910" name="Google Shape;4910;p108"/>
+            <p:cNvSpPr/>
+            <p:nvPr/>
+          </p:nvSpPr>
+          <p:spPr>
+            <a:xfrm rot="-2403405" flipH="1">
+              <a:off x="-1713636" y="2739091"/>
+              <a:ext cx="323562" cy="320750"/>
+            </a:xfrm>
+            <a:custGeom>
+              <a:avLst/>
+              <a:gdLst/>
+              <a:ahLst/>
+              <a:cxnLst/>
+              <a:rect l="l" t="t" r="r" b="b"/>
+              <a:pathLst>
+                <a:path w="11162" h="11065" extrusionOk="0">
+                  <a:moveTo>
+                    <a:pt x="4307" y="1"/>
+                  </a:moveTo>
+                  <a:cubicBezTo>
+                    <a:pt x="3987" y="3556"/>
+                    <a:pt x="2405" y="6744"/>
+                    <a:pt x="0" y="9117"/>
+                  </a:cubicBezTo>
+                  <a:lnTo>
+                    <a:pt x="3356" y="10619"/>
+                  </a:lnTo>
+                  <a:cubicBezTo>
+                    <a:pt x="4027" y="10921"/>
+                    <a:pt x="4729" y="11064"/>
+                    <a:pt x="5420" y="11064"/>
+                  </a:cubicBezTo>
+                  <a:cubicBezTo>
+                    <a:pt x="7343" y="11064"/>
+                    <a:pt x="9179" y="9956"/>
+                    <a:pt x="10019" y="8087"/>
+                  </a:cubicBezTo>
+                  <a:cubicBezTo>
+                    <a:pt x="11162" y="5546"/>
+                    <a:pt x="10019" y="2566"/>
+                    <a:pt x="7487" y="1423"/>
+                  </a:cubicBezTo>
+                  <a:lnTo>
+                    <a:pt x="4307" y="1"/>
+                  </a:lnTo>
+                  <a:close/>
+                </a:path>
+              </a:pathLst>
+            </a:custGeom>
+            <a:solidFill>
+              <a:schemeClr val="accent5"/>
+            </a:solidFill>
+            <a:ln w="38100" cap="flat" cmpd="sng">
+              <a:solidFill>
+                <a:srgbClr val="000000"/>
+              </a:solidFill>
+              <a:prstDash val="solid"/>
+              <a:miter lim="7989"/>
+              <a:headEnd type="none" w="sm" len="sm"/>
+              <a:tailEnd type="none" w="sm" len="sm"/>
+            </a:ln>
+          </p:spPr>
+          <p:txBody>
+            <a:bodyPr spcFirstLastPara="1" wrap="square" lIns="91425" tIns="91425" rIns="91425" bIns="91425" anchor="ctr" anchorCtr="0">
+              <a:noAutofit/>
+            </a:bodyPr>
+            <a:lstStyle/>
+            <a:p>
+              <a:pPr marL="0" lvl="0" indent="0" algn="l" rtl="0">
+                <a:spcBef>
+                  <a:spcPts val="0"/>
+                </a:spcBef>
+                <a:spcAft>
+                  <a:spcPts val="0"/>
+                </a:spcAft>
+                <a:buNone/>
+              </a:pPr>
+              <a:endParaRPr dirty="0"/>
+            </a:p>
+          </p:txBody>
+        </p:sp>
+        <p:grpSp>
+          <p:nvGrpSpPr>
+            <p:cNvPr id="4911" name="Google Shape;4911;p108"/>
+            <p:cNvGrpSpPr/>
+            <p:nvPr/>
+          </p:nvGrpSpPr>
+          <p:grpSpPr>
+            <a:xfrm>
+              <a:off x="-1752744" y="2016220"/>
+              <a:ext cx="865698" cy="1111064"/>
+              <a:chOff x="1465000" y="899175"/>
+              <a:chExt cx="746613" cy="958227"/>
+            </a:xfrm>
+          </p:grpSpPr>
+          <p:sp>
+            <p:nvSpPr>
+              <p:cNvPr id="4912" name="Google Shape;4912;p108"/>
+              <p:cNvSpPr/>
+              <p:nvPr/>
+            </p:nvSpPr>
+            <p:spPr>
+              <a:xfrm rot="2547290">
+                <a:off x="1875788" y="1522865"/>
+                <a:ext cx="279046" cy="276621"/>
+              </a:xfrm>
+              <a:custGeom>
+                <a:avLst/>
+                <a:gdLst/>
+                <a:ahLst/>
+                <a:cxnLst/>
+                <a:rect l="l" t="t" r="r" b="b"/>
+                <a:pathLst>
+                  <a:path w="11162" h="11065" extrusionOk="0">
+                    <a:moveTo>
+                      <a:pt x="4307" y="1"/>
+                    </a:moveTo>
+                    <a:cubicBezTo>
+                      <a:pt x="3987" y="3556"/>
+                      <a:pt x="2405" y="6744"/>
+                      <a:pt x="0" y="9117"/>
+                    </a:cubicBezTo>
+                    <a:lnTo>
+                      <a:pt x="3356" y="10619"/>
+                    </a:lnTo>
+                    <a:cubicBezTo>
+                      <a:pt x="4027" y="10921"/>
+                      <a:pt x="4729" y="11064"/>
+                      <a:pt x="5420" y="11064"/>
+                    </a:cubicBezTo>
+                    <a:cubicBezTo>
+                      <a:pt x="7343" y="11064"/>
+                      <a:pt x="9179" y="9956"/>
+                      <a:pt x="10019" y="8087"/>
+                    </a:cubicBezTo>
+                    <a:cubicBezTo>
+                      <a:pt x="11162" y="5546"/>
+                      <a:pt x="10019" y="2566"/>
+                      <a:pt x="7487" y="1423"/>
+                    </a:cubicBezTo>
+                    <a:lnTo>
+                      <a:pt x="4307" y="1"/>
+                    </a:lnTo>
+                    <a:close/>
+                  </a:path>
+                </a:pathLst>
+              </a:custGeom>
+              <a:solidFill>
+                <a:schemeClr val="accent5"/>
+              </a:solidFill>
+              <a:ln w="38100" cap="flat" cmpd="sng">
+                <a:solidFill>
+                  <a:srgbClr val="000000"/>
+                </a:solidFill>
+                <a:prstDash val="solid"/>
+                <a:miter lim="7989"/>
+                <a:headEnd type="none" w="sm" len="sm"/>
+                <a:tailEnd type="none" w="sm" len="sm"/>
+              </a:ln>
+            </p:spPr>
+            <p:txBody>
+              <a:bodyPr spcFirstLastPara="1" wrap="square" lIns="91425" tIns="91425" rIns="91425" bIns="91425" anchor="ctr" anchorCtr="0">
+                <a:noAutofit/>
+              </a:bodyPr>
+              <a:lstStyle/>
+              <a:p>
+                <a:pPr marL="0" lvl="0" indent="0" algn="l" rtl="0">
+                  <a:spcBef>
+                    <a:spcPts val="0"/>
+                  </a:spcBef>
+                  <a:spcAft>
+                    <a:spcPts val="0"/>
+                  </a:spcAft>
+                  <a:buNone/>
+                </a:pPr>
+                <a:endParaRPr dirty="0"/>
+              </a:p>
+            </p:txBody>
+          </p:sp>
+          <p:sp>
+            <p:nvSpPr>
+              <p:cNvPr id="4913" name="Google Shape;4913;p108"/>
+              <p:cNvSpPr/>
+              <p:nvPr/>
+            </p:nvSpPr>
+            <p:spPr>
+              <a:xfrm>
+                <a:off x="1465000" y="899175"/>
+                <a:ext cx="735500" cy="735500"/>
+              </a:xfrm>
+              <a:custGeom>
+                <a:avLst/>
+                <a:gdLst/>
+                <a:ahLst/>
+                <a:cxnLst/>
+                <a:rect l="l" t="t" r="r" b="b"/>
+                <a:pathLst>
+                  <a:path w="29420" h="29420" extrusionOk="0">
+                    <a:moveTo>
+                      <a:pt x="14710" y="1"/>
+                    </a:moveTo>
+                    <a:cubicBezTo>
+                      <a:pt x="6585" y="1"/>
+                      <a:pt x="1" y="6584"/>
+                      <a:pt x="1" y="14710"/>
+                    </a:cubicBezTo>
+                    <a:cubicBezTo>
+                      <a:pt x="1" y="22836"/>
+                      <a:pt x="6585" y="29419"/>
+                      <a:pt x="14710" y="29419"/>
+                    </a:cubicBezTo>
+                    <a:cubicBezTo>
+                      <a:pt x="22836" y="29419"/>
+                      <a:pt x="29420" y="22836"/>
+                      <a:pt x="29420" y="14710"/>
+                    </a:cubicBezTo>
+                    <a:cubicBezTo>
+                      <a:pt x="29420" y="6584"/>
+                      <a:pt x="22836" y="1"/>
+                      <a:pt x="14710" y="1"/>
+                    </a:cubicBezTo>
+                    <a:close/>
+                  </a:path>
+                </a:pathLst>
+              </a:custGeom>
+              <a:solidFill>
+                <a:schemeClr val="accent5"/>
+              </a:solidFill>
+              <a:ln w="38100" cap="flat" cmpd="sng">
+                <a:solidFill>
+                  <a:srgbClr val="000000"/>
+                </a:solidFill>
+                <a:prstDash val="solid"/>
+                <a:miter lim="7989"/>
+                <a:headEnd type="none" w="sm" len="sm"/>
+                <a:tailEnd type="none" w="sm" len="sm"/>
+              </a:ln>
+            </p:spPr>
+            <p:txBody>
+              <a:bodyPr spcFirstLastPara="1" wrap="square" lIns="91425" tIns="91425" rIns="91425" bIns="91425" anchor="ctr" anchorCtr="0">
+                <a:noAutofit/>
+              </a:bodyPr>
+              <a:lstStyle/>
+              <a:p>
+                <a:pPr marL="0" lvl="0" indent="0" algn="l" rtl="0">
+                  <a:spcBef>
+                    <a:spcPts val="0"/>
+                  </a:spcBef>
+                  <a:spcAft>
+                    <a:spcPts val="0"/>
+                  </a:spcAft>
+                  <a:buNone/>
+                </a:pPr>
+                <a:endParaRPr dirty="0"/>
+              </a:p>
+            </p:txBody>
+          </p:sp>
+        </p:grpSp>
+        <p:sp>
+          <p:nvSpPr>
+            <p:cNvPr id="4914" name="Google Shape;4914;p108"/>
+            <p:cNvSpPr/>
+            <p:nvPr/>
+          </p:nvSpPr>
+          <p:spPr>
+            <a:xfrm>
+              <a:off x="-1638203" y="2140550"/>
+              <a:ext cx="480002" cy="449647"/>
+            </a:xfrm>
+            <a:custGeom>
+              <a:avLst/>
+              <a:gdLst/>
+              <a:ahLst/>
+              <a:cxnLst/>
+              <a:rect l="l" t="t" r="r" b="b"/>
+              <a:pathLst>
+                <a:path w="19640" h="18398" extrusionOk="0">
+                  <a:moveTo>
+                    <a:pt x="9820" y="0"/>
+                  </a:moveTo>
+                  <a:cubicBezTo>
+                    <a:pt x="8929" y="0"/>
+                    <a:pt x="8038" y="276"/>
+                    <a:pt x="7279" y="827"/>
+                  </a:cubicBezTo>
+                  <a:lnTo>
+                    <a:pt x="2149" y="4551"/>
+                  </a:lnTo>
+                  <a:cubicBezTo>
+                    <a:pt x="631" y="5653"/>
+                    <a:pt x="0" y="7603"/>
+                    <a:pt x="575" y="9384"/>
+                  </a:cubicBezTo>
+                  <a:lnTo>
+                    <a:pt x="2541" y="15409"/>
+                  </a:lnTo>
+                  <a:cubicBezTo>
+                    <a:pt x="3116" y="17191"/>
+                    <a:pt x="4778" y="18397"/>
+                    <a:pt x="6648" y="18397"/>
+                  </a:cubicBezTo>
+                  <a:lnTo>
+                    <a:pt x="12992" y="18397"/>
+                  </a:lnTo>
+                  <a:cubicBezTo>
+                    <a:pt x="14861" y="18397"/>
+                    <a:pt x="16523" y="17199"/>
+                    <a:pt x="17098" y="15409"/>
+                  </a:cubicBezTo>
+                  <a:lnTo>
+                    <a:pt x="19056" y="9384"/>
+                  </a:lnTo>
+                  <a:cubicBezTo>
+                    <a:pt x="19639" y="7603"/>
+                    <a:pt x="19008" y="5653"/>
+                    <a:pt x="17490" y="4551"/>
+                  </a:cubicBezTo>
+                  <a:lnTo>
+                    <a:pt x="12360" y="827"/>
+                  </a:lnTo>
+                  <a:cubicBezTo>
+                    <a:pt x="11601" y="276"/>
+                    <a:pt x="10711" y="0"/>
+                    <a:pt x="9820" y="0"/>
+                  </a:cubicBezTo>
+                  <a:close/>
+                </a:path>
+              </a:pathLst>
+            </a:custGeom>
+            <a:solidFill>
+              <a:schemeClr val="dk2"/>
+            </a:solidFill>
+            <a:ln w="38100" cap="flat" cmpd="sng">
+              <a:solidFill>
+                <a:srgbClr val="000000"/>
+              </a:solidFill>
+              <a:prstDash val="solid"/>
+              <a:round/>
+              <a:headEnd type="none" w="sm" len="sm"/>
+              <a:tailEnd type="none" w="sm" len="sm"/>
+            </a:ln>
+          </p:spPr>
+          <p:txBody>
+            <a:bodyPr spcFirstLastPara="1" wrap="square" lIns="91425" tIns="91425" rIns="91425" bIns="91425" anchor="ctr" anchorCtr="0">
+              <a:noAutofit/>
+            </a:bodyPr>
+            <a:lstStyle/>
+            <a:p>
+              <a:pPr marL="0" lvl="0" indent="0" algn="l" rtl="0">
+                <a:spcBef>
+                  <a:spcPts val="0"/>
+                </a:spcBef>
+                <a:spcAft>
+                  <a:spcPts val="0"/>
+                </a:spcAft>
+                <a:buNone/>
+              </a:pPr>
+              <a:endParaRPr dirty="0"/>
+            </a:p>
+          </p:txBody>
+        </p:sp>
+      </p:grpSp>
+      <p:grpSp>
+        <p:nvGrpSpPr>
+          <p:cNvPr id="4915" name="Google Shape;4915;p108"/>
+          <p:cNvGrpSpPr/>
+          <p:nvPr/>
+        </p:nvGrpSpPr>
+        <p:grpSpPr>
+          <a:xfrm rot="-900287" flipH="1">
+            <a:off x="7780125" y="391994"/>
+            <a:ext cx="780581" cy="972450"/>
+            <a:chOff x="-1778892" y="2016220"/>
+            <a:chExt cx="891846" cy="1111064"/>
+          </a:xfrm>
+        </p:grpSpPr>
+        <p:sp>
+          <p:nvSpPr>
+            <p:cNvPr id="4916" name="Google Shape;4916;p108"/>
+            <p:cNvSpPr/>
+            <p:nvPr/>
+          </p:nvSpPr>
+          <p:spPr>
+            <a:xfrm rot="-2403405" flipH="1">
+              <a:off x="-1713636" y="2739091"/>
+              <a:ext cx="323562" cy="320750"/>
+            </a:xfrm>
+            <a:custGeom>
+              <a:avLst/>
+              <a:gdLst/>
+              <a:ahLst/>
+              <a:cxnLst/>
+              <a:rect l="l" t="t" r="r" b="b"/>
+              <a:pathLst>
+                <a:path w="11162" h="11065" extrusionOk="0">
+                  <a:moveTo>
+                    <a:pt x="4307" y="1"/>
+                  </a:moveTo>
+                  <a:cubicBezTo>
+                    <a:pt x="3987" y="3556"/>
+                    <a:pt x="2405" y="6744"/>
+                    <a:pt x="0" y="9117"/>
+                  </a:cubicBezTo>
+                  <a:lnTo>
+                    <a:pt x="3356" y="10619"/>
+                  </a:lnTo>
+                  <a:cubicBezTo>
+                    <a:pt x="4027" y="10921"/>
+                    <a:pt x="4729" y="11064"/>
+                    <a:pt x="5420" y="11064"/>
+                  </a:cubicBezTo>
+                  <a:cubicBezTo>
+                    <a:pt x="7343" y="11064"/>
+                    <a:pt x="9179" y="9956"/>
+                    <a:pt x="10019" y="8087"/>
+                  </a:cubicBezTo>
+                  <a:cubicBezTo>
+                    <a:pt x="11162" y="5546"/>
+                    <a:pt x="10019" y="2566"/>
+                    <a:pt x="7487" y="1423"/>
+                  </a:cubicBezTo>
+                  <a:lnTo>
+                    <a:pt x="4307" y="1"/>
+                  </a:lnTo>
+                  <a:close/>
+                </a:path>
+              </a:pathLst>
+            </a:custGeom>
+            <a:solidFill>
+              <a:schemeClr val="accent6"/>
+            </a:solidFill>
+            <a:ln w="38100" cap="flat" cmpd="sng">
+              <a:solidFill>
+                <a:srgbClr val="000000"/>
+              </a:solidFill>
+              <a:prstDash val="solid"/>
+              <a:miter lim="7989"/>
+              <a:headEnd type="none" w="sm" len="sm"/>
+              <a:tailEnd type="none" w="sm" len="sm"/>
+            </a:ln>
+          </p:spPr>
+          <p:txBody>
+            <a:bodyPr spcFirstLastPara="1" wrap="square" lIns="91425" tIns="91425" rIns="91425" bIns="91425" anchor="ctr" anchorCtr="0">
+              <a:noAutofit/>
+            </a:bodyPr>
+            <a:lstStyle/>
+            <a:p>
+              <a:pPr marL="0" lvl="0" indent="0" algn="l" rtl="0">
+                <a:spcBef>
+                  <a:spcPts val="0"/>
+                </a:spcBef>
+                <a:spcAft>
+                  <a:spcPts val="0"/>
+                </a:spcAft>
+                <a:buNone/>
+              </a:pPr>
+              <a:endParaRPr dirty="0"/>
+            </a:p>
+          </p:txBody>
+        </p:sp>
+        <p:grpSp>
+          <p:nvGrpSpPr>
+            <p:cNvPr id="4917" name="Google Shape;4917;p108"/>
+            <p:cNvGrpSpPr/>
+            <p:nvPr/>
+          </p:nvGrpSpPr>
+          <p:grpSpPr>
+            <a:xfrm>
+              <a:off x="-1752744" y="2016220"/>
+              <a:ext cx="865698" cy="1111064"/>
+              <a:chOff x="1465000" y="899175"/>
+              <a:chExt cx="746613" cy="958227"/>
+            </a:xfrm>
+          </p:grpSpPr>
+          <p:sp>
+            <p:nvSpPr>
+              <p:cNvPr id="4918" name="Google Shape;4918;p108"/>
+              <p:cNvSpPr/>
+              <p:nvPr/>
+            </p:nvSpPr>
+            <p:spPr>
+              <a:xfrm rot="2547290">
+                <a:off x="1875788" y="1522865"/>
+                <a:ext cx="279046" cy="276621"/>
+              </a:xfrm>
+              <a:custGeom>
+                <a:avLst/>
+                <a:gdLst/>
+                <a:ahLst/>
+                <a:cxnLst/>
+                <a:rect l="l" t="t" r="r" b="b"/>
+                <a:pathLst>
+                  <a:path w="11162" h="11065" extrusionOk="0">
+                    <a:moveTo>
+                      <a:pt x="4307" y="1"/>
+                    </a:moveTo>
+                    <a:cubicBezTo>
+                      <a:pt x="3987" y="3556"/>
+                      <a:pt x="2405" y="6744"/>
+                      <a:pt x="0" y="9117"/>
+                    </a:cubicBezTo>
+                    <a:lnTo>
+                      <a:pt x="3356" y="10619"/>
+                    </a:lnTo>
+                    <a:cubicBezTo>
+                      <a:pt x="4027" y="10921"/>
+                      <a:pt x="4729" y="11064"/>
+                      <a:pt x="5420" y="11064"/>
+                    </a:cubicBezTo>
+                    <a:cubicBezTo>
+                      <a:pt x="7343" y="11064"/>
+                      <a:pt x="9179" y="9956"/>
+                      <a:pt x="10019" y="8087"/>
+                    </a:cubicBezTo>
+                    <a:cubicBezTo>
+                      <a:pt x="11162" y="5546"/>
+                      <a:pt x="10019" y="2566"/>
+                      <a:pt x="7487" y="1423"/>
+                    </a:cubicBezTo>
+                    <a:lnTo>
+                      <a:pt x="4307" y="1"/>
+                    </a:lnTo>
+                    <a:close/>
+                  </a:path>
+                </a:pathLst>
+              </a:custGeom>
+              <a:solidFill>
+                <a:schemeClr val="accent6"/>
+              </a:solidFill>
+              <a:ln w="38100" cap="flat" cmpd="sng">
+                <a:solidFill>
+                  <a:srgbClr val="000000"/>
+                </a:solidFill>
+                <a:prstDash val="solid"/>
+                <a:miter lim="7989"/>
+                <a:headEnd type="none" w="sm" len="sm"/>
+                <a:tailEnd type="none" w="sm" len="sm"/>
+              </a:ln>
+            </p:spPr>
+            <p:txBody>
+              <a:bodyPr spcFirstLastPara="1" wrap="square" lIns="91425" tIns="91425" rIns="91425" bIns="91425" anchor="ctr" anchorCtr="0">
+                <a:noAutofit/>
+              </a:bodyPr>
+              <a:lstStyle/>
+              <a:p>
+                <a:pPr marL="0" lvl="0" indent="0" algn="l" rtl="0">
+                  <a:spcBef>
+                    <a:spcPts val="0"/>
+                  </a:spcBef>
+                  <a:spcAft>
+                    <a:spcPts val="0"/>
+                  </a:spcAft>
+                  <a:buNone/>
+                </a:pPr>
+                <a:endParaRPr dirty="0"/>
+              </a:p>
+            </p:txBody>
+          </p:sp>
+          <p:sp>
+            <p:nvSpPr>
+              <p:cNvPr id="4919" name="Google Shape;4919;p108"/>
+              <p:cNvSpPr/>
+              <p:nvPr/>
+            </p:nvSpPr>
+            <p:spPr>
+              <a:xfrm>
+                <a:off x="1465000" y="899175"/>
+                <a:ext cx="735500" cy="735500"/>
+              </a:xfrm>
+              <a:custGeom>
+                <a:avLst/>
+                <a:gdLst/>
+                <a:ahLst/>
+                <a:cxnLst/>
+                <a:rect l="l" t="t" r="r" b="b"/>
+                <a:pathLst>
+                  <a:path w="29420" h="29420" extrusionOk="0">
+                    <a:moveTo>
+                      <a:pt x="14710" y="1"/>
+                    </a:moveTo>
+                    <a:cubicBezTo>
+                      <a:pt x="6585" y="1"/>
+                      <a:pt x="1" y="6584"/>
+                      <a:pt x="1" y="14710"/>
+                    </a:cubicBezTo>
+                    <a:cubicBezTo>
+                      <a:pt x="1" y="22836"/>
+                      <a:pt x="6585" y="29419"/>
+                      <a:pt x="14710" y="29419"/>
+                    </a:cubicBezTo>
+                    <a:cubicBezTo>
+                      <a:pt x="22836" y="29419"/>
+                      <a:pt x="29420" y="22836"/>
+                      <a:pt x="29420" y="14710"/>
+                    </a:cubicBezTo>
+                    <a:cubicBezTo>
+                      <a:pt x="29420" y="6584"/>
+                      <a:pt x="22836" y="1"/>
+                      <a:pt x="14710" y="1"/>
+                    </a:cubicBezTo>
+                    <a:close/>
+                  </a:path>
+                </a:pathLst>
+              </a:custGeom>
+              <a:solidFill>
+                <a:schemeClr val="accent6"/>
+              </a:solidFill>
+              <a:ln w="38100" cap="flat" cmpd="sng">
+                <a:solidFill>
+                  <a:srgbClr val="000000"/>
+                </a:solidFill>
+                <a:prstDash val="solid"/>
+                <a:miter lim="7989"/>
+                <a:headEnd type="none" w="sm" len="sm"/>
+                <a:tailEnd type="none" w="sm" len="sm"/>
+              </a:ln>
+            </p:spPr>
+            <p:txBody>
+              <a:bodyPr spcFirstLastPara="1" wrap="square" lIns="91425" tIns="91425" rIns="91425" bIns="91425" anchor="ctr" anchorCtr="0">
+                <a:noAutofit/>
+              </a:bodyPr>
+              <a:lstStyle/>
+              <a:p>
+                <a:pPr marL="0" lvl="0" indent="0" algn="l" rtl="0">
+                  <a:spcBef>
+                    <a:spcPts val="0"/>
+                  </a:spcBef>
+                  <a:spcAft>
+                    <a:spcPts val="0"/>
+                  </a:spcAft>
+                  <a:buNone/>
+                </a:pPr>
+                <a:endParaRPr dirty="0"/>
+              </a:p>
+            </p:txBody>
+          </p:sp>
+        </p:grpSp>
+        <p:sp>
+          <p:nvSpPr>
+            <p:cNvPr id="4920" name="Google Shape;4920;p108"/>
+            <p:cNvSpPr/>
+            <p:nvPr/>
+          </p:nvSpPr>
+          <p:spPr>
+            <a:xfrm>
+              <a:off x="-1638203" y="2140550"/>
+              <a:ext cx="480002" cy="449647"/>
+            </a:xfrm>
+            <a:custGeom>
+              <a:avLst/>
+              <a:gdLst/>
+              <a:ahLst/>
+              <a:cxnLst/>
+              <a:rect l="l" t="t" r="r" b="b"/>
+              <a:pathLst>
+                <a:path w="19640" h="18398" extrusionOk="0">
+                  <a:moveTo>
+                    <a:pt x="9820" y="0"/>
+                  </a:moveTo>
+                  <a:cubicBezTo>
+                    <a:pt x="8929" y="0"/>
+                    <a:pt x="8038" y="276"/>
+                    <a:pt x="7279" y="827"/>
+                  </a:cubicBezTo>
+                  <a:lnTo>
+                    <a:pt x="2149" y="4551"/>
+                  </a:lnTo>
+                  <a:cubicBezTo>
+                    <a:pt x="631" y="5653"/>
+                    <a:pt x="0" y="7603"/>
+                    <a:pt x="575" y="9384"/>
+                  </a:cubicBezTo>
+                  <a:lnTo>
+                    <a:pt x="2541" y="15409"/>
+                  </a:lnTo>
+                  <a:cubicBezTo>
+                    <a:pt x="3116" y="17191"/>
+                    <a:pt x="4778" y="18397"/>
+                    <a:pt x="6648" y="18397"/>
+                  </a:cubicBezTo>
+                  <a:lnTo>
+                    <a:pt x="12992" y="18397"/>
+                  </a:lnTo>
+                  <a:cubicBezTo>
+                    <a:pt x="14861" y="18397"/>
+                    <a:pt x="16523" y="17199"/>
+                    <a:pt x="17098" y="15409"/>
+                  </a:cubicBezTo>
+                  <a:lnTo>
+                    <a:pt x="19056" y="9384"/>
+                  </a:lnTo>
+                  <a:cubicBezTo>
+                    <a:pt x="19639" y="7603"/>
+                    <a:pt x="19008" y="5653"/>
+                    <a:pt x="17490" y="4551"/>
+                  </a:cubicBezTo>
+                  <a:lnTo>
+                    <a:pt x="12360" y="827"/>
+                  </a:lnTo>
+                  <a:cubicBezTo>
+                    <a:pt x="11601" y="276"/>
+                    <a:pt x="10711" y="0"/>
+                    <a:pt x="9820" y="0"/>
+                  </a:cubicBezTo>
+                  <a:close/>
+                </a:path>
+              </a:pathLst>
+            </a:custGeom>
+            <a:solidFill>
+              <a:schemeClr val="dk2"/>
+            </a:solidFill>
+            <a:ln w="38100" cap="flat" cmpd="sng">
+              <a:solidFill>
+                <a:srgbClr val="000000"/>
+              </a:solidFill>
+              <a:prstDash val="solid"/>
+              <a:round/>
+              <a:headEnd type="none" w="sm" len="sm"/>
+              <a:tailEnd type="none" w="sm" len="sm"/>
+            </a:ln>
+          </p:spPr>
+          <p:txBody>
+            <a:bodyPr spcFirstLastPara="1" wrap="square" lIns="91425" tIns="91425" rIns="91425" bIns="91425" anchor="ctr" anchorCtr="0">
+              <a:noAutofit/>
+            </a:bodyPr>
+            <a:lstStyle/>
+            <a:p>
+              <a:pPr marL="0" lvl="0" indent="0" algn="l" rtl="0">
+                <a:spcBef>
+                  <a:spcPts val="0"/>
+                </a:spcBef>
+                <a:spcAft>
+                  <a:spcPts val="0"/>
+                </a:spcAft>
+                <a:buNone/>
+              </a:pPr>
+              <a:endParaRPr dirty="0"/>
+            </a:p>
+          </p:txBody>
+        </p:sp>
+      </p:grpSp>
+      <p:grpSp>
+        <p:nvGrpSpPr>
+          <p:cNvPr id="4921" name="Google Shape;4921;p108"/>
+          <p:cNvGrpSpPr/>
+          <p:nvPr/>
+        </p:nvGrpSpPr>
+        <p:grpSpPr>
+          <a:xfrm rot="899398" flipH="1">
+            <a:off x="7177229" y="2143643"/>
+            <a:ext cx="758922" cy="945468"/>
+            <a:chOff x="-1778892" y="2016220"/>
+            <a:chExt cx="891846" cy="1111064"/>
+          </a:xfrm>
+        </p:grpSpPr>
+        <p:sp>
+          <p:nvSpPr>
+            <p:cNvPr id="4922" name="Google Shape;4922;p108"/>
+            <p:cNvSpPr/>
+            <p:nvPr/>
+          </p:nvSpPr>
+          <p:spPr>
+            <a:xfrm rot="-2403405" flipH="1">
+              <a:off x="-1713636" y="2739091"/>
+              <a:ext cx="323562" cy="320750"/>
+            </a:xfrm>
+            <a:custGeom>
+              <a:avLst/>
+              <a:gdLst/>
+              <a:ahLst/>
+              <a:cxnLst/>
+              <a:rect l="l" t="t" r="r" b="b"/>
+              <a:pathLst>
+                <a:path w="11162" h="11065" extrusionOk="0">
+                  <a:moveTo>
+                    <a:pt x="4307" y="1"/>
+                  </a:moveTo>
+                  <a:cubicBezTo>
+                    <a:pt x="3987" y="3556"/>
+                    <a:pt x="2405" y="6744"/>
+                    <a:pt x="0" y="9117"/>
+                  </a:cubicBezTo>
+                  <a:lnTo>
+                    <a:pt x="3356" y="10619"/>
+                  </a:lnTo>
+                  <a:cubicBezTo>
+                    <a:pt x="4027" y="10921"/>
+                    <a:pt x="4729" y="11064"/>
+                    <a:pt x="5420" y="11064"/>
+                  </a:cubicBezTo>
+                  <a:cubicBezTo>
+                    <a:pt x="7343" y="11064"/>
+                    <a:pt x="9179" y="9956"/>
+                    <a:pt x="10019" y="8087"/>
+                  </a:cubicBezTo>
+                  <a:cubicBezTo>
+                    <a:pt x="11162" y="5546"/>
+                    <a:pt x="10019" y="2566"/>
+                    <a:pt x="7487" y="1423"/>
+                  </a:cubicBezTo>
+                  <a:lnTo>
+                    <a:pt x="4307" y="1"/>
+                  </a:lnTo>
+                  <a:close/>
+                </a:path>
+              </a:pathLst>
+            </a:custGeom>
+            <a:solidFill>
+              <a:schemeClr val="accent4"/>
+            </a:solidFill>
+            <a:ln w="38100" cap="flat" cmpd="sng">
+              <a:solidFill>
+                <a:srgbClr val="000000"/>
+              </a:solidFill>
+              <a:prstDash val="solid"/>
+              <a:miter lim="7989"/>
+              <a:headEnd type="none" w="sm" len="sm"/>
+              <a:tailEnd type="none" w="sm" len="sm"/>
+            </a:ln>
+          </p:spPr>
+          <p:txBody>
+            <a:bodyPr spcFirstLastPara="1" wrap="square" lIns="91425" tIns="91425" rIns="91425" bIns="91425" anchor="ctr" anchorCtr="0">
+              <a:noAutofit/>
+            </a:bodyPr>
+            <a:lstStyle/>
+            <a:p>
+              <a:pPr marL="0" lvl="0" indent="0" algn="l" rtl="0">
+                <a:spcBef>
+                  <a:spcPts val="0"/>
+                </a:spcBef>
+                <a:spcAft>
+                  <a:spcPts val="0"/>
+                </a:spcAft>
+                <a:buNone/>
+              </a:pPr>
+              <a:endParaRPr dirty="0"/>
+            </a:p>
+          </p:txBody>
+        </p:sp>
+        <p:grpSp>
+          <p:nvGrpSpPr>
+            <p:cNvPr id="4923" name="Google Shape;4923;p108"/>
+            <p:cNvGrpSpPr/>
+            <p:nvPr/>
+          </p:nvGrpSpPr>
+          <p:grpSpPr>
+            <a:xfrm>
+              <a:off x="-1752744" y="2016220"/>
+              <a:ext cx="865698" cy="1111064"/>
+              <a:chOff x="1465000" y="899175"/>
+              <a:chExt cx="746613" cy="958227"/>
+            </a:xfrm>
+          </p:grpSpPr>
+          <p:sp>
+            <p:nvSpPr>
+              <p:cNvPr id="4924" name="Google Shape;4924;p108"/>
+              <p:cNvSpPr/>
+              <p:nvPr/>
+            </p:nvSpPr>
+            <p:spPr>
+              <a:xfrm rot="2547290">
+                <a:off x="1875788" y="1522865"/>
+                <a:ext cx="279046" cy="276621"/>
+              </a:xfrm>
+              <a:custGeom>
+                <a:avLst/>
+                <a:gdLst/>
+                <a:ahLst/>
+                <a:cxnLst/>
+                <a:rect l="l" t="t" r="r" b="b"/>
+                <a:pathLst>
+                  <a:path w="11162" h="11065" extrusionOk="0">
+                    <a:moveTo>
+                      <a:pt x="4307" y="1"/>
+                    </a:moveTo>
+                    <a:cubicBezTo>
+                      <a:pt x="3987" y="3556"/>
+                      <a:pt x="2405" y="6744"/>
+                      <a:pt x="0" y="9117"/>
+                    </a:cubicBezTo>
+                    <a:lnTo>
+                      <a:pt x="3356" y="10619"/>
+                    </a:lnTo>
+                    <a:cubicBezTo>
+                      <a:pt x="4027" y="10921"/>
+                      <a:pt x="4729" y="11064"/>
+                      <a:pt x="5420" y="11064"/>
+                    </a:cubicBezTo>
+                    <a:cubicBezTo>
+                      <a:pt x="7343" y="11064"/>
+                      <a:pt x="9179" y="9956"/>
+                      <a:pt x="10019" y="8087"/>
+                    </a:cubicBezTo>
+                    <a:cubicBezTo>
+                      <a:pt x="11162" y="5546"/>
+                      <a:pt x="10019" y="2566"/>
+                      <a:pt x="7487" y="1423"/>
+                    </a:cubicBezTo>
+                    <a:lnTo>
+                      <a:pt x="4307" y="1"/>
+                    </a:lnTo>
+                    <a:close/>
+                  </a:path>
+                </a:pathLst>
+              </a:custGeom>
+              <a:solidFill>
+                <a:schemeClr val="accent4"/>
+              </a:solidFill>
+              <a:ln w="38100" cap="flat" cmpd="sng">
+                <a:solidFill>
+                  <a:srgbClr val="000000"/>
+                </a:solidFill>
+                <a:prstDash val="solid"/>
+                <a:miter lim="7989"/>
+                <a:headEnd type="none" w="sm" len="sm"/>
+                <a:tailEnd type="none" w="sm" len="sm"/>
+              </a:ln>
+            </p:spPr>
+            <p:txBody>
+              <a:bodyPr spcFirstLastPara="1" wrap="square" lIns="91425" tIns="91425" rIns="91425" bIns="91425" anchor="ctr" anchorCtr="0">
+                <a:noAutofit/>
+              </a:bodyPr>
+              <a:lstStyle/>
+              <a:p>
+                <a:pPr marL="0" lvl="0" indent="0" algn="l" rtl="0">
+                  <a:spcBef>
+                    <a:spcPts val="0"/>
+                  </a:spcBef>
+                  <a:spcAft>
+                    <a:spcPts val="0"/>
+                  </a:spcAft>
+                  <a:buNone/>
+                </a:pPr>
+                <a:endParaRPr dirty="0"/>
+              </a:p>
+            </p:txBody>
+          </p:sp>
+          <p:sp>
+            <p:nvSpPr>
+              <p:cNvPr id="4925" name="Google Shape;4925;p108"/>
+              <p:cNvSpPr/>
+              <p:nvPr/>
+            </p:nvSpPr>
+            <p:spPr>
+              <a:xfrm>
+                <a:off x="1465000" y="899175"/>
+                <a:ext cx="735500" cy="735500"/>
+              </a:xfrm>
+              <a:custGeom>
+                <a:avLst/>
+                <a:gdLst/>
+                <a:ahLst/>
+                <a:cxnLst/>
+                <a:rect l="l" t="t" r="r" b="b"/>
+                <a:pathLst>
+                  <a:path w="29420" h="29420" extrusionOk="0">
+                    <a:moveTo>
+                      <a:pt x="14710" y="1"/>
+                    </a:moveTo>
+                    <a:cubicBezTo>
+                      <a:pt x="6585" y="1"/>
+                      <a:pt x="1" y="6584"/>
+                      <a:pt x="1" y="14710"/>
+                    </a:cubicBezTo>
+                    <a:cubicBezTo>
+                      <a:pt x="1" y="22836"/>
+                      <a:pt x="6585" y="29419"/>
+                      <a:pt x="14710" y="29419"/>
+                    </a:cubicBezTo>
+                    <a:cubicBezTo>
+                      <a:pt x="22836" y="29419"/>
+                      <a:pt x="29420" y="22836"/>
+                      <a:pt x="29420" y="14710"/>
+                    </a:cubicBezTo>
+                    <a:cubicBezTo>
+                      <a:pt x="29420" y="6584"/>
+                      <a:pt x="22836" y="1"/>
+                      <a:pt x="14710" y="1"/>
+                    </a:cubicBezTo>
+                    <a:close/>
+                  </a:path>
+                </a:pathLst>
+              </a:custGeom>
+              <a:solidFill>
+                <a:schemeClr val="accent4"/>
+              </a:solidFill>
+              <a:ln w="38100" cap="flat" cmpd="sng">
+                <a:solidFill>
+                  <a:srgbClr val="000000"/>
+                </a:solidFill>
+                <a:prstDash val="solid"/>
+                <a:miter lim="7989"/>
+                <a:headEnd type="none" w="sm" len="sm"/>
+                <a:tailEnd type="none" w="sm" len="sm"/>
+              </a:ln>
+            </p:spPr>
+            <p:txBody>
+              <a:bodyPr spcFirstLastPara="1" wrap="square" lIns="91425" tIns="91425" rIns="91425" bIns="91425" anchor="ctr" anchorCtr="0">
+                <a:noAutofit/>
+              </a:bodyPr>
+              <a:lstStyle/>
+              <a:p>
+                <a:pPr marL="0" lvl="0" indent="0" algn="l" rtl="0">
+                  <a:spcBef>
+                    <a:spcPts val="0"/>
+                  </a:spcBef>
+                  <a:spcAft>
+                    <a:spcPts val="0"/>
+                  </a:spcAft>
+                  <a:buNone/>
+                </a:pPr>
+                <a:endParaRPr dirty="0"/>
+              </a:p>
+            </p:txBody>
+          </p:sp>
+        </p:grpSp>
+        <p:sp>
+          <p:nvSpPr>
+            <p:cNvPr id="4926" name="Google Shape;4926;p108"/>
+            <p:cNvSpPr/>
+            <p:nvPr/>
+          </p:nvSpPr>
+          <p:spPr>
+            <a:xfrm>
+              <a:off x="-1481590" y="2140550"/>
+              <a:ext cx="480002" cy="449647"/>
+            </a:xfrm>
+            <a:custGeom>
+              <a:avLst/>
+              <a:gdLst/>
+              <a:ahLst/>
+              <a:cxnLst/>
+              <a:rect l="l" t="t" r="r" b="b"/>
+              <a:pathLst>
+                <a:path w="19640" h="18398" extrusionOk="0">
+                  <a:moveTo>
+                    <a:pt x="9820" y="0"/>
+                  </a:moveTo>
+                  <a:cubicBezTo>
+                    <a:pt x="8929" y="0"/>
+                    <a:pt x="8038" y="276"/>
+                    <a:pt x="7279" y="827"/>
+                  </a:cubicBezTo>
+                  <a:lnTo>
+                    <a:pt x="2149" y="4551"/>
+                  </a:lnTo>
+                  <a:cubicBezTo>
+                    <a:pt x="631" y="5653"/>
+                    <a:pt x="0" y="7603"/>
+                    <a:pt x="575" y="9384"/>
+                  </a:cubicBezTo>
+                  <a:lnTo>
+                    <a:pt x="2541" y="15409"/>
+                  </a:lnTo>
+                  <a:cubicBezTo>
+                    <a:pt x="3116" y="17191"/>
+                    <a:pt x="4778" y="18397"/>
+                    <a:pt x="6648" y="18397"/>
+                  </a:cubicBezTo>
+                  <a:lnTo>
+                    <a:pt x="12992" y="18397"/>
+                  </a:lnTo>
+                  <a:cubicBezTo>
+                    <a:pt x="14861" y="18397"/>
+                    <a:pt x="16523" y="17199"/>
+                    <a:pt x="17098" y="15409"/>
+                  </a:cubicBezTo>
+                  <a:lnTo>
+                    <a:pt x="19056" y="9384"/>
+                  </a:lnTo>
+                  <a:cubicBezTo>
+                    <a:pt x="19639" y="7603"/>
+                    <a:pt x="19008" y="5653"/>
+                    <a:pt x="17490" y="4551"/>
+                  </a:cubicBezTo>
+                  <a:lnTo>
+                    <a:pt x="12360" y="827"/>
+                  </a:lnTo>
+                  <a:cubicBezTo>
+                    <a:pt x="11601" y="276"/>
+                    <a:pt x="10711" y="0"/>
+                    <a:pt x="9820" y="0"/>
+                  </a:cubicBezTo>
+                  <a:close/>
+                </a:path>
+              </a:pathLst>
+            </a:custGeom>
+            <a:solidFill>
+              <a:schemeClr val="dk2"/>
+            </a:solidFill>
+            <a:ln w="38100" cap="flat" cmpd="sng">
+              <a:solidFill>
+                <a:srgbClr val="000000"/>
+              </a:solidFill>
+              <a:prstDash val="solid"/>
+              <a:round/>
+              <a:headEnd type="none" w="sm" len="sm"/>
+              <a:tailEnd type="none" w="sm" len="sm"/>
+            </a:ln>
+          </p:spPr>
+          <p:txBody>
+            <a:bodyPr spcFirstLastPara="1" wrap="square" lIns="91425" tIns="91425" rIns="91425" bIns="91425" anchor="ctr" anchorCtr="0">
+              <a:noAutofit/>
+            </a:bodyPr>
+            <a:lstStyle/>
+            <a:p>
+              <a:pPr marL="0" lvl="0" indent="0" algn="l" rtl="0">
+                <a:spcBef>
+                  <a:spcPts val="0"/>
+                </a:spcBef>
+                <a:spcAft>
+                  <a:spcPts val="0"/>
+                </a:spcAft>
+                <a:buNone/>
+              </a:pPr>
+              <a:endParaRPr dirty="0"/>
+            </a:p>
+          </p:txBody>
+        </p:sp>
+      </p:grpSp>
+      <p:grpSp>
+        <p:nvGrpSpPr>
+          <p:cNvPr id="4927" name="Google Shape;4927;p108"/>
+          <p:cNvGrpSpPr/>
+          <p:nvPr/>
+        </p:nvGrpSpPr>
+        <p:grpSpPr>
+          <a:xfrm rot="752623" flipH="1">
+            <a:off x="7763844" y="3585725"/>
+            <a:ext cx="780626" cy="972507"/>
+            <a:chOff x="-1778892" y="2016220"/>
+            <a:chExt cx="891846" cy="1111064"/>
+          </a:xfrm>
+        </p:grpSpPr>
+        <p:sp>
+          <p:nvSpPr>
+            <p:cNvPr id="4928" name="Google Shape;4928;p108"/>
+            <p:cNvSpPr/>
+            <p:nvPr/>
+          </p:nvSpPr>
+          <p:spPr>
+            <a:xfrm rot="-2403405" flipH="1">
+              <a:off x="-1713636" y="2739091"/>
+              <a:ext cx="323562" cy="320750"/>
+            </a:xfrm>
+            <a:custGeom>
+              <a:avLst/>
+              <a:gdLst/>
+              <a:ahLst/>
+              <a:cxnLst/>
+              <a:rect l="l" t="t" r="r" b="b"/>
+              <a:pathLst>
+                <a:path w="11162" h="11065" extrusionOk="0">
+                  <a:moveTo>
+                    <a:pt x="4307" y="1"/>
+                  </a:moveTo>
+                  <a:cubicBezTo>
+                    <a:pt x="3987" y="3556"/>
+                    <a:pt x="2405" y="6744"/>
+                    <a:pt x="0" y="9117"/>
+                  </a:cubicBezTo>
+                  <a:lnTo>
+                    <a:pt x="3356" y="10619"/>
+                  </a:lnTo>
+                  <a:cubicBezTo>
+                    <a:pt x="4027" y="10921"/>
+                    <a:pt x="4729" y="11064"/>
+                    <a:pt x="5420" y="11064"/>
+                  </a:cubicBezTo>
+                  <a:cubicBezTo>
+                    <a:pt x="7343" y="11064"/>
+                    <a:pt x="9179" y="9956"/>
+                    <a:pt x="10019" y="8087"/>
+                  </a:cubicBezTo>
+                  <a:cubicBezTo>
+                    <a:pt x="11162" y="5546"/>
+                    <a:pt x="10019" y="2566"/>
+                    <a:pt x="7487" y="1423"/>
+                  </a:cubicBezTo>
+                  <a:lnTo>
+                    <a:pt x="4307" y="1"/>
+                  </a:lnTo>
+                  <a:close/>
+                </a:path>
+              </a:pathLst>
+            </a:custGeom>
+            <a:solidFill>
+              <a:schemeClr val="accent2"/>
+            </a:solidFill>
+            <a:ln w="38100" cap="flat" cmpd="sng">
+              <a:solidFill>
+                <a:srgbClr val="000000"/>
+              </a:solidFill>
+              <a:prstDash val="solid"/>
+              <a:miter lim="7989"/>
+              <a:headEnd type="none" w="sm" len="sm"/>
+              <a:tailEnd type="none" w="sm" len="sm"/>
+            </a:ln>
+          </p:spPr>
+          <p:txBody>
+            <a:bodyPr spcFirstLastPara="1" wrap="square" lIns="91425" tIns="91425" rIns="91425" bIns="91425" anchor="ctr" anchorCtr="0">
+              <a:noAutofit/>
+            </a:bodyPr>
+            <a:lstStyle/>
+            <a:p>
+              <a:pPr marL="0" lvl="0" indent="0" algn="l" rtl="0">
+                <a:spcBef>
+                  <a:spcPts val="0"/>
+                </a:spcBef>
+                <a:spcAft>
+                  <a:spcPts val="0"/>
+                </a:spcAft>
+                <a:buNone/>
+              </a:pPr>
+              <a:endParaRPr dirty="0"/>
+            </a:p>
+          </p:txBody>
+        </p:sp>
+        <p:grpSp>
+          <p:nvGrpSpPr>
+            <p:cNvPr id="4929" name="Google Shape;4929;p108"/>
+            <p:cNvGrpSpPr/>
+            <p:nvPr/>
+          </p:nvGrpSpPr>
+          <p:grpSpPr>
+            <a:xfrm>
+              <a:off x="-1752744" y="2016220"/>
+              <a:ext cx="865698" cy="1111064"/>
+              <a:chOff x="1465000" y="899175"/>
+              <a:chExt cx="746613" cy="958227"/>
+            </a:xfrm>
+          </p:grpSpPr>
+          <p:sp>
+            <p:nvSpPr>
+              <p:cNvPr id="4930" name="Google Shape;4930;p108"/>
+              <p:cNvSpPr/>
+              <p:nvPr/>
+            </p:nvSpPr>
+            <p:spPr>
+              <a:xfrm rot="2547290">
+                <a:off x="1875788" y="1522865"/>
+                <a:ext cx="279046" cy="276621"/>
+              </a:xfrm>
+              <a:custGeom>
+                <a:avLst/>
+                <a:gdLst/>
+                <a:ahLst/>
+                <a:cxnLst/>
+                <a:rect l="l" t="t" r="r" b="b"/>
+                <a:pathLst>
+                  <a:path w="11162" h="11065" extrusionOk="0">
+                    <a:moveTo>
+                      <a:pt x="4307" y="1"/>
+                    </a:moveTo>
+                    <a:cubicBezTo>
+                      <a:pt x="3987" y="3556"/>
+                      <a:pt x="2405" y="6744"/>
+                      <a:pt x="0" y="9117"/>
+                    </a:cubicBezTo>
+                    <a:lnTo>
+                      <a:pt x="3356" y="10619"/>
+                    </a:lnTo>
+                    <a:cubicBezTo>
+                      <a:pt x="4027" y="10921"/>
+                      <a:pt x="4729" y="11064"/>
+                      <a:pt x="5420" y="11064"/>
+                    </a:cubicBezTo>
+                    <a:cubicBezTo>
+                      <a:pt x="7343" y="11064"/>
+                      <a:pt x="9179" y="9956"/>
+                      <a:pt x="10019" y="8087"/>
+                    </a:cubicBezTo>
+                    <a:cubicBezTo>
+                      <a:pt x="11162" y="5546"/>
+                      <a:pt x="10019" y="2566"/>
+                      <a:pt x="7487" y="1423"/>
+                    </a:cubicBezTo>
+                    <a:lnTo>
+                      <a:pt x="4307" y="1"/>
+                    </a:lnTo>
+                    <a:close/>
+                  </a:path>
+                </a:pathLst>
+              </a:custGeom>
+              <a:solidFill>
+                <a:schemeClr val="accent2"/>
+              </a:solidFill>
+              <a:ln w="38100" cap="flat" cmpd="sng">
+                <a:solidFill>
+                  <a:srgbClr val="000000"/>
+                </a:solidFill>
+                <a:prstDash val="solid"/>
+                <a:miter lim="7989"/>
+                <a:headEnd type="none" w="sm" len="sm"/>
+                <a:tailEnd type="none" w="sm" len="sm"/>
+              </a:ln>
+            </p:spPr>
+            <p:txBody>
+              <a:bodyPr spcFirstLastPara="1" wrap="square" lIns="91425" tIns="91425" rIns="91425" bIns="91425" anchor="ctr" anchorCtr="0">
+                <a:noAutofit/>
+              </a:bodyPr>
+              <a:lstStyle/>
+              <a:p>
+                <a:pPr marL="0" lvl="0" indent="0" algn="l" rtl="0">
+                  <a:spcBef>
+                    <a:spcPts val="0"/>
+                  </a:spcBef>
+                  <a:spcAft>
+                    <a:spcPts val="0"/>
+                  </a:spcAft>
+                  <a:buNone/>
+                </a:pPr>
+                <a:endParaRPr dirty="0"/>
+              </a:p>
+            </p:txBody>
+          </p:sp>
+          <p:sp>
+            <p:nvSpPr>
+              <p:cNvPr id="4931" name="Google Shape;4931;p108"/>
+              <p:cNvSpPr/>
+              <p:nvPr/>
+            </p:nvSpPr>
+            <p:spPr>
+              <a:xfrm>
+                <a:off x="1465000" y="899175"/>
+                <a:ext cx="735500" cy="735500"/>
+              </a:xfrm>
+              <a:custGeom>
+                <a:avLst/>
+                <a:gdLst/>
+                <a:ahLst/>
+                <a:cxnLst/>
+                <a:rect l="l" t="t" r="r" b="b"/>
+                <a:pathLst>
+                  <a:path w="29420" h="29420" extrusionOk="0">
+                    <a:moveTo>
+                      <a:pt x="14710" y="1"/>
+                    </a:moveTo>
+                    <a:cubicBezTo>
+                      <a:pt x="6585" y="1"/>
+                      <a:pt x="1" y="6584"/>
+                      <a:pt x="1" y="14710"/>
+                    </a:cubicBezTo>
+                    <a:cubicBezTo>
+                      <a:pt x="1" y="22836"/>
+                      <a:pt x="6585" y="29419"/>
+                      <a:pt x="14710" y="29419"/>
+                    </a:cubicBezTo>
+                    <a:cubicBezTo>
+                      <a:pt x="22836" y="29419"/>
+                      <a:pt x="29420" y="22836"/>
+                      <a:pt x="29420" y="14710"/>
+                    </a:cubicBezTo>
+                    <a:cubicBezTo>
+                      <a:pt x="29420" y="6584"/>
+                      <a:pt x="22836" y="1"/>
+                      <a:pt x="14710" y="1"/>
+                    </a:cubicBezTo>
+                    <a:close/>
+                  </a:path>
+                </a:pathLst>
+              </a:custGeom>
+              <a:solidFill>
+                <a:schemeClr val="accent2"/>
+              </a:solidFill>
+              <a:ln w="38100" cap="flat" cmpd="sng">
+                <a:solidFill>
+                  <a:srgbClr val="000000"/>
+                </a:solidFill>
+                <a:prstDash val="solid"/>
+                <a:miter lim="7989"/>
+                <a:headEnd type="none" w="sm" len="sm"/>
+                <a:tailEnd type="none" w="sm" len="sm"/>
+              </a:ln>
+            </p:spPr>
+            <p:txBody>
+              <a:bodyPr spcFirstLastPara="1" wrap="square" lIns="91425" tIns="91425" rIns="91425" bIns="91425" anchor="ctr" anchorCtr="0">
+                <a:noAutofit/>
+              </a:bodyPr>
+              <a:lstStyle/>
+              <a:p>
+                <a:pPr marL="0" lvl="0" indent="0" algn="l" rtl="0">
+                  <a:spcBef>
+                    <a:spcPts val="0"/>
+                  </a:spcBef>
+                  <a:spcAft>
+                    <a:spcPts val="0"/>
+                  </a:spcAft>
+                  <a:buNone/>
+                </a:pPr>
+                <a:endParaRPr dirty="0"/>
+              </a:p>
+            </p:txBody>
+          </p:sp>
+        </p:grpSp>
+        <p:sp>
+          <p:nvSpPr>
+            <p:cNvPr id="4932" name="Google Shape;4932;p108"/>
+            <p:cNvSpPr/>
+            <p:nvPr/>
+          </p:nvSpPr>
+          <p:spPr>
+            <a:xfrm>
+              <a:off x="-1481590" y="2140550"/>
+              <a:ext cx="480002" cy="449647"/>
+            </a:xfrm>
+            <a:custGeom>
+              <a:avLst/>
+              <a:gdLst/>
+              <a:ahLst/>
+              <a:cxnLst/>
+              <a:rect l="l" t="t" r="r" b="b"/>
+              <a:pathLst>
+                <a:path w="19640" h="18398" extrusionOk="0">
+                  <a:moveTo>
+                    <a:pt x="9820" y="0"/>
+                  </a:moveTo>
+                  <a:cubicBezTo>
+                    <a:pt x="8929" y="0"/>
+                    <a:pt x="8038" y="276"/>
+                    <a:pt x="7279" y="827"/>
+                  </a:cubicBezTo>
+                  <a:lnTo>
+                    <a:pt x="2149" y="4551"/>
+                  </a:lnTo>
+                  <a:cubicBezTo>
+                    <a:pt x="631" y="5653"/>
+                    <a:pt x="0" y="7603"/>
+                    <a:pt x="575" y="9384"/>
+                  </a:cubicBezTo>
+                  <a:lnTo>
+                    <a:pt x="2541" y="15409"/>
+                  </a:lnTo>
+                  <a:cubicBezTo>
+                    <a:pt x="3116" y="17191"/>
+                    <a:pt x="4778" y="18397"/>
+                    <a:pt x="6648" y="18397"/>
+                  </a:cubicBezTo>
+                  <a:lnTo>
+                    <a:pt x="12992" y="18397"/>
+                  </a:lnTo>
+                  <a:cubicBezTo>
+                    <a:pt x="14861" y="18397"/>
+                    <a:pt x="16523" y="17199"/>
+                    <a:pt x="17098" y="15409"/>
+                  </a:cubicBezTo>
+                  <a:lnTo>
+                    <a:pt x="19056" y="9384"/>
+                  </a:lnTo>
+                  <a:cubicBezTo>
+                    <a:pt x="19639" y="7603"/>
+                    <a:pt x="19008" y="5653"/>
+                    <a:pt x="17490" y="4551"/>
+                  </a:cubicBezTo>
+                  <a:lnTo>
+                    <a:pt x="12360" y="827"/>
+                  </a:lnTo>
+                  <a:cubicBezTo>
+                    <a:pt x="11601" y="276"/>
+                    <a:pt x="10711" y="0"/>
+                    <a:pt x="9820" y="0"/>
+                  </a:cubicBezTo>
+                  <a:close/>
+                </a:path>
+              </a:pathLst>
+            </a:custGeom>
+            <a:solidFill>
+              <a:schemeClr val="dk2"/>
+            </a:solidFill>
+            <a:ln w="38100" cap="flat" cmpd="sng">
+              <a:solidFill>
+                <a:srgbClr val="000000"/>
+              </a:solidFill>
+              <a:prstDash val="solid"/>
+              <a:round/>
+              <a:headEnd type="none" w="sm" len="sm"/>
+              <a:tailEnd type="none" w="sm" len="sm"/>
+            </a:ln>
+          </p:spPr>
+          <p:txBody>
+            <a:bodyPr spcFirstLastPara="1" wrap="square" lIns="91425" tIns="91425" rIns="91425" bIns="91425" anchor="ctr" anchorCtr="0">
+              <a:noAutofit/>
+            </a:bodyPr>
+            <a:lstStyle/>
+            <a:p>
+              <a:pPr marL="0" lvl="0" indent="0" algn="l" rtl="0">
+                <a:spcBef>
+                  <a:spcPts val="0"/>
+                </a:spcBef>
+                <a:spcAft>
+                  <a:spcPts val="0"/>
+                </a:spcAft>
+                <a:buNone/>
+              </a:pPr>
+              <a:endParaRPr dirty="0"/>
+            </a:p>
+          </p:txBody>
+        </p:sp>
+      </p:grpSp>
+      <p:grpSp>
+        <p:nvGrpSpPr>
+          <p:cNvPr id="4933" name="Google Shape;4933;p108"/>
+          <p:cNvGrpSpPr/>
+          <p:nvPr/>
+        </p:nvGrpSpPr>
+        <p:grpSpPr>
+          <a:xfrm rot="1049909">
+            <a:off x="1275919" y="2144479"/>
+            <a:ext cx="757539" cy="943779"/>
+            <a:chOff x="-1778892" y="2016220"/>
+            <a:chExt cx="891846" cy="1111064"/>
+          </a:xfrm>
+        </p:grpSpPr>
+        <p:sp>
+          <p:nvSpPr>
+            <p:cNvPr id="4934" name="Google Shape;4934;p108"/>
+            <p:cNvSpPr/>
+            <p:nvPr/>
+          </p:nvSpPr>
+          <p:spPr>
+            <a:xfrm rot="-2403405" flipH="1">
+              <a:off x="-1713636" y="2739091"/>
+              <a:ext cx="323562" cy="320750"/>
+            </a:xfrm>
+            <a:custGeom>
+              <a:avLst/>
+              <a:gdLst/>
+              <a:ahLst/>
+              <a:cxnLst/>
+              <a:rect l="l" t="t" r="r" b="b"/>
+              <a:pathLst>
+                <a:path w="11162" h="11065" extrusionOk="0">
+                  <a:moveTo>
+                    <a:pt x="4307" y="1"/>
+                  </a:moveTo>
+                  <a:cubicBezTo>
+                    <a:pt x="3987" y="3556"/>
+                    <a:pt x="2405" y="6744"/>
+                    <a:pt x="0" y="9117"/>
+                  </a:cubicBezTo>
+                  <a:lnTo>
+                    <a:pt x="3356" y="10619"/>
+                  </a:lnTo>
+                  <a:cubicBezTo>
+                    <a:pt x="4027" y="10921"/>
+                    <a:pt x="4729" y="11064"/>
+                    <a:pt x="5420" y="11064"/>
+                  </a:cubicBezTo>
+                  <a:cubicBezTo>
+                    <a:pt x="7343" y="11064"/>
+                    <a:pt x="9179" y="9956"/>
+                    <a:pt x="10019" y="8087"/>
+                  </a:cubicBezTo>
+                  <a:cubicBezTo>
+                    <a:pt x="11162" y="5546"/>
+                    <a:pt x="10019" y="2566"/>
+                    <a:pt x="7487" y="1423"/>
+                  </a:cubicBezTo>
+                  <a:lnTo>
+                    <a:pt x="4307" y="1"/>
+                  </a:lnTo>
+                  <a:close/>
+                </a:path>
+              </a:pathLst>
+            </a:custGeom>
+            <a:solidFill>
+              <a:schemeClr val="accent1"/>
+            </a:solidFill>
+            <a:ln w="38100" cap="flat" cmpd="sng">
+              <a:solidFill>
+                <a:srgbClr val="000000"/>
+              </a:solidFill>
+              <a:prstDash val="solid"/>
+              <a:miter lim="7989"/>
+              <a:headEnd type="none" w="sm" len="sm"/>
+              <a:tailEnd type="none" w="sm" len="sm"/>
+            </a:ln>
+          </p:spPr>
+          <p:txBody>
+            <a:bodyPr spcFirstLastPara="1" wrap="square" lIns="91425" tIns="91425" rIns="91425" bIns="91425" anchor="ctr" anchorCtr="0">
+              <a:noAutofit/>
+            </a:bodyPr>
+            <a:lstStyle/>
+            <a:p>
+              <a:pPr marL="0" lvl="0" indent="0" algn="l" rtl="0">
+                <a:spcBef>
+                  <a:spcPts val="0"/>
+                </a:spcBef>
+                <a:spcAft>
+                  <a:spcPts val="0"/>
+                </a:spcAft>
+                <a:buNone/>
+              </a:pPr>
+              <a:endParaRPr dirty="0"/>
+            </a:p>
+          </p:txBody>
+        </p:sp>
+        <p:grpSp>
+          <p:nvGrpSpPr>
+            <p:cNvPr id="4935" name="Google Shape;4935;p108"/>
+            <p:cNvGrpSpPr/>
+            <p:nvPr/>
+          </p:nvGrpSpPr>
+          <p:grpSpPr>
+            <a:xfrm>
+              <a:off x="-1752744" y="2016220"/>
+              <a:ext cx="865698" cy="1111064"/>
+              <a:chOff x="1465000" y="899175"/>
+              <a:chExt cx="746613" cy="958227"/>
+            </a:xfrm>
+          </p:grpSpPr>
+          <p:sp>
+            <p:nvSpPr>
+              <p:cNvPr id="4936" name="Google Shape;4936;p108"/>
+              <p:cNvSpPr/>
+              <p:nvPr/>
+            </p:nvSpPr>
+            <p:spPr>
+              <a:xfrm rot="2547290">
+                <a:off x="1875788" y="1522865"/>
+                <a:ext cx="279046" cy="276621"/>
+              </a:xfrm>
+              <a:custGeom>
+                <a:avLst/>
+                <a:gdLst/>
+                <a:ahLst/>
+                <a:cxnLst/>
+                <a:rect l="l" t="t" r="r" b="b"/>
+                <a:pathLst>
+                  <a:path w="11162" h="11065" extrusionOk="0">
+                    <a:moveTo>
+                      <a:pt x="4307" y="1"/>
+                    </a:moveTo>
+                    <a:cubicBezTo>
+                      <a:pt x="3987" y="3556"/>
+                      <a:pt x="2405" y="6744"/>
+                      <a:pt x="0" y="9117"/>
+                    </a:cubicBezTo>
+                    <a:lnTo>
+                      <a:pt x="3356" y="10619"/>
+                    </a:lnTo>
+                    <a:cubicBezTo>
+                      <a:pt x="4027" y="10921"/>
+                      <a:pt x="4729" y="11064"/>
+                      <a:pt x="5420" y="11064"/>
+                    </a:cubicBezTo>
+                    <a:cubicBezTo>
+                      <a:pt x="7343" y="11064"/>
+                      <a:pt x="9179" y="9956"/>
+                      <a:pt x="10019" y="8087"/>
+                    </a:cubicBezTo>
+                    <a:cubicBezTo>
+                      <a:pt x="11162" y="5546"/>
+                      <a:pt x="10019" y="2566"/>
+                      <a:pt x="7487" y="1423"/>
+                    </a:cubicBezTo>
+                    <a:lnTo>
+                      <a:pt x="4307" y="1"/>
+                    </a:lnTo>
+                    <a:close/>
+                  </a:path>
+                </a:pathLst>
+              </a:custGeom>
+              <a:solidFill>
+                <a:schemeClr val="accent1"/>
+              </a:solidFill>
+              <a:ln w="38100" cap="flat" cmpd="sng">
+                <a:solidFill>
+                  <a:srgbClr val="000000"/>
+                </a:solidFill>
+                <a:prstDash val="solid"/>
+                <a:miter lim="7989"/>
+                <a:headEnd type="none" w="sm" len="sm"/>
+                <a:tailEnd type="none" w="sm" len="sm"/>
+              </a:ln>
+            </p:spPr>
+            <p:txBody>
+              <a:bodyPr spcFirstLastPara="1" wrap="square" lIns="91425" tIns="91425" rIns="91425" bIns="91425" anchor="ctr" anchorCtr="0">
+                <a:noAutofit/>
+              </a:bodyPr>
+              <a:lstStyle/>
+              <a:p>
+                <a:pPr marL="0" lvl="0" indent="0" algn="l" rtl="0">
+                  <a:spcBef>
+                    <a:spcPts val="0"/>
+                  </a:spcBef>
+                  <a:spcAft>
+                    <a:spcPts val="0"/>
+                  </a:spcAft>
+                  <a:buNone/>
+                </a:pPr>
+                <a:endParaRPr dirty="0"/>
+              </a:p>
+            </p:txBody>
+          </p:sp>
+          <p:sp>
+            <p:nvSpPr>
+              <p:cNvPr id="4937" name="Google Shape;4937;p108"/>
+              <p:cNvSpPr/>
+              <p:nvPr/>
+            </p:nvSpPr>
+            <p:spPr>
+              <a:xfrm>
+                <a:off x="1465000" y="899175"/>
+                <a:ext cx="735500" cy="735500"/>
+              </a:xfrm>
+              <a:custGeom>
+                <a:avLst/>
+                <a:gdLst/>
+                <a:ahLst/>
+                <a:cxnLst/>
+                <a:rect l="l" t="t" r="r" b="b"/>
+                <a:pathLst>
+                  <a:path w="29420" h="29420" extrusionOk="0">
+                    <a:moveTo>
+                      <a:pt x="14710" y="1"/>
+                    </a:moveTo>
+                    <a:cubicBezTo>
+                      <a:pt x="6585" y="1"/>
+                      <a:pt x="1" y="6584"/>
+                      <a:pt x="1" y="14710"/>
+                    </a:cubicBezTo>
+                    <a:cubicBezTo>
+                      <a:pt x="1" y="22836"/>
+                      <a:pt x="6585" y="29419"/>
+                      <a:pt x="14710" y="29419"/>
+                    </a:cubicBezTo>
+                    <a:cubicBezTo>
+                      <a:pt x="22836" y="29419"/>
+                      <a:pt x="29420" y="22836"/>
+                      <a:pt x="29420" y="14710"/>
+                    </a:cubicBezTo>
+                    <a:cubicBezTo>
+                      <a:pt x="29420" y="6584"/>
+                      <a:pt x="22836" y="1"/>
+                      <a:pt x="14710" y="1"/>
+                    </a:cubicBezTo>
+                    <a:close/>
+                  </a:path>
+                </a:pathLst>
+              </a:custGeom>
+              <a:solidFill>
+                <a:schemeClr val="accent1"/>
+              </a:solidFill>
+              <a:ln w="38100" cap="flat" cmpd="sng">
+                <a:solidFill>
+                  <a:srgbClr val="000000"/>
+                </a:solidFill>
+                <a:prstDash val="solid"/>
+                <a:miter lim="7989"/>
+                <a:headEnd type="none" w="sm" len="sm"/>
+                <a:tailEnd type="none" w="sm" len="sm"/>
+              </a:ln>
+            </p:spPr>
+            <p:txBody>
+              <a:bodyPr spcFirstLastPara="1" wrap="square" lIns="91425" tIns="91425" rIns="91425" bIns="91425" anchor="ctr" anchorCtr="0">
+                <a:noAutofit/>
+              </a:bodyPr>
+              <a:lstStyle/>
+              <a:p>
+                <a:pPr marL="0" lvl="0" indent="0" algn="l" rtl="0">
+                  <a:spcBef>
+                    <a:spcPts val="0"/>
+                  </a:spcBef>
+                  <a:spcAft>
+                    <a:spcPts val="0"/>
+                  </a:spcAft>
+                  <a:buNone/>
+                </a:pPr>
+                <a:endParaRPr dirty="0"/>
+              </a:p>
+            </p:txBody>
+          </p:sp>
+        </p:grpSp>
+        <p:sp>
+          <p:nvSpPr>
+            <p:cNvPr id="4938" name="Google Shape;4938;p108"/>
+            <p:cNvSpPr/>
+            <p:nvPr/>
+          </p:nvSpPr>
+          <p:spPr>
+            <a:xfrm>
+              <a:off x="-1638203" y="2140550"/>
+              <a:ext cx="480002" cy="449647"/>
+            </a:xfrm>
+            <a:custGeom>
+              <a:avLst/>
+              <a:gdLst/>
+              <a:ahLst/>
+              <a:cxnLst/>
+              <a:rect l="l" t="t" r="r" b="b"/>
+              <a:pathLst>
+                <a:path w="19640" h="18398" extrusionOk="0">
+                  <a:moveTo>
+                    <a:pt x="9820" y="0"/>
+                  </a:moveTo>
+                  <a:cubicBezTo>
+                    <a:pt x="8929" y="0"/>
+                    <a:pt x="8038" y="276"/>
+                    <a:pt x="7279" y="827"/>
+                  </a:cubicBezTo>
+                  <a:lnTo>
+                    <a:pt x="2149" y="4551"/>
+                  </a:lnTo>
+                  <a:cubicBezTo>
+                    <a:pt x="631" y="5653"/>
+                    <a:pt x="0" y="7603"/>
+                    <a:pt x="575" y="9384"/>
+                  </a:cubicBezTo>
+                  <a:lnTo>
+                    <a:pt x="2541" y="15409"/>
+                  </a:lnTo>
+                  <a:cubicBezTo>
+                    <a:pt x="3116" y="17191"/>
+                    <a:pt x="4778" y="18397"/>
+                    <a:pt x="6648" y="18397"/>
+                  </a:cubicBezTo>
+                  <a:lnTo>
+                    <a:pt x="12992" y="18397"/>
+                  </a:lnTo>
+                  <a:cubicBezTo>
+                    <a:pt x="14861" y="18397"/>
+                    <a:pt x="16523" y="17199"/>
+                    <a:pt x="17098" y="15409"/>
+                  </a:cubicBezTo>
+                  <a:lnTo>
+                    <a:pt x="19056" y="9384"/>
+                  </a:lnTo>
+                  <a:cubicBezTo>
+                    <a:pt x="19639" y="7603"/>
+                    <a:pt x="19008" y="5653"/>
+                    <a:pt x="17490" y="4551"/>
+                  </a:cubicBezTo>
+                  <a:lnTo>
+                    <a:pt x="12360" y="827"/>
+                  </a:lnTo>
+                  <a:cubicBezTo>
+                    <a:pt x="11601" y="276"/>
+                    <a:pt x="10711" y="0"/>
+                    <a:pt x="9820" y="0"/>
+                  </a:cubicBezTo>
+                  <a:close/>
+                </a:path>
+              </a:pathLst>
+            </a:custGeom>
+            <a:solidFill>
+              <a:schemeClr val="dk2"/>
+            </a:solidFill>
+            <a:ln w="38100" cap="flat" cmpd="sng">
+              <a:solidFill>
+                <a:srgbClr val="000000"/>
+              </a:solidFill>
+              <a:prstDash val="solid"/>
+              <a:round/>
+              <a:headEnd type="none" w="sm" len="sm"/>
+              <a:tailEnd type="none" w="sm" len="sm"/>
+            </a:ln>
+          </p:spPr>
+          <p:txBody>
+            <a:bodyPr spcFirstLastPara="1" wrap="square" lIns="91425" tIns="91425" rIns="91425" bIns="91425" anchor="ctr" anchorCtr="0">
+              <a:noAutofit/>
+            </a:bodyPr>
+            <a:lstStyle/>
+            <a:p>
+              <a:pPr marL="0" lvl="0" indent="0" algn="l" rtl="0">
+                <a:spcBef>
+                  <a:spcPts val="0"/>
+                </a:spcBef>
+                <a:spcAft>
+                  <a:spcPts val="0"/>
+                </a:spcAft>
+                <a:buNone/>
+              </a:pPr>
+              <a:endParaRPr dirty="0"/>
+            </a:p>
+          </p:txBody>
+        </p:sp>
+      </p:grpSp>
+    </p:spTree>
+  </p:cSld>
+  <p:clrMapOvr>
+    <a:masterClrMapping/>
+  </p:clrMapOvr>
 </p:sld>
 </file>
 

--- a/proyecto final.pptx
+++ b/proyecto final.pptx
@@ -5,7 +5,7 @@
     <p:sldMasterId id="2147483693" r:id="rId1"/>
   </p:sldMasterIdLst>
   <p:notesMasterIdLst>
-    <p:notesMasterId r:id="rId23"/>
+    <p:notesMasterId r:id="rId26"/>
   </p:notesMasterIdLst>
   <p:sldIdLst>
     <p:sldId id="256" r:id="rId2"/>
@@ -28,29 +28,32 @@
     <p:sldId id="324" r:id="rId19"/>
     <p:sldId id="325" r:id="rId20"/>
     <p:sldId id="331" r:id="rId21"/>
-    <p:sldId id="315" r:id="rId22"/>
+    <p:sldId id="332" r:id="rId22"/>
+    <p:sldId id="333" r:id="rId23"/>
+    <p:sldId id="334" r:id="rId24"/>
+    <p:sldId id="315" r:id="rId25"/>
   </p:sldIdLst>
   <p:sldSz cx="9144000" cy="5143500" type="screen16x9"/>
   <p:notesSz cx="6858000" cy="9144000"/>
   <p:embeddedFontLst>
     <p:embeddedFont>
       <p:font typeface="Amatic SC" panose="00000500000000000000" pitchFamily="2" charset="-79"/>
-      <p:regular r:id="rId24"/>
-      <p:bold r:id="rId25"/>
+      <p:regular r:id="rId27"/>
+      <p:bold r:id="rId28"/>
     </p:embeddedFont>
     <p:embeddedFont>
       <p:font typeface="Roboto Condensed" panose="02000000000000000000" pitchFamily="2" charset="0"/>
-      <p:regular r:id="rId26"/>
-      <p:bold r:id="rId27"/>
-      <p:italic r:id="rId28"/>
-      <p:boldItalic r:id="rId29"/>
+      <p:regular r:id="rId29"/>
+      <p:bold r:id="rId30"/>
+      <p:italic r:id="rId31"/>
+      <p:boldItalic r:id="rId32"/>
     </p:embeddedFont>
     <p:embeddedFont>
       <p:font typeface="Roboto Mono" panose="00000009000000000000" pitchFamily="49" charset="0"/>
-      <p:regular r:id="rId30"/>
-      <p:bold r:id="rId31"/>
-      <p:italic r:id="rId32"/>
-      <p:boldItalic r:id="rId33"/>
+      <p:regular r:id="rId33"/>
+      <p:bold r:id="rId34"/>
+      <p:italic r:id="rId35"/>
+      <p:boldItalic r:id="rId36"/>
     </p:embeddedFont>
   </p:embeddedFontLst>
   <p:defaultTextStyle>
@@ -1366,6 +1369,75 @@
 </file>
 
 <file path=ppt/notesSlides/notesSlide15.xml><?xml version="1.0" encoding="utf-8"?>
+<p:notes xmlns:a="http://schemas.openxmlformats.org/drawingml/2006/main" xmlns:r="http://schemas.openxmlformats.org/officeDocument/2006/relationships" xmlns:p="http://schemas.openxmlformats.org/presentationml/2006/main">
+  <p:cSld>
+    <p:spTree>
+      <p:nvGrpSpPr>
+        <p:cNvPr id="1" name=""/>
+        <p:cNvGrpSpPr/>
+        <p:nvPr/>
+      </p:nvGrpSpPr>
+      <p:grpSpPr>
+        <a:xfrm>
+          <a:off x="0" y="0"/>
+          <a:ext cx="0" cy="0"/>
+          <a:chOff x="0" y="0"/>
+          <a:chExt cx="0" cy="0"/>
+        </a:xfrm>
+      </p:grpSpPr>
+      <p:sp>
+        <p:nvSpPr>
+          <p:cNvPr id="2" name="Marcador de imagen de diapositiva 1"/>
+          <p:cNvSpPr>
+            <a:spLocks noGrp="1" noRot="1" noChangeAspect="1"/>
+          </p:cNvSpPr>
+          <p:nvPr>
+            <p:ph type="sldImg"/>
+          </p:nvPr>
+        </p:nvSpPr>
+        <p:spPr>
+          <a:xfrm>
+            <a:off x="381000" y="685800"/>
+            <a:ext cx="6096000" cy="3429000"/>
+          </a:xfrm>
+        </p:spPr>
+      </p:sp>
+      <p:sp>
+        <p:nvSpPr>
+          <p:cNvPr id="3" name="Marcador de notas 2"/>
+          <p:cNvSpPr>
+            <a:spLocks noGrp="1"/>
+          </p:cNvSpPr>
+          <p:nvPr>
+            <p:ph type="body" idx="1"/>
+          </p:nvPr>
+        </p:nvSpPr>
+        <p:spPr/>
+        <p:txBody>
+          <a:bodyPr/>
+          <a:lstStyle/>
+          <a:p>
+            <a:endParaRPr lang="es-CO" dirty="0"/>
+          </a:p>
+          <a:p>
+            <a:endParaRPr lang="es-CO" dirty="0"/>
+          </a:p>
+        </p:txBody>
+      </p:sp>
+    </p:spTree>
+    <p:extLst>
+      <p:ext uri="{BB962C8B-B14F-4D97-AF65-F5344CB8AC3E}">
+        <p14:creationId xmlns:p14="http://schemas.microsoft.com/office/powerpoint/2010/main" val="1627877168"/>
+      </p:ext>
+    </p:extLst>
+  </p:cSld>
+  <p:clrMapOvr>
+    <a:masterClrMapping/>
+  </p:clrMapOvr>
+</p:notes>
+</file>
+
+<file path=ppt/notesSlides/notesSlide16.xml><?xml version="1.0" encoding="utf-8"?>
 <p:notes xmlns:a="http://schemas.openxmlformats.org/drawingml/2006/main" xmlns:r="http://schemas.openxmlformats.org/officeDocument/2006/relationships" xmlns:p="http://schemas.openxmlformats.org/presentationml/2006/main" showMasterSp="0" showMasterPhAnim="0">
   <p:cSld>
     <p:spTree>
@@ -16089,7 +16161,7 @@
           <a:lstStyle/>
           <a:p>
             <a:pPr algn="ctr"/>
-            <a:endParaRPr lang="es-CO"/>
+            <a:endParaRPr lang="es-CO" dirty="0"/>
           </a:p>
         </p:txBody>
       </p:sp>
@@ -16135,7 +16207,7 @@
           <a:lstStyle/>
           <a:p>
             <a:pPr algn="ctr"/>
-            <a:endParaRPr lang="es-CO"/>
+            <a:endParaRPr lang="es-CO" dirty="0"/>
           </a:p>
         </p:txBody>
       </p:sp>
@@ -16181,7 +16253,7 @@
           <a:lstStyle/>
           <a:p>
             <a:pPr algn="ctr"/>
-            <a:endParaRPr lang="es-CO"/>
+            <a:endParaRPr lang="es-CO" dirty="0"/>
           </a:p>
         </p:txBody>
       </p:sp>
@@ -16227,7 +16299,7 @@
           <a:lstStyle/>
           <a:p>
             <a:pPr algn="ctr"/>
-            <a:endParaRPr lang="es-CO"/>
+            <a:endParaRPr lang="es-CO" dirty="0"/>
           </a:p>
         </p:txBody>
       </p:sp>
@@ -16273,7 +16345,7 @@
           <a:lstStyle/>
           <a:p>
             <a:pPr algn="ctr"/>
-            <a:endParaRPr lang="es-CO"/>
+            <a:endParaRPr lang="es-CO" dirty="0"/>
           </a:p>
         </p:txBody>
       </p:sp>
@@ -16319,7 +16391,7 @@
           <a:lstStyle/>
           <a:p>
             <a:pPr algn="ctr"/>
-            <a:endParaRPr lang="es-CO"/>
+            <a:endParaRPr lang="es-CO" dirty="0"/>
           </a:p>
         </p:txBody>
       </p:sp>
@@ -16365,7 +16437,7 @@
           <a:lstStyle/>
           <a:p>
             <a:pPr algn="ctr"/>
-            <a:endParaRPr lang="es-CO"/>
+            <a:endParaRPr lang="es-CO" dirty="0"/>
           </a:p>
         </p:txBody>
       </p:sp>
@@ -16575,7 +16647,7 @@
           <a:lstStyle/>
           <a:p>
             <a:pPr algn="ctr"/>
-            <a:endParaRPr lang="es-CO"/>
+            <a:endParaRPr lang="es-CO" dirty="0"/>
           </a:p>
         </p:txBody>
       </p:sp>
@@ -16621,7 +16693,7 @@
           <a:lstStyle/>
           <a:p>
             <a:pPr algn="ctr"/>
-            <a:endParaRPr lang="es-CO"/>
+            <a:endParaRPr lang="es-CO" dirty="0"/>
           </a:p>
         </p:txBody>
       </p:sp>
@@ -16667,7 +16739,7 @@
           <a:lstStyle/>
           <a:p>
             <a:pPr algn="ctr"/>
-            <a:endParaRPr lang="es-CO"/>
+            <a:endParaRPr lang="es-CO" dirty="0"/>
           </a:p>
         </p:txBody>
       </p:sp>
@@ -16713,7 +16785,7 @@
           <a:lstStyle/>
           <a:p>
             <a:pPr algn="ctr"/>
-            <a:endParaRPr lang="es-CO"/>
+            <a:endParaRPr lang="es-CO" dirty="0"/>
           </a:p>
         </p:txBody>
       </p:sp>
@@ -16759,7 +16831,7 @@
           <a:lstStyle/>
           <a:p>
             <a:pPr algn="ctr"/>
-            <a:endParaRPr lang="es-CO"/>
+            <a:endParaRPr lang="es-CO" dirty="0"/>
           </a:p>
         </p:txBody>
       </p:sp>
@@ -17726,7 +17798,7 @@
           <a:lstStyle/>
           <a:p>
             <a:r>
-              <a:rPr lang="es-CO" dirty="0" err="1">
+              <a:rPr lang="es-CO" dirty="0">
                 <a:solidFill>
                   <a:schemeClr val="accent2"/>
                 </a:solidFill>
@@ -17739,23 +17811,7 @@
                   <a:schemeClr val="bg1"/>
                 </a:solidFill>
               </a:rPr>
-              <a:t> </a:t>
-            </a:r>
-            <a:r>
-              <a:rPr lang="es-CO" dirty="0" err="1">
-                <a:solidFill>
-                  <a:schemeClr val="bg1"/>
-                </a:solidFill>
-              </a:rPr>
-              <a:t>muerte_jugador</a:t>
-            </a:r>
-            <a:r>
-              <a:rPr lang="es-CO" dirty="0">
-                <a:solidFill>
-                  <a:schemeClr val="bg1"/>
-                </a:solidFill>
-              </a:rPr>
-              <a:t>();</a:t>
+              <a:t> muerte_jugador();</a:t>
             </a:r>
           </a:p>
           <a:p>
@@ -17783,23 +17839,7 @@
                   <a:schemeClr val="bg1"/>
                 </a:solidFill>
               </a:rPr>
-              <a:t>Atributos= Determinar  variables del usuario que determinen la vida del personaje y si excede sus variables de vida, se anunciara el fracaso del objetivo y su </a:t>
-            </a:r>
-            <a:r>
-              <a:rPr lang="es-CO" dirty="0" err="1">
-                <a:solidFill>
-                  <a:schemeClr val="bg1"/>
-                </a:solidFill>
-              </a:rPr>
-              <a:t>reincio</a:t>
-            </a:r>
-            <a:r>
-              <a:rPr lang="es-CO" dirty="0">
-                <a:solidFill>
-                  <a:schemeClr val="bg1"/>
-                </a:solidFill>
-              </a:rPr>
-              <a:t>.</a:t>
+              <a:t>Atributos= Determinar  variables del usuario que determinen la vida del personaje y si excede sus variables de vida, se anunciara el fracaso del objetivo y su reinicio.</a:t>
             </a:r>
           </a:p>
           <a:p>
@@ -17818,23 +17858,7 @@
                   <a:schemeClr val="bg1"/>
                 </a:solidFill>
               </a:rPr>
-              <a:t>Métodos= Accionar un anuncio del cumplimiento de la muerte del usuario, y aplicar el </a:t>
-            </a:r>
-            <a:r>
-              <a:rPr lang="es-CO" dirty="0" err="1">
-                <a:solidFill>
-                  <a:schemeClr val="bg1"/>
-                </a:solidFill>
-              </a:rPr>
-              <a:t>sprite</a:t>
-            </a:r>
-            <a:r>
-              <a:rPr lang="es-CO" dirty="0">
-                <a:solidFill>
-                  <a:schemeClr val="bg1"/>
-                </a:solidFill>
-              </a:rPr>
-              <a:t> de su derrota para proseguir con el reinicio.</a:t>
+              <a:t>Métodos= Accionar un anuncio del cumplimiento de la muerte del usuario, y aplicar el Sprite de su derrota para proseguir con el reinicio.</a:t>
             </a:r>
           </a:p>
           <a:p>
@@ -17846,7 +17870,7 @@
           </a:p>
           <a:p>
             <a:r>
-              <a:rPr lang="es-CO" dirty="0" err="1">
+              <a:rPr lang="es-CO" dirty="0">
                 <a:solidFill>
                   <a:schemeClr val="accent2"/>
                 </a:solidFill>
@@ -17859,23 +17883,7 @@
                   <a:schemeClr val="bg1"/>
                 </a:solidFill>
               </a:rPr>
-              <a:t> </a:t>
-            </a:r>
-            <a:r>
-              <a:rPr lang="es-CO" dirty="0" err="1">
-                <a:solidFill>
-                  <a:schemeClr val="bg1"/>
-                </a:solidFill>
-              </a:rPr>
-              <a:t>muerte_enemigo</a:t>
-            </a:r>
-            <a:r>
-              <a:rPr lang="es-CO" dirty="0">
-                <a:solidFill>
-                  <a:schemeClr val="bg1"/>
-                </a:solidFill>
-              </a:rPr>
-              <a:t>();</a:t>
+              <a:t> muerte_enemigo();</a:t>
             </a:r>
           </a:p>
           <a:p>
@@ -18863,7 +18871,7 @@
           <a:lstStyle/>
           <a:p>
             <a:r>
-              <a:rPr lang="es-CO" dirty="0" err="1">
+              <a:rPr lang="es-CO" dirty="0">
                 <a:solidFill>
                   <a:schemeClr val="accent2"/>
                 </a:solidFill>
@@ -18876,23 +18884,7 @@
                   <a:schemeClr val="bg1"/>
                 </a:solidFill>
               </a:rPr>
-              <a:t> </a:t>
-            </a:r>
-            <a:r>
-              <a:rPr lang="es-CO" dirty="0" err="1">
-                <a:solidFill>
-                  <a:schemeClr val="bg1"/>
-                </a:solidFill>
-              </a:rPr>
-              <a:t>actualizar_cronometro</a:t>
-            </a:r>
-            <a:r>
-              <a:rPr lang="es-CO" dirty="0">
-                <a:solidFill>
-                  <a:schemeClr val="bg1"/>
-                </a:solidFill>
-              </a:rPr>
-              <a:t>();</a:t>
+              <a:t> actualizar_cronometro();</a:t>
             </a:r>
           </a:p>
           <a:p>
@@ -18951,7 +18943,7 @@
           </a:p>
           <a:p>
             <a:r>
-              <a:rPr lang="es-CO" dirty="0" err="1">
+              <a:rPr lang="es-CO" dirty="0">
                 <a:solidFill>
                   <a:schemeClr val="accent2"/>
                 </a:solidFill>
@@ -18964,23 +18956,7 @@
                   <a:schemeClr val="bg1"/>
                 </a:solidFill>
               </a:rPr>
-              <a:t> </a:t>
-            </a:r>
-            <a:r>
-              <a:rPr lang="es-CO" dirty="0" err="1">
-                <a:solidFill>
-                  <a:schemeClr val="bg1"/>
-                </a:solidFill>
-              </a:rPr>
-              <a:t>inicializar_juego</a:t>
-            </a:r>
-            <a:r>
-              <a:rPr lang="es-CO" dirty="0">
-                <a:solidFill>
-                  <a:schemeClr val="bg1"/>
-                </a:solidFill>
-              </a:rPr>
-              <a:t>();</a:t>
+              <a:t> inicializar_juego();</a:t>
             </a:r>
           </a:p>
           <a:p>
@@ -19008,23 +18984,7 @@
                   <a:schemeClr val="bg1"/>
                 </a:solidFill>
               </a:rPr>
-              <a:t>Atributos=Botón o  </a:t>
-            </a:r>
-            <a:r>
-              <a:rPr lang="es-CO" dirty="0" err="1">
-                <a:solidFill>
-                  <a:schemeClr val="bg1"/>
-                </a:solidFill>
-              </a:rPr>
-              <a:t>periferico</a:t>
-            </a:r>
-            <a:r>
-              <a:rPr lang="es-CO" dirty="0">
-                <a:solidFill>
-                  <a:schemeClr val="bg1"/>
-                </a:solidFill>
-              </a:rPr>
-              <a:t> que inicie el proceso de ejecución de todo el código, y los programas necesario para su desarrollo.</a:t>
+              <a:t>Atributos=Botón o  periférico que inicie el proceso de ejecución de todo el código, y los programas necesario para su desarrollo.</a:t>
             </a:r>
           </a:p>
           <a:p>
@@ -19064,20 +19024,12 @@
               <a:t>Class </a:t>
             </a:r>
             <a:r>
-              <a:rPr lang="es-CO" dirty="0" err="1">
-                <a:solidFill>
-                  <a:schemeClr val="bg1"/>
-                </a:solidFill>
-              </a:rPr>
-              <a:t>mini_juego</a:t>
-            </a:r>
-            <a:r>
               <a:rPr lang="es-CO" dirty="0">
                 <a:solidFill>
                   <a:schemeClr val="bg1"/>
                 </a:solidFill>
               </a:rPr>
-              <a:t>(); </a:t>
+              <a:t>mini_juego(); </a:t>
             </a:r>
             <a:r>
               <a:rPr lang="es-CO" dirty="0"/>
@@ -19108,23 +19060,7 @@
                   <a:schemeClr val="bg1"/>
                 </a:solidFill>
               </a:rPr>
-              <a:t>Atributos: Variables especificas para cada </a:t>
-            </a:r>
-            <a:r>
-              <a:rPr lang="es-CO" dirty="0" err="1">
-                <a:solidFill>
-                  <a:schemeClr val="bg1"/>
-                </a:solidFill>
-              </a:rPr>
-              <a:t>mini-juego</a:t>
-            </a:r>
-            <a:r>
-              <a:rPr lang="es-CO" dirty="0">
-                <a:solidFill>
-                  <a:schemeClr val="bg1"/>
-                </a:solidFill>
-              </a:rPr>
-              <a:t> y proceso de ejecución.</a:t>
+              <a:t>Atributos: Variables especificas para cada mini-juego y proceso de ejecución.</a:t>
             </a:r>
           </a:p>
           <a:p>
@@ -19141,23 +19077,7 @@
                   <a:schemeClr val="bg1"/>
                 </a:solidFill>
               </a:rPr>
-              <a:t>Métodos: </a:t>
-            </a:r>
-            <a:r>
-              <a:rPr lang="es-CO" dirty="0" err="1">
-                <a:solidFill>
-                  <a:schemeClr val="bg1"/>
-                </a:solidFill>
-              </a:rPr>
-              <a:t>Ejecucion</a:t>
-            </a:r>
-            <a:r>
-              <a:rPr lang="es-CO" dirty="0">
-                <a:solidFill>
-                  <a:schemeClr val="bg1"/>
-                </a:solidFill>
-              </a:rPr>
-              <a:t> de un proceso alterno, al programa principal.</a:t>
+              <a:t>Métodos: Ejecución de un proceso alterno, al programa principal.</a:t>
             </a:r>
           </a:p>
           <a:p>
@@ -19218,6 +19138,585 @@
 </file>
 
 <file path=ppt/slides/slide21.xml><?xml version="1.0" encoding="utf-8"?>
+<p:sld xmlns:a="http://schemas.openxmlformats.org/drawingml/2006/main" xmlns:r="http://schemas.openxmlformats.org/officeDocument/2006/relationships" xmlns:p="http://schemas.openxmlformats.org/presentationml/2006/main">
+  <p:cSld>
+    <p:spTree>
+      <p:nvGrpSpPr>
+        <p:cNvPr id="1" name=""/>
+        <p:cNvGrpSpPr/>
+        <p:nvPr/>
+      </p:nvGrpSpPr>
+      <p:grpSpPr>
+        <a:xfrm>
+          <a:off x="0" y="0"/>
+          <a:ext cx="0" cy="0"/>
+          <a:chOff x="0" y="0"/>
+          <a:chExt cx="0" cy="0"/>
+        </a:xfrm>
+      </p:grpSpPr>
+      <p:sp>
+        <p:nvSpPr>
+          <p:cNvPr id="2" name="Título 1">
+            <a:extLst>
+              <a:ext uri="{FF2B5EF4-FFF2-40B4-BE49-F238E27FC236}">
+                <a16:creationId xmlns:a16="http://schemas.microsoft.com/office/drawing/2014/main" id="{97D8F004-FD69-2C22-4EA2-DD85525A58CA}"/>
+              </a:ext>
+            </a:extLst>
+          </p:cNvPr>
+          <p:cNvSpPr>
+            <a:spLocks noGrp="1"/>
+          </p:cNvSpPr>
+          <p:nvPr>
+            <p:ph type="title"/>
+          </p:nvPr>
+        </p:nvSpPr>
+        <p:spPr>
+          <a:xfrm>
+            <a:off x="720000" y="63699"/>
+            <a:ext cx="7704000" cy="572700"/>
+          </a:xfrm>
+        </p:spPr>
+        <p:txBody>
+          <a:bodyPr/>
+          <a:lstStyle/>
+          <a:p>
+            <a:r>
+              <a:rPr lang="es-CO" dirty="0"/>
+              <a:t>Librerías de qt a utilizar</a:t>
+            </a:r>
+          </a:p>
+        </p:txBody>
+      </p:sp>
+      <p:sp>
+        <p:nvSpPr>
+          <p:cNvPr id="4" name="CuadroTexto 3">
+            <a:extLst>
+              <a:ext uri="{FF2B5EF4-FFF2-40B4-BE49-F238E27FC236}">
+                <a16:creationId xmlns:a16="http://schemas.microsoft.com/office/drawing/2014/main" id="{2A0E83B2-5CD4-BA7A-3E88-CB6F8069AB67}"/>
+              </a:ext>
+            </a:extLst>
+          </p:cNvPr>
+          <p:cNvSpPr txBox="1"/>
+          <p:nvPr/>
+        </p:nvSpPr>
+        <p:spPr>
+          <a:xfrm flipH="1">
+            <a:off x="584532" y="857955"/>
+            <a:ext cx="7704001" cy="4185761"/>
+          </a:xfrm>
+          <a:prstGeom prst="rect">
+            <a:avLst/>
+          </a:prstGeom>
+          <a:noFill/>
+        </p:spPr>
+        <p:txBody>
+          <a:bodyPr wrap="square" rtlCol="0">
+            <a:spAutoFit/>
+          </a:bodyPr>
+          <a:lstStyle/>
+          <a:p>
+            <a:r>
+              <a:rPr lang="es-CO" dirty="0">
+                <a:solidFill>
+                  <a:schemeClr val="bg1"/>
+                </a:solidFill>
+              </a:rPr>
+              <a:t>Para  poder llevar a cabo la implementación de manera correcta del juego se deben implementar librerías externas al lenguaje c++ que solo se pueden usar en el framework QT</a:t>
+            </a:r>
+          </a:p>
+          <a:p>
+            <a:r>
+              <a:rPr lang="es-CO" dirty="0">
+                <a:solidFill>
+                  <a:schemeClr val="bg1"/>
+                </a:solidFill>
+              </a:rPr>
+              <a:t>Estas librerías son:</a:t>
+            </a:r>
+          </a:p>
+          <a:p>
+            <a:endParaRPr lang="es-CO" dirty="0">
+              <a:solidFill>
+                <a:schemeClr val="bg1"/>
+              </a:solidFill>
+            </a:endParaRPr>
+          </a:p>
+          <a:p>
+            <a:r>
+              <a:rPr lang="es-CO" dirty="0">
+                <a:solidFill>
+                  <a:schemeClr val="accent2"/>
+                </a:solidFill>
+              </a:rPr>
+              <a:t>QGraphicsPixmapItem:</a:t>
+            </a:r>
+          </a:p>
+          <a:p>
+            <a:r>
+              <a:rPr lang="es-CO" dirty="0">
+                <a:solidFill>
+                  <a:schemeClr val="bg1"/>
+                </a:solidFill>
+              </a:rPr>
+              <a:t>se utiliza para mostrar y manipular imágenes en un entorno gráfico. Proporciona una representación gráfica de una imagen (mapa de píxeles) dentro de una escena de gráficos en Qt. Permite cargar imágenes desde archivos o crearlas dinámicamente, y luego colocarlas y transformarlas en una escena para su visualización o interacción con el usuario. </a:t>
+            </a:r>
+          </a:p>
+          <a:p>
+            <a:endParaRPr lang="es-CO" dirty="0">
+              <a:solidFill>
+                <a:schemeClr val="bg1"/>
+              </a:solidFill>
+            </a:endParaRPr>
+          </a:p>
+          <a:p>
+            <a:r>
+              <a:rPr lang="es-CO" dirty="0">
+                <a:solidFill>
+                  <a:schemeClr val="accent2"/>
+                </a:solidFill>
+              </a:rPr>
+              <a:t>Qobject:</a:t>
+            </a:r>
+          </a:p>
+          <a:p>
+            <a:r>
+              <a:rPr lang="es-CO" dirty="0">
+                <a:solidFill>
+                  <a:schemeClr val="bg1"/>
+                </a:solidFill>
+              </a:rPr>
+              <a:t>agrega funcionalidad esencial para el desarrollo de aplicaciones, como la gestión de eventos, señales y ranuras, administración de memoria y otras características de programación orientada a objetos.</a:t>
+            </a:r>
+          </a:p>
+          <a:p>
+            <a:endParaRPr lang="es-CO" dirty="0">
+              <a:solidFill>
+                <a:schemeClr val="bg1"/>
+              </a:solidFill>
+            </a:endParaRPr>
+          </a:p>
+          <a:p>
+            <a:r>
+              <a:rPr lang="es-CO" dirty="0">
+                <a:solidFill>
+                  <a:schemeClr val="accent2"/>
+                </a:solidFill>
+              </a:rPr>
+              <a:t>QGraphicsItem</a:t>
+            </a:r>
+            <a:r>
+              <a:rPr lang="es-CO" dirty="0">
+                <a:solidFill>
+                  <a:schemeClr val="bg1"/>
+                </a:solidFill>
+              </a:rPr>
+              <a:t>:</a:t>
+            </a:r>
+          </a:p>
+          <a:p>
+            <a:r>
+              <a:rPr lang="es-CO" dirty="0">
+                <a:solidFill>
+                  <a:schemeClr val="bg1"/>
+                </a:solidFill>
+              </a:rPr>
+              <a:t>permite la creación, manipulación y visualización de elementos gráficos en una escena en 2D, ofreciendo un amplio conjunto de características para el desarrollo de aplicaciones interactivas y gráficas.</a:t>
+            </a:r>
+          </a:p>
+        </p:txBody>
+      </p:sp>
+    </p:spTree>
+    <p:extLst>
+      <p:ext uri="{BB962C8B-B14F-4D97-AF65-F5344CB8AC3E}">
+        <p14:creationId xmlns:p14="http://schemas.microsoft.com/office/powerpoint/2010/main" val="19619566"/>
+      </p:ext>
+    </p:extLst>
+  </p:cSld>
+  <p:clrMapOvr>
+    <a:masterClrMapping/>
+  </p:clrMapOvr>
+</p:sld>
+</file>
+
+<file path=ppt/slides/slide22.xml><?xml version="1.0" encoding="utf-8"?>
+<p:sld xmlns:a="http://schemas.openxmlformats.org/drawingml/2006/main" xmlns:r="http://schemas.openxmlformats.org/officeDocument/2006/relationships" xmlns:p="http://schemas.openxmlformats.org/presentationml/2006/main">
+  <p:cSld>
+    <p:spTree>
+      <p:nvGrpSpPr>
+        <p:cNvPr id="1" name=""/>
+        <p:cNvGrpSpPr/>
+        <p:nvPr/>
+      </p:nvGrpSpPr>
+      <p:grpSpPr>
+        <a:xfrm>
+          <a:off x="0" y="0"/>
+          <a:ext cx="0" cy="0"/>
+          <a:chOff x="0" y="0"/>
+          <a:chExt cx="0" cy="0"/>
+        </a:xfrm>
+      </p:grpSpPr>
+      <p:sp>
+        <p:nvSpPr>
+          <p:cNvPr id="3" name="CuadroTexto 2">
+            <a:extLst>
+              <a:ext uri="{FF2B5EF4-FFF2-40B4-BE49-F238E27FC236}">
+                <a16:creationId xmlns:a16="http://schemas.microsoft.com/office/drawing/2014/main" id="{BB191A99-7540-F223-24EE-51052F294F14}"/>
+              </a:ext>
+            </a:extLst>
+          </p:cNvPr>
+          <p:cNvSpPr txBox="1"/>
+          <p:nvPr/>
+        </p:nvSpPr>
+        <p:spPr>
+          <a:xfrm flipH="1">
+            <a:off x="699910" y="225777"/>
+            <a:ext cx="8037689" cy="5478423"/>
+          </a:xfrm>
+          <a:prstGeom prst="rect">
+            <a:avLst/>
+          </a:prstGeom>
+          <a:noFill/>
+        </p:spPr>
+        <p:txBody>
+          <a:bodyPr wrap="square" rtlCol="0">
+            <a:spAutoFit/>
+          </a:bodyPr>
+          <a:lstStyle/>
+          <a:p>
+            <a:r>
+              <a:rPr lang="es-CO" dirty="0">
+                <a:solidFill>
+                  <a:schemeClr val="accent2"/>
+                </a:solidFill>
+              </a:rPr>
+              <a:t>QMainWindow:</a:t>
+            </a:r>
+          </a:p>
+          <a:p>
+            <a:r>
+              <a:rPr lang="es-CO" dirty="0">
+                <a:solidFill>
+                  <a:schemeClr val="bg1"/>
+                </a:solidFill>
+              </a:rPr>
+              <a:t>Es la ventana principal de la interfaz grafica  la cual  maneja el tamaño y la posición de la ventana, la gestión de eventos de ventana, el soporte para la personalización de la interfaz de usuario y otras funcionalidades relacionadas con la ventana principal de la aplicación.</a:t>
+            </a:r>
+          </a:p>
+          <a:p>
+            <a:endParaRPr lang="es-CO" dirty="0">
+              <a:solidFill>
+                <a:schemeClr val="bg1"/>
+              </a:solidFill>
+            </a:endParaRPr>
+          </a:p>
+          <a:p>
+            <a:r>
+              <a:rPr lang="es-CO" dirty="0">
+                <a:solidFill>
+                  <a:schemeClr val="accent2"/>
+                </a:solidFill>
+              </a:rPr>
+              <a:t>QGraphicsScene:</a:t>
+            </a:r>
+          </a:p>
+          <a:p>
+            <a:r>
+              <a:rPr lang="es-CO" dirty="0">
+                <a:solidFill>
+                  <a:schemeClr val="bg1"/>
+                </a:solidFill>
+              </a:rPr>
+              <a:t>proporciona un entorno de dibujo en 2D donde se pueden colocar, manipular y gestionar objetos gráficos. Actúa como un escenario virtual en el que se desarrolla la representación y la interacción de los elementos gráficos utilizados en una aplicación.</a:t>
+            </a:r>
+          </a:p>
+          <a:p>
+            <a:endParaRPr lang="es-CO" dirty="0">
+              <a:solidFill>
+                <a:schemeClr val="bg1"/>
+              </a:solidFill>
+            </a:endParaRPr>
+          </a:p>
+          <a:p>
+            <a:r>
+              <a:rPr lang="es-CO" dirty="0">
+                <a:solidFill>
+                  <a:schemeClr val="accent2"/>
+                </a:solidFill>
+              </a:rPr>
+              <a:t>QGraphicsView:</a:t>
+            </a:r>
+          </a:p>
+          <a:p>
+            <a:r>
+              <a:rPr lang="es-CO" dirty="0">
+                <a:solidFill>
+                  <a:schemeClr val="bg1"/>
+                </a:solidFill>
+              </a:rPr>
+              <a:t>ofrece una interfaz de visualización para la escena gráfica, permitiendo al usuario desplazarse y hacer zoom en la escena, así como interactuar con los objetos gráficos mediante eventos de entrada, como clics del mouse o pulsaciones de teclas.</a:t>
+            </a:r>
+          </a:p>
+          <a:p>
+            <a:endParaRPr lang="es-CO" dirty="0">
+              <a:solidFill>
+                <a:schemeClr val="bg1"/>
+              </a:solidFill>
+            </a:endParaRPr>
+          </a:p>
+          <a:p>
+            <a:r>
+              <a:rPr lang="es-CO" dirty="0">
+                <a:solidFill>
+                  <a:schemeClr val="accent2"/>
+                </a:solidFill>
+              </a:rPr>
+              <a:t>QKeyEvent:</a:t>
+            </a:r>
+          </a:p>
+          <a:p>
+            <a:r>
+              <a:rPr lang="es-CO" dirty="0">
+                <a:solidFill>
+                  <a:schemeClr val="bg1"/>
+                </a:solidFill>
+              </a:rPr>
+              <a:t>Se utiliza para capturar y manejar la entrada del teclado en una aplicación Qt, permitiendo la implementación de la lógica relacionada con eventos de teclado en la interfaz de usuario.</a:t>
+            </a:r>
+          </a:p>
+          <a:p>
+            <a:endParaRPr lang="es-CO" dirty="0">
+              <a:solidFill>
+                <a:schemeClr val="bg1"/>
+              </a:solidFill>
+            </a:endParaRPr>
+          </a:p>
+          <a:p>
+            <a:r>
+              <a:rPr lang="es-CO" dirty="0">
+                <a:solidFill>
+                  <a:schemeClr val="accent2"/>
+                </a:solidFill>
+              </a:rPr>
+              <a:t>Qtimer:</a:t>
+            </a:r>
+          </a:p>
+          <a:p>
+            <a:r>
+              <a:rPr lang="es-CO" dirty="0">
+                <a:solidFill>
+                  <a:schemeClr val="bg1"/>
+                </a:solidFill>
+              </a:rPr>
+              <a:t>permite programar la ejecución de tareas o acciones en intervalos de tiempo regulares</a:t>
+            </a:r>
+          </a:p>
+          <a:p>
+            <a:endParaRPr lang="es-CO" dirty="0">
+              <a:solidFill>
+                <a:schemeClr val="bg1"/>
+              </a:solidFill>
+            </a:endParaRPr>
+          </a:p>
+          <a:p>
+            <a:endParaRPr lang="es-CO" dirty="0">
+              <a:solidFill>
+                <a:schemeClr val="bg1"/>
+              </a:solidFill>
+            </a:endParaRPr>
+          </a:p>
+          <a:p>
+            <a:endParaRPr lang="es-CO" dirty="0">
+              <a:solidFill>
+                <a:schemeClr val="bg1"/>
+              </a:solidFill>
+            </a:endParaRPr>
+          </a:p>
+          <a:p>
+            <a:endParaRPr lang="es-CO" dirty="0"/>
+          </a:p>
+        </p:txBody>
+      </p:sp>
+    </p:spTree>
+    <p:extLst>
+      <p:ext uri="{BB962C8B-B14F-4D97-AF65-F5344CB8AC3E}">
+        <p14:creationId xmlns:p14="http://schemas.microsoft.com/office/powerpoint/2010/main" val="4091357068"/>
+      </p:ext>
+    </p:extLst>
+  </p:cSld>
+  <p:clrMapOvr>
+    <a:masterClrMapping/>
+  </p:clrMapOvr>
+</p:sld>
+</file>
+
+<file path=ppt/slides/slide23.xml><?xml version="1.0" encoding="utf-8"?>
+<p:sld xmlns:a="http://schemas.openxmlformats.org/drawingml/2006/main" xmlns:r="http://schemas.openxmlformats.org/officeDocument/2006/relationships" xmlns:p="http://schemas.openxmlformats.org/presentationml/2006/main">
+  <p:cSld>
+    <p:spTree>
+      <p:nvGrpSpPr>
+        <p:cNvPr id="1" name=""/>
+        <p:cNvGrpSpPr/>
+        <p:nvPr/>
+      </p:nvGrpSpPr>
+      <p:grpSpPr>
+        <a:xfrm>
+          <a:off x="0" y="0"/>
+          <a:ext cx="0" cy="0"/>
+          <a:chOff x="0" y="0"/>
+          <a:chExt cx="0" cy="0"/>
+        </a:xfrm>
+      </p:grpSpPr>
+      <p:sp>
+        <p:nvSpPr>
+          <p:cNvPr id="4" name="CuadroTexto 3">
+            <a:extLst>
+              <a:ext uri="{FF2B5EF4-FFF2-40B4-BE49-F238E27FC236}">
+                <a16:creationId xmlns:a16="http://schemas.microsoft.com/office/drawing/2014/main" id="{FF29E65A-F9EB-481C-4B5D-4CD5FC58CE96}"/>
+              </a:ext>
+            </a:extLst>
+          </p:cNvPr>
+          <p:cNvSpPr txBox="1"/>
+          <p:nvPr/>
+        </p:nvSpPr>
+        <p:spPr>
+          <a:xfrm flipH="1">
+            <a:off x="654756" y="180622"/>
+            <a:ext cx="7778044" cy="5047536"/>
+          </a:xfrm>
+          <a:prstGeom prst="rect">
+            <a:avLst/>
+          </a:prstGeom>
+          <a:noFill/>
+        </p:spPr>
+        <p:txBody>
+          <a:bodyPr wrap="square" rtlCol="0">
+            <a:spAutoFit/>
+          </a:bodyPr>
+          <a:lstStyle/>
+          <a:p>
+            <a:r>
+              <a:rPr lang="es-CO" dirty="0">
+                <a:solidFill>
+                  <a:schemeClr val="accent2"/>
+                </a:solidFill>
+              </a:rPr>
+              <a:t>Qapplication:</a:t>
+            </a:r>
+          </a:p>
+          <a:p>
+            <a:r>
+              <a:rPr lang="es-CO" dirty="0">
+                <a:solidFill>
+                  <a:schemeClr val="bg1"/>
+                </a:solidFill>
+              </a:rPr>
+              <a:t>representa la aplicación en una interfaz gráfica de usuario. Se encarga de la inicialización, gestión del bucle de eventos y configuración de la aplicación Qt, así como de la integración con el sistema operativo. Es un componente fundamental para el desarrollo de aplicaciones Qt con una interfaz gráfica de usuario.</a:t>
+            </a:r>
+          </a:p>
+          <a:p>
+            <a:endParaRPr lang="es-CO" dirty="0">
+              <a:solidFill>
+                <a:schemeClr val="bg1"/>
+              </a:solidFill>
+            </a:endParaRPr>
+          </a:p>
+          <a:p>
+            <a:r>
+              <a:rPr lang="es-CO" dirty="0">
+                <a:solidFill>
+                  <a:schemeClr val="accent2"/>
+                </a:solidFill>
+              </a:rPr>
+              <a:t>QCoreApplication:</a:t>
+            </a:r>
+          </a:p>
+          <a:p>
+            <a:r>
+              <a:rPr lang="es-CO" dirty="0">
+                <a:solidFill>
+                  <a:schemeClr val="bg1"/>
+                </a:solidFill>
+              </a:rPr>
+              <a:t>Representa la aplicación en una aplicación de línea de comandos o una aplicación Qt sin interfaz gráfica. Se encarga de la inicialización, gestión del bucle de eventos y configuración básica de la aplicación en modo de línea de comandos. Es un componente fundamental para el desarrollo de aplicaciones Qt en contextos sin interfaz gráfica de usuario.</a:t>
+            </a:r>
+          </a:p>
+          <a:p>
+            <a:endParaRPr lang="es-CO" dirty="0">
+              <a:solidFill>
+                <a:schemeClr val="bg1"/>
+              </a:solidFill>
+            </a:endParaRPr>
+          </a:p>
+          <a:p>
+            <a:r>
+              <a:rPr lang="es-CO" dirty="0">
+                <a:solidFill>
+                  <a:schemeClr val="accent2"/>
+                </a:solidFill>
+              </a:rPr>
+              <a:t>Qdebug</a:t>
+            </a:r>
+          </a:p>
+          <a:p>
+            <a:r>
+              <a:rPr lang="es-CO" dirty="0">
+                <a:solidFill>
+                  <a:schemeClr val="bg1"/>
+                </a:solidFill>
+              </a:rPr>
+              <a:t>proporciona una forma sencilla de imprimir mensajes de depuración en la consola o salida de depuración durante el desarrollo de una aplicación. Es una herramienta útil para mostrar información relevante sobre el estado y el flujo de ejecución del programa, lo que facilita la identificación y solución de problemas.</a:t>
+            </a:r>
+          </a:p>
+          <a:p>
+            <a:endParaRPr lang="es-CO" dirty="0">
+              <a:solidFill>
+                <a:schemeClr val="bg1"/>
+              </a:solidFill>
+            </a:endParaRPr>
+          </a:p>
+          <a:p>
+            <a:r>
+              <a:rPr lang="es-CO" dirty="0">
+                <a:solidFill>
+                  <a:schemeClr val="accent2"/>
+                </a:solidFill>
+              </a:rPr>
+              <a:t>Qpainter:</a:t>
+            </a:r>
+          </a:p>
+          <a:p>
+            <a:r>
+              <a:rPr lang="es-CO" dirty="0">
+                <a:solidFill>
+                  <a:schemeClr val="bg1"/>
+                </a:solidFill>
+              </a:rPr>
+              <a:t>se utiliza para realizar operaciones de dibujo y pintura en widgets y dispositivos de salida. Proporciona una interfaz sencilla para dibujar formas, texto, imágenes y otros elementos gráficos, y ofrece opciones de relleno, transformaciones y composición.</a:t>
+            </a:r>
+          </a:p>
+          <a:p>
+            <a:endParaRPr lang="es-CO" dirty="0">
+              <a:solidFill>
+                <a:schemeClr val="bg1"/>
+              </a:solidFill>
+            </a:endParaRPr>
+          </a:p>
+        </p:txBody>
+      </p:sp>
+    </p:spTree>
+    <p:extLst>
+      <p:ext uri="{BB962C8B-B14F-4D97-AF65-F5344CB8AC3E}">
+        <p14:creationId xmlns:p14="http://schemas.microsoft.com/office/powerpoint/2010/main" val="1355873561"/>
+      </p:ext>
+    </p:extLst>
+  </p:cSld>
+  <p:clrMapOvr>
+    <a:masterClrMapping/>
+  </p:clrMapOvr>
+</p:sld>
+</file>
+
+<file path=ppt/slides/slide24.xml><?xml version="1.0" encoding="utf-8"?>
 <p:sld xmlns:a="http://schemas.openxmlformats.org/drawingml/2006/main" xmlns:r="http://schemas.openxmlformats.org/officeDocument/2006/relationships" xmlns:p="http://schemas.openxmlformats.org/presentationml/2006/main">
   <p:cSld>
     <p:spTree>
